--- a/Bayes/2_bn.pptx
+++ b/Bayes/2_bn.pptx
@@ -574,14 +574,14 @@
           </a:ln>
           <a:extLst>
             <a:ext uri="{909E8E84-426E-40dd-AFC4-6F175D3DCCD1}">
-              <a14:hiddenFill xmlns="" xmlns:a14="http://schemas.microsoft.com/office/drawing/2010/main">
+              <a14:hiddenFill xmlns:a14="http://schemas.microsoft.com/office/drawing/2010/main" xmlns="">
                 <a:solidFill>
                   <a:srgbClr val="FFFFFF"/>
                 </a:solidFill>
               </a14:hiddenFill>
             </a:ext>
             <a:ext uri="{FAA26D3D-D897-4be2-8F04-BA451C77F1D7}">
-              <ma14:placeholderFlag xmlns="" xmlns:ma14="http://schemas.microsoft.com/office/mac/drawingml/2011/main" val="1"/>
+              <ma14:placeholderFlag xmlns:ma14="http://schemas.microsoft.com/office/mac/drawingml/2011/main" xmlns="" val="1"/>
             </a:ext>
           </a:extLst>
         </p:spPr>
@@ -1061,14 +1061,14 @@
           <a:ln/>
           <a:extLst>
             <a:ext uri="{909E8E84-426E-40dd-AFC4-6F175D3DCCD1}">
-              <a14:hiddenFill xmlns="" xmlns:a14="http://schemas.microsoft.com/office/drawing/2010/main">
+              <a14:hiddenFill xmlns:a14="http://schemas.microsoft.com/office/drawing/2010/main" xmlns="">
                 <a:solidFill>
                   <a:srgbClr val="FFFFFF"/>
                 </a:solidFill>
               </a14:hiddenFill>
             </a:ext>
             <a:ext uri="{91240B29-F687-4f45-9708-019B960494DF}">
-              <a14:hiddenLine xmlns="" xmlns:a14="http://schemas.microsoft.com/office/drawing/2010/main" w="9525">
+              <a14:hiddenLine xmlns:a14="http://schemas.microsoft.com/office/drawing/2010/main" xmlns="" w="9525">
                 <a:solidFill>
                   <a:srgbClr val="000000"/>
                 </a:solidFill>
@@ -1105,14 +1105,14 @@
           <a:ln/>
           <a:extLst>
             <a:ext uri="{909E8E84-426E-40dd-AFC4-6F175D3DCCD1}">
-              <a14:hiddenFill xmlns="" xmlns:a14="http://schemas.microsoft.com/office/drawing/2010/main">
+              <a14:hiddenFill xmlns:a14="http://schemas.microsoft.com/office/drawing/2010/main" xmlns="">
                 <a:solidFill>
                   <a:srgbClr val="FFFFFF"/>
                 </a:solidFill>
               </a14:hiddenFill>
             </a:ext>
             <a:ext uri="{91240B29-F687-4f45-9708-019B960494DF}">
-              <a14:hiddenLine xmlns="" xmlns:a14="http://schemas.microsoft.com/office/drawing/2010/main" w="9525">
+              <a14:hiddenLine xmlns:a14="http://schemas.microsoft.com/office/drawing/2010/main" xmlns="" w="9525">
                 <a:solidFill>
                   <a:srgbClr val="000000"/>
                 </a:solidFill>
@@ -5519,14 +5519,14 @@
           <a:effectLst/>
           <a:extLst>
             <a:ext uri="{909E8E84-426E-40dd-AFC4-6F175D3DCCD1}">
-              <a14:hiddenFill xmlns:a14="http://schemas.microsoft.com/office/drawing/2010/main" xmlns="">
+              <a14:hiddenFill xmlns="" xmlns:a14="http://schemas.microsoft.com/office/drawing/2010/main">
                 <a:solidFill>
                   <a:srgbClr val="FFFFFF"/>
                 </a:solidFill>
               </a14:hiddenFill>
             </a:ext>
             <a:ext uri="{91240B29-F687-4f45-9708-019B960494DF}">
-              <a14:hiddenLine xmlns:a14="http://schemas.microsoft.com/office/drawing/2010/main" xmlns="" w="9525" cap="flat" cmpd="sng" algn="ctr">
+              <a14:hiddenLine xmlns="" xmlns:a14="http://schemas.microsoft.com/office/drawing/2010/main" w="9525" cap="flat" cmpd="sng" algn="ctr">
                 <a:solidFill>
                   <a:schemeClr val="tx1"/>
                 </a:solidFill>
@@ -5537,7 +5537,7 @@
               </a14:hiddenLine>
             </a:ext>
             <a:ext uri="{AF507438-7753-43e0-B8FC-AC1667EBCBE1}">
-              <a14:hiddenEffects xmlns:a14="http://schemas.microsoft.com/office/drawing/2010/main" xmlns="">
+              <a14:hiddenEffects xmlns="" xmlns:a14="http://schemas.microsoft.com/office/drawing/2010/main">
                 <a:effectLst>
                   <a:outerShdw blurRad="63500" dist="37357" dir="2700000" rotWithShape="0">
                     <a:scrgbClr r="0" g="0" b="0"/>
@@ -5546,7 +5546,7 @@
               </a14:hiddenEffects>
             </a:ext>
             <a:ext uri="{31F19639-BCED-4a60-ADC4-E9642A236FB7}">
-              <a14:hiddenScene3d xmlns:a14="http://schemas.microsoft.com/office/drawing/2010/main" xmlns="">
+              <a14:hiddenScene3d xmlns="" xmlns:a14="http://schemas.microsoft.com/office/drawing/2010/main">
                 <a:camera prst="orthographicFront">
                   <a:rot lat="0" lon="0" rev="0"/>
                 </a:camera>
@@ -5556,14 +5556,14 @@
               </a14:hiddenScene3d>
             </a:ext>
             <a:ext uri="{E45631CC-5BF2-4c18-A39C-3461C7D3F71A}">
-              <a14:hiddenSp3d xmlns:a14="http://schemas.microsoft.com/office/drawing/2010/main" xmlns="" extrusionH="457200">
+              <a14:hiddenSp3d xmlns="" xmlns:a14="http://schemas.microsoft.com/office/drawing/2010/main" extrusionH="457200">
                 <a:contourClr>
                   <a:srgbClr val="000000"/>
                 </a:contourClr>
               </a14:hiddenSp3d>
             </a:ext>
             <a:ext uri="{53640926-AAD7-44d8-BBD7-CCE9431645EC}">
-              <a14:shadowObscured xmlns:a14="http://schemas.microsoft.com/office/drawing/2010/main" xmlns=""/>
+              <a14:shadowObscured xmlns="" xmlns:a14="http://schemas.microsoft.com/office/drawing/2010/main"/>
             </a:ext>
           </a:extLst>
         </p:spPr>
@@ -5611,14 +5611,14 @@
           <a:effectLst/>
           <a:extLst>
             <a:ext uri="{909E8E84-426E-40dd-AFC4-6F175D3DCCD1}">
-              <a14:hiddenFill xmlns:a14="http://schemas.microsoft.com/office/drawing/2010/main" xmlns="">
+              <a14:hiddenFill xmlns="" xmlns:a14="http://schemas.microsoft.com/office/drawing/2010/main">
                 <a:solidFill>
                   <a:srgbClr val="FFFFFF"/>
                 </a:solidFill>
               </a14:hiddenFill>
             </a:ext>
             <a:ext uri="{91240B29-F687-4f45-9708-019B960494DF}">
-              <a14:hiddenLine xmlns:a14="http://schemas.microsoft.com/office/drawing/2010/main" xmlns="" w="9525" cap="flat" cmpd="sng" algn="ctr">
+              <a14:hiddenLine xmlns="" xmlns:a14="http://schemas.microsoft.com/office/drawing/2010/main" w="9525" cap="flat" cmpd="sng" algn="ctr">
                 <a:solidFill>
                   <a:schemeClr val="tx1"/>
                 </a:solidFill>
@@ -5629,7 +5629,7 @@
               </a14:hiddenLine>
             </a:ext>
             <a:ext uri="{AF507438-7753-43e0-B8FC-AC1667EBCBE1}">
-              <a14:hiddenEffects xmlns:a14="http://schemas.microsoft.com/office/drawing/2010/main" xmlns="">
+              <a14:hiddenEffects xmlns="" xmlns:a14="http://schemas.microsoft.com/office/drawing/2010/main">
                 <a:effectLst>
                   <a:outerShdw blurRad="63500" dist="37357" dir="2700000" rotWithShape="0">
                     <a:scrgbClr r="0" g="0" b="0"/>
@@ -5638,7 +5638,7 @@
               </a14:hiddenEffects>
             </a:ext>
             <a:ext uri="{31F19639-BCED-4a60-ADC4-E9642A236FB7}">
-              <a14:hiddenScene3d xmlns:a14="http://schemas.microsoft.com/office/drawing/2010/main" xmlns="">
+              <a14:hiddenScene3d xmlns="" xmlns:a14="http://schemas.microsoft.com/office/drawing/2010/main">
                 <a:camera prst="orthographicFront">
                   <a:rot lat="0" lon="0" rev="0"/>
                 </a:camera>
@@ -5648,14 +5648,14 @@
               </a14:hiddenScene3d>
             </a:ext>
             <a:ext uri="{E45631CC-5BF2-4c18-A39C-3461C7D3F71A}">
-              <a14:hiddenSp3d xmlns:a14="http://schemas.microsoft.com/office/drawing/2010/main" xmlns="" extrusionH="457200">
+              <a14:hiddenSp3d xmlns="" xmlns:a14="http://schemas.microsoft.com/office/drawing/2010/main" extrusionH="457200">
                 <a:contourClr>
                   <a:srgbClr val="000000"/>
                 </a:contourClr>
               </a14:hiddenSp3d>
             </a:ext>
             <a:ext uri="{53640926-AAD7-44d8-BBD7-CCE9431645EC}">
-              <a14:shadowObscured xmlns:a14="http://schemas.microsoft.com/office/drawing/2010/main" xmlns=""/>
+              <a14:shadowObscured xmlns="" xmlns:a14="http://schemas.microsoft.com/office/drawing/2010/main"/>
             </a:ext>
           </a:extLst>
         </p:spPr>
@@ -5703,14 +5703,14 @@
           <a:effectLst/>
           <a:extLst>
             <a:ext uri="{909E8E84-426E-40dd-AFC4-6F175D3DCCD1}">
-              <a14:hiddenFill xmlns:a14="http://schemas.microsoft.com/office/drawing/2010/main" xmlns="">
+              <a14:hiddenFill xmlns="" xmlns:a14="http://schemas.microsoft.com/office/drawing/2010/main">
                 <a:solidFill>
                   <a:srgbClr val="FFFFFF"/>
                 </a:solidFill>
               </a14:hiddenFill>
             </a:ext>
             <a:ext uri="{91240B29-F687-4f45-9708-019B960494DF}">
-              <a14:hiddenLine xmlns:a14="http://schemas.microsoft.com/office/drawing/2010/main" xmlns="" w="9525" cap="flat" cmpd="sng" algn="ctr">
+              <a14:hiddenLine xmlns="" xmlns:a14="http://schemas.microsoft.com/office/drawing/2010/main" w="9525" cap="flat" cmpd="sng" algn="ctr">
                 <a:solidFill>
                   <a:schemeClr val="tx1"/>
                 </a:solidFill>
@@ -5721,7 +5721,7 @@
               </a14:hiddenLine>
             </a:ext>
             <a:ext uri="{AF507438-7753-43e0-B8FC-AC1667EBCBE1}">
-              <a14:hiddenEffects xmlns:a14="http://schemas.microsoft.com/office/drawing/2010/main" xmlns="">
+              <a14:hiddenEffects xmlns="" xmlns:a14="http://schemas.microsoft.com/office/drawing/2010/main">
                 <a:effectLst>
                   <a:outerShdw blurRad="63500" dist="37357" dir="2700000" rotWithShape="0">
                     <a:scrgbClr r="0" g="0" b="0"/>
@@ -5730,7 +5730,7 @@
               </a14:hiddenEffects>
             </a:ext>
             <a:ext uri="{31F19639-BCED-4a60-ADC4-E9642A236FB7}">
-              <a14:hiddenScene3d xmlns:a14="http://schemas.microsoft.com/office/drawing/2010/main" xmlns="">
+              <a14:hiddenScene3d xmlns="" xmlns:a14="http://schemas.microsoft.com/office/drawing/2010/main">
                 <a:camera prst="orthographicFront">
                   <a:rot lat="0" lon="0" rev="0"/>
                 </a:camera>
@@ -5740,14 +5740,14 @@
               </a14:hiddenScene3d>
             </a:ext>
             <a:ext uri="{E45631CC-5BF2-4c18-A39C-3461C7D3F71A}">
-              <a14:hiddenSp3d xmlns:a14="http://schemas.microsoft.com/office/drawing/2010/main" xmlns="" extrusionH="457200">
+              <a14:hiddenSp3d xmlns="" xmlns:a14="http://schemas.microsoft.com/office/drawing/2010/main" extrusionH="457200">
                 <a:contourClr>
                   <a:srgbClr val="000000"/>
                 </a:contourClr>
               </a14:hiddenSp3d>
             </a:ext>
             <a:ext uri="{53640926-AAD7-44d8-BBD7-CCE9431645EC}">
-              <a14:shadowObscured xmlns:a14="http://schemas.microsoft.com/office/drawing/2010/main" xmlns=""/>
+              <a14:shadowObscured xmlns="" xmlns:a14="http://schemas.microsoft.com/office/drawing/2010/main"/>
             </a:ext>
           </a:extLst>
         </p:spPr>
@@ -7030,14 +7030,14 @@
           <a:effectLst/>
           <a:extLst>
             <a:ext uri="{909E8E84-426E-40dd-AFC4-6F175D3DCCD1}">
-              <a14:hiddenFill xmlns="" xmlns:a14="http://schemas.microsoft.com/office/drawing/2010/main">
+              <a14:hiddenFill xmlns:a14="http://schemas.microsoft.com/office/drawing/2010/main" xmlns="">
                 <a:solidFill>
                   <a:srgbClr val="FFFFFF"/>
                 </a:solidFill>
               </a14:hiddenFill>
             </a:ext>
             <a:ext uri="{91240B29-F687-4f45-9708-019B960494DF}">
-              <a14:hiddenLine xmlns="" xmlns:a14="http://schemas.microsoft.com/office/drawing/2010/main" w="9525" cap="flat" cmpd="sng" algn="ctr">
+              <a14:hiddenLine xmlns:a14="http://schemas.microsoft.com/office/drawing/2010/main" xmlns="" w="9525" cap="flat" cmpd="sng" algn="ctr">
                 <a:solidFill>
                   <a:schemeClr val="tx1"/>
                 </a:solidFill>
@@ -7048,7 +7048,7 @@
               </a14:hiddenLine>
             </a:ext>
             <a:ext uri="{AF507438-7753-43e0-B8FC-AC1667EBCBE1}">
-              <a14:hiddenEffects xmlns="" xmlns:a14="http://schemas.microsoft.com/office/drawing/2010/main">
+              <a14:hiddenEffects xmlns:a14="http://schemas.microsoft.com/office/drawing/2010/main" xmlns="">
                 <a:effectLst>
                   <a:outerShdw blurRad="63500" dist="37357" dir="2700000" rotWithShape="0">
                     <a:scrgbClr r="0" g="0" b="0"/>
@@ -7057,7 +7057,7 @@
               </a14:hiddenEffects>
             </a:ext>
             <a:ext uri="{31F19639-BCED-4a60-ADC4-E9642A236FB7}">
-              <a14:hiddenScene3d xmlns="" xmlns:a14="http://schemas.microsoft.com/office/drawing/2010/main">
+              <a14:hiddenScene3d xmlns:a14="http://schemas.microsoft.com/office/drawing/2010/main" xmlns="">
                 <a:camera prst="orthographicFront">
                   <a:rot lat="0" lon="0" rev="0"/>
                 </a:camera>
@@ -7067,14 +7067,14 @@
               </a14:hiddenScene3d>
             </a:ext>
             <a:ext uri="{E45631CC-5BF2-4c18-A39C-3461C7D3F71A}">
-              <a14:hiddenSp3d xmlns="" xmlns:a14="http://schemas.microsoft.com/office/drawing/2010/main" extrusionH="457200">
+              <a14:hiddenSp3d xmlns:a14="http://schemas.microsoft.com/office/drawing/2010/main" xmlns="" extrusionH="457200">
                 <a:contourClr>
                   <a:srgbClr val="000000"/>
                 </a:contourClr>
               </a14:hiddenSp3d>
             </a:ext>
             <a:ext uri="{53640926-AAD7-44d8-BBD7-CCE9431645EC}">
-              <a14:shadowObscured xmlns="" xmlns:a14="http://schemas.microsoft.com/office/drawing/2010/main"/>
+              <a14:shadowObscured xmlns:a14="http://schemas.microsoft.com/office/drawing/2010/main" xmlns=""/>
             </a:ext>
           </a:extLst>
         </p:spPr>
@@ -7122,14 +7122,14 @@
           <a:effectLst/>
           <a:extLst>
             <a:ext uri="{909E8E84-426E-40dd-AFC4-6F175D3DCCD1}">
-              <a14:hiddenFill xmlns="" xmlns:a14="http://schemas.microsoft.com/office/drawing/2010/main">
+              <a14:hiddenFill xmlns:a14="http://schemas.microsoft.com/office/drawing/2010/main" xmlns="">
                 <a:solidFill>
                   <a:srgbClr val="FFFFFF"/>
                 </a:solidFill>
               </a14:hiddenFill>
             </a:ext>
             <a:ext uri="{91240B29-F687-4f45-9708-019B960494DF}">
-              <a14:hiddenLine xmlns="" xmlns:a14="http://schemas.microsoft.com/office/drawing/2010/main" w="9525" cap="flat" cmpd="sng" algn="ctr">
+              <a14:hiddenLine xmlns:a14="http://schemas.microsoft.com/office/drawing/2010/main" xmlns="" w="9525" cap="flat" cmpd="sng" algn="ctr">
                 <a:solidFill>
                   <a:schemeClr val="tx1"/>
                 </a:solidFill>
@@ -7140,7 +7140,7 @@
               </a14:hiddenLine>
             </a:ext>
             <a:ext uri="{AF507438-7753-43e0-B8FC-AC1667EBCBE1}">
-              <a14:hiddenEffects xmlns="" xmlns:a14="http://schemas.microsoft.com/office/drawing/2010/main">
+              <a14:hiddenEffects xmlns:a14="http://schemas.microsoft.com/office/drawing/2010/main" xmlns="">
                 <a:effectLst>
                   <a:outerShdw blurRad="63500" dist="37357" dir="2700000" rotWithShape="0">
                     <a:scrgbClr r="0" g="0" b="0"/>
@@ -7149,7 +7149,7 @@
               </a14:hiddenEffects>
             </a:ext>
             <a:ext uri="{31F19639-BCED-4a60-ADC4-E9642A236FB7}">
-              <a14:hiddenScene3d xmlns="" xmlns:a14="http://schemas.microsoft.com/office/drawing/2010/main">
+              <a14:hiddenScene3d xmlns:a14="http://schemas.microsoft.com/office/drawing/2010/main" xmlns="">
                 <a:camera prst="orthographicFront">
                   <a:rot lat="0" lon="0" rev="0"/>
                 </a:camera>
@@ -7159,14 +7159,14 @@
               </a14:hiddenScene3d>
             </a:ext>
             <a:ext uri="{E45631CC-5BF2-4c18-A39C-3461C7D3F71A}">
-              <a14:hiddenSp3d xmlns="" xmlns:a14="http://schemas.microsoft.com/office/drawing/2010/main" extrusionH="457200">
+              <a14:hiddenSp3d xmlns:a14="http://schemas.microsoft.com/office/drawing/2010/main" xmlns="" extrusionH="457200">
                 <a:contourClr>
                   <a:srgbClr val="000000"/>
                 </a:contourClr>
               </a14:hiddenSp3d>
             </a:ext>
             <a:ext uri="{53640926-AAD7-44d8-BBD7-CCE9431645EC}">
-              <a14:shadowObscured xmlns="" xmlns:a14="http://schemas.microsoft.com/office/drawing/2010/main"/>
+              <a14:shadowObscured xmlns:a14="http://schemas.microsoft.com/office/drawing/2010/main" xmlns=""/>
             </a:ext>
           </a:extLst>
         </p:spPr>
@@ -7214,14 +7214,14 @@
           <a:effectLst/>
           <a:extLst>
             <a:ext uri="{909E8E84-426E-40dd-AFC4-6F175D3DCCD1}">
-              <a14:hiddenFill xmlns="" xmlns:a14="http://schemas.microsoft.com/office/drawing/2010/main">
+              <a14:hiddenFill xmlns:a14="http://schemas.microsoft.com/office/drawing/2010/main" xmlns="">
                 <a:solidFill>
                   <a:srgbClr val="FFFFFF"/>
                 </a:solidFill>
               </a14:hiddenFill>
             </a:ext>
             <a:ext uri="{91240B29-F687-4f45-9708-019B960494DF}">
-              <a14:hiddenLine xmlns="" xmlns:a14="http://schemas.microsoft.com/office/drawing/2010/main" w="9525" cap="flat" cmpd="sng" algn="ctr">
+              <a14:hiddenLine xmlns:a14="http://schemas.microsoft.com/office/drawing/2010/main" xmlns="" w="9525" cap="flat" cmpd="sng" algn="ctr">
                 <a:solidFill>
                   <a:schemeClr val="tx1"/>
                 </a:solidFill>
@@ -7232,7 +7232,7 @@
               </a14:hiddenLine>
             </a:ext>
             <a:ext uri="{AF507438-7753-43e0-B8FC-AC1667EBCBE1}">
-              <a14:hiddenEffects xmlns="" xmlns:a14="http://schemas.microsoft.com/office/drawing/2010/main">
+              <a14:hiddenEffects xmlns:a14="http://schemas.microsoft.com/office/drawing/2010/main" xmlns="">
                 <a:effectLst>
                   <a:outerShdw blurRad="63500" dist="37357" dir="2700000" rotWithShape="0">
                     <a:scrgbClr r="0" g="0" b="0"/>
@@ -7241,7 +7241,7 @@
               </a14:hiddenEffects>
             </a:ext>
             <a:ext uri="{31F19639-BCED-4a60-ADC4-E9642A236FB7}">
-              <a14:hiddenScene3d xmlns="" xmlns:a14="http://schemas.microsoft.com/office/drawing/2010/main">
+              <a14:hiddenScene3d xmlns:a14="http://schemas.microsoft.com/office/drawing/2010/main" xmlns="">
                 <a:camera prst="orthographicFront">
                   <a:rot lat="0" lon="0" rev="0"/>
                 </a:camera>
@@ -7251,14 +7251,14 @@
               </a14:hiddenScene3d>
             </a:ext>
             <a:ext uri="{E45631CC-5BF2-4c18-A39C-3461C7D3F71A}">
-              <a14:hiddenSp3d xmlns="" xmlns:a14="http://schemas.microsoft.com/office/drawing/2010/main" extrusionH="457200">
+              <a14:hiddenSp3d xmlns:a14="http://schemas.microsoft.com/office/drawing/2010/main" xmlns="" extrusionH="457200">
                 <a:contourClr>
                   <a:srgbClr val="000000"/>
                 </a:contourClr>
               </a14:hiddenSp3d>
             </a:ext>
             <a:ext uri="{53640926-AAD7-44d8-BBD7-CCE9431645EC}">
-              <a14:shadowObscured xmlns="" xmlns:a14="http://schemas.microsoft.com/office/drawing/2010/main"/>
+              <a14:shadowObscured xmlns:a14="http://schemas.microsoft.com/office/drawing/2010/main" xmlns=""/>
             </a:ext>
           </a:extLst>
         </p:spPr>
@@ -7306,14 +7306,14 @@
           <a:effectLst/>
           <a:extLst>
             <a:ext uri="{909E8E84-426E-40dd-AFC4-6F175D3DCCD1}">
-              <a14:hiddenFill xmlns="" xmlns:a14="http://schemas.microsoft.com/office/drawing/2010/main">
+              <a14:hiddenFill xmlns:a14="http://schemas.microsoft.com/office/drawing/2010/main" xmlns="">
                 <a:solidFill>
                   <a:srgbClr val="FFFFFF"/>
                 </a:solidFill>
               </a14:hiddenFill>
             </a:ext>
             <a:ext uri="{91240B29-F687-4f45-9708-019B960494DF}">
-              <a14:hiddenLine xmlns="" xmlns:a14="http://schemas.microsoft.com/office/drawing/2010/main" w="9525" cap="flat" cmpd="sng" algn="ctr">
+              <a14:hiddenLine xmlns:a14="http://schemas.microsoft.com/office/drawing/2010/main" xmlns="" w="9525" cap="flat" cmpd="sng" algn="ctr">
                 <a:solidFill>
                   <a:schemeClr val="tx1"/>
                 </a:solidFill>
@@ -7324,7 +7324,7 @@
               </a14:hiddenLine>
             </a:ext>
             <a:ext uri="{AF507438-7753-43e0-B8FC-AC1667EBCBE1}">
-              <a14:hiddenEffects xmlns="" xmlns:a14="http://schemas.microsoft.com/office/drawing/2010/main">
+              <a14:hiddenEffects xmlns:a14="http://schemas.microsoft.com/office/drawing/2010/main" xmlns="">
                 <a:effectLst>
                   <a:outerShdw blurRad="63500" dist="37357" dir="2700000" rotWithShape="0">
                     <a:scrgbClr r="0" g="0" b="0"/>
@@ -7333,7 +7333,7 @@
               </a14:hiddenEffects>
             </a:ext>
             <a:ext uri="{31F19639-BCED-4a60-ADC4-E9642A236FB7}">
-              <a14:hiddenScene3d xmlns="" xmlns:a14="http://schemas.microsoft.com/office/drawing/2010/main">
+              <a14:hiddenScene3d xmlns:a14="http://schemas.microsoft.com/office/drawing/2010/main" xmlns="">
                 <a:camera prst="orthographicFront">
                   <a:rot lat="0" lon="0" rev="0"/>
                 </a:camera>
@@ -7343,14 +7343,14 @@
               </a14:hiddenScene3d>
             </a:ext>
             <a:ext uri="{E45631CC-5BF2-4c18-A39C-3461C7D3F71A}">
-              <a14:hiddenSp3d xmlns="" xmlns:a14="http://schemas.microsoft.com/office/drawing/2010/main" extrusionH="457200">
+              <a14:hiddenSp3d xmlns:a14="http://schemas.microsoft.com/office/drawing/2010/main" xmlns="" extrusionH="457200">
                 <a:contourClr>
                   <a:srgbClr val="000000"/>
                 </a:contourClr>
               </a14:hiddenSp3d>
             </a:ext>
             <a:ext uri="{53640926-AAD7-44d8-BBD7-CCE9431645EC}">
-              <a14:shadowObscured xmlns="" xmlns:a14="http://schemas.microsoft.com/office/drawing/2010/main"/>
+              <a14:shadowObscured xmlns:a14="http://schemas.microsoft.com/office/drawing/2010/main" xmlns=""/>
             </a:ext>
           </a:extLst>
         </p:spPr>
@@ -7398,14 +7398,14 @@
           <a:effectLst/>
           <a:extLst>
             <a:ext uri="{909E8E84-426E-40dd-AFC4-6F175D3DCCD1}">
-              <a14:hiddenFill xmlns="" xmlns:a14="http://schemas.microsoft.com/office/drawing/2010/main">
+              <a14:hiddenFill xmlns:a14="http://schemas.microsoft.com/office/drawing/2010/main" xmlns="">
                 <a:solidFill>
                   <a:srgbClr val="FFFFFF"/>
                 </a:solidFill>
               </a14:hiddenFill>
             </a:ext>
             <a:ext uri="{91240B29-F687-4f45-9708-019B960494DF}">
-              <a14:hiddenLine xmlns="" xmlns:a14="http://schemas.microsoft.com/office/drawing/2010/main" w="9525" cap="flat" cmpd="sng" algn="ctr">
+              <a14:hiddenLine xmlns:a14="http://schemas.microsoft.com/office/drawing/2010/main" xmlns="" w="9525" cap="flat" cmpd="sng" algn="ctr">
                 <a:solidFill>
                   <a:schemeClr val="tx1"/>
                 </a:solidFill>
@@ -7416,7 +7416,7 @@
               </a14:hiddenLine>
             </a:ext>
             <a:ext uri="{AF507438-7753-43e0-B8FC-AC1667EBCBE1}">
-              <a14:hiddenEffects xmlns="" xmlns:a14="http://schemas.microsoft.com/office/drawing/2010/main">
+              <a14:hiddenEffects xmlns:a14="http://schemas.microsoft.com/office/drawing/2010/main" xmlns="">
                 <a:effectLst>
                   <a:outerShdw blurRad="63500" dist="37357" dir="2700000" rotWithShape="0">
                     <a:scrgbClr r="0" g="0" b="0"/>
@@ -7425,7 +7425,7 @@
               </a14:hiddenEffects>
             </a:ext>
             <a:ext uri="{31F19639-BCED-4a60-ADC4-E9642A236FB7}">
-              <a14:hiddenScene3d xmlns="" xmlns:a14="http://schemas.microsoft.com/office/drawing/2010/main">
+              <a14:hiddenScene3d xmlns:a14="http://schemas.microsoft.com/office/drawing/2010/main" xmlns="">
                 <a:camera prst="orthographicFront">
                   <a:rot lat="0" lon="0" rev="0"/>
                 </a:camera>
@@ -7435,14 +7435,14 @@
               </a14:hiddenScene3d>
             </a:ext>
             <a:ext uri="{E45631CC-5BF2-4c18-A39C-3461C7D3F71A}">
-              <a14:hiddenSp3d xmlns="" xmlns:a14="http://schemas.microsoft.com/office/drawing/2010/main" extrusionH="457200">
+              <a14:hiddenSp3d xmlns:a14="http://schemas.microsoft.com/office/drawing/2010/main" xmlns="" extrusionH="457200">
                 <a:contourClr>
                   <a:srgbClr val="000000"/>
                 </a:contourClr>
               </a14:hiddenSp3d>
             </a:ext>
             <a:ext uri="{53640926-AAD7-44d8-BBD7-CCE9431645EC}">
-              <a14:shadowObscured xmlns="" xmlns:a14="http://schemas.microsoft.com/office/drawing/2010/main"/>
+              <a14:shadowObscured xmlns:a14="http://schemas.microsoft.com/office/drawing/2010/main" xmlns=""/>
             </a:ext>
           </a:extLst>
         </p:spPr>
@@ -8328,14 +8328,14 @@
           </a:ln>
           <a:extLst>
             <a:ext uri="{909E8E84-426E-40dd-AFC4-6F175D3DCCD1}">
-              <a14:hiddenFill xmlns="" xmlns:a14="http://schemas.microsoft.com/office/drawing/2010/main">
+              <a14:hiddenFill xmlns:a14="http://schemas.microsoft.com/office/drawing/2010/main" xmlns="">
                 <a:solidFill>
                   <a:srgbClr val="FFFFFF"/>
                 </a:solidFill>
               </a14:hiddenFill>
             </a:ext>
             <a:ext uri="{91240B29-F687-4f45-9708-019B960494DF}">
-              <a14:hiddenLine xmlns="" xmlns:a14="http://schemas.microsoft.com/office/drawing/2010/main" w="9525">
+              <a14:hiddenLine xmlns:a14="http://schemas.microsoft.com/office/drawing/2010/main" xmlns="" w="9525">
                 <a:solidFill>
                   <a:srgbClr val="000000"/>
                 </a:solidFill>
@@ -8534,14 +8534,14 @@
           </a:ln>
           <a:extLst>
             <a:ext uri="{909E8E84-426E-40dd-AFC4-6F175D3DCCD1}">
-              <a14:hiddenFill xmlns="" xmlns:a14="http://schemas.microsoft.com/office/drawing/2010/main">
+              <a14:hiddenFill xmlns:a14="http://schemas.microsoft.com/office/drawing/2010/main" xmlns="">
                 <a:solidFill>
                   <a:srgbClr val="FFFFFF"/>
                 </a:solidFill>
               </a14:hiddenFill>
             </a:ext>
             <a:ext uri="{91240B29-F687-4f45-9708-019B960494DF}">
-              <a14:hiddenLine xmlns="" xmlns:a14="http://schemas.microsoft.com/office/drawing/2010/main" w="9525">
+              <a14:hiddenLine xmlns:a14="http://schemas.microsoft.com/office/drawing/2010/main" xmlns="" w="9525">
                 <a:solidFill>
                   <a:srgbClr val="000000"/>
                 </a:solidFill>
@@ -11987,14 +11987,14 @@
           </a:ln>
           <a:extLst>
             <a:ext uri="{909E8E84-426E-40dd-AFC4-6F175D3DCCD1}">
-              <a14:hiddenFill xmlns="" xmlns:a14="http://schemas.microsoft.com/office/drawing/2010/main">
+              <a14:hiddenFill xmlns:a14="http://schemas.microsoft.com/office/drawing/2010/main" xmlns="">
                 <a:solidFill>
                   <a:srgbClr val="FFFFFF"/>
                 </a:solidFill>
               </a14:hiddenFill>
             </a:ext>
             <a:ext uri="{91240B29-F687-4f45-9708-019B960494DF}">
-              <a14:hiddenLine xmlns="" xmlns:a14="http://schemas.microsoft.com/office/drawing/2010/main" w="9525">
+              <a14:hiddenLine xmlns:a14="http://schemas.microsoft.com/office/drawing/2010/main" xmlns="" w="9525">
                 <a:solidFill>
                   <a:srgbClr val="000000"/>
                 </a:solidFill>
@@ -12095,14 +12095,14 @@
           </a:ln>
           <a:extLst>
             <a:ext uri="{909E8E84-426E-40dd-AFC4-6F175D3DCCD1}">
-              <a14:hiddenFill xmlns="" xmlns:a14="http://schemas.microsoft.com/office/drawing/2010/main">
+              <a14:hiddenFill xmlns:a14="http://schemas.microsoft.com/office/drawing/2010/main" xmlns="">
                 <a:solidFill>
                   <a:srgbClr val="FFFFFF"/>
                 </a:solidFill>
               </a14:hiddenFill>
             </a:ext>
             <a:ext uri="{91240B29-F687-4f45-9708-019B960494DF}">
-              <a14:hiddenLine xmlns="" xmlns:a14="http://schemas.microsoft.com/office/drawing/2010/main" w="9525">
+              <a14:hiddenLine xmlns:a14="http://schemas.microsoft.com/office/drawing/2010/main" xmlns="" w="9525">
                 <a:solidFill>
                   <a:srgbClr val="000000"/>
                 </a:solidFill>
@@ -12443,14 +12443,14 @@
           </a:ln>
           <a:extLst>
             <a:ext uri="{909E8E84-426E-40dd-AFC4-6F175D3DCCD1}">
-              <a14:hiddenFill xmlns="" xmlns:a14="http://schemas.microsoft.com/office/drawing/2010/main">
+              <a14:hiddenFill xmlns:a14="http://schemas.microsoft.com/office/drawing/2010/main" xmlns="">
                 <a:solidFill>
                   <a:srgbClr val="FFFFFF"/>
                 </a:solidFill>
               </a14:hiddenFill>
             </a:ext>
             <a:ext uri="{91240B29-F687-4f45-9708-019B960494DF}">
-              <a14:hiddenLine xmlns="" xmlns:a14="http://schemas.microsoft.com/office/drawing/2010/main" w="9525">
+              <a14:hiddenLine xmlns:a14="http://schemas.microsoft.com/office/drawing/2010/main" xmlns="" w="9525">
                 <a:solidFill>
                   <a:srgbClr val="000000"/>
                 </a:solidFill>
@@ -12513,14 +12513,14 @@
             </a:ln>
             <a:extLst>
               <a:ext uri="{909E8E84-426E-40dd-AFC4-6F175D3DCCD1}">
-                <a14:hiddenFill xmlns="" xmlns:a14="http://schemas.microsoft.com/office/drawing/2010/main">
+                <a14:hiddenFill xmlns:a14="http://schemas.microsoft.com/office/drawing/2010/main" xmlns="">
                   <a:solidFill>
                     <a:srgbClr val="FFFFFF"/>
                   </a:solidFill>
                 </a14:hiddenFill>
               </a:ext>
               <a:ext uri="{91240B29-F687-4f45-9708-019B960494DF}">
-                <a14:hiddenLine xmlns="" xmlns:a14="http://schemas.microsoft.com/office/drawing/2010/main" w="9525">
+                <a14:hiddenLine xmlns:a14="http://schemas.microsoft.com/office/drawing/2010/main" xmlns="" w="9525">
                   <a:solidFill>
                     <a:srgbClr val="000000"/>
                   </a:solidFill>
@@ -12556,7 +12556,7 @@
             </a:ln>
             <a:extLst>
               <a:ext uri="{91240B29-F687-4f45-9708-019B960494DF}">
-                <a14:hiddenLine xmlns="" xmlns:a14="http://schemas.microsoft.com/office/drawing/2010/main" w="9525">
+                <a14:hiddenLine xmlns:a14="http://schemas.microsoft.com/office/drawing/2010/main" xmlns="" w="9525">
                   <a:solidFill>
                     <a:srgbClr val="000000"/>
                   </a:solidFill>
@@ -13611,14 +13611,14 @@
           </a:ln>
           <a:extLst>
             <a:ext uri="{909E8E84-426E-40dd-AFC4-6F175D3DCCD1}">
-              <a14:hiddenFill xmlns="" xmlns:a14="http://schemas.microsoft.com/office/drawing/2010/main">
+              <a14:hiddenFill xmlns:a14="http://schemas.microsoft.com/office/drawing/2010/main" xmlns="">
                 <a:solidFill>
                   <a:srgbClr val="FFFFFF"/>
                 </a:solidFill>
               </a14:hiddenFill>
             </a:ext>
             <a:ext uri="{91240B29-F687-4f45-9708-019B960494DF}">
-              <a14:hiddenLine xmlns="" xmlns:a14="http://schemas.microsoft.com/office/drawing/2010/main" w="9525">
+              <a14:hiddenLine xmlns:a14="http://schemas.microsoft.com/office/drawing/2010/main" xmlns="" w="9525">
                 <a:solidFill>
                   <a:srgbClr val="000000"/>
                 </a:solidFill>
@@ -14321,7 +14321,7 @@
           </a:ln>
           <a:extLst>
             <a:ext uri="{909E8E84-426E-40dd-AFC4-6F175D3DCCD1}">
-              <a14:hiddenFill xmlns="" xmlns:a14="http://schemas.microsoft.com/office/drawing/2010/main">
+              <a14:hiddenFill xmlns:a14="http://schemas.microsoft.com/office/drawing/2010/main" xmlns="">
                 <a:noFill/>
               </a14:hiddenFill>
             </a:ext>
@@ -17521,21 +17521,21 @@
                 <a:latin typeface="Calibri"/>
                 <a:cs typeface="Calibri"/>
               </a:rPr>
-              <a:t>Множество вершин, по одной </a:t>
+              <a:t>Множество вершин, по одной на</a:t>
             </a:r>
             <a:r>
-              <a:rPr lang="ru-RU" sz="2000" dirty="0" err="1">
+              <a:rPr lang="en-US" sz="2000" dirty="0">
                 <a:latin typeface="Calibri"/>
                 <a:cs typeface="Calibri"/>
               </a:rPr>
-              <a:t>накаждую</a:t>
+              <a:t> </a:t>
             </a:r>
             <a:r>
               <a:rPr lang="ru-RU" sz="2000" dirty="0">
                 <a:latin typeface="Calibri"/>
                 <a:cs typeface="Calibri"/>
               </a:rPr>
-              <a:t> переменную </a:t>
+              <a:t>каждую переменную </a:t>
             </a:r>
             <a:r>
               <a:rPr lang="en-US" sz="2000" dirty="0">
@@ -17872,7 +17872,7 @@
           </a:ln>
           <a:extLst>
             <a:ext uri="{909E8E84-426E-40dd-AFC4-6F175D3DCCD1}">
-              <a14:hiddenFill xmlns="" xmlns:a14="http://schemas.microsoft.com/office/drawing/2010/main">
+              <a14:hiddenFill xmlns:a14="http://schemas.microsoft.com/office/drawing/2010/main" xmlns="">
                 <a:noFill/>
               </a14:hiddenFill>
             </a:ext>
@@ -17958,7 +17958,7 @@
           </a:ln>
           <a:extLst>
             <a:ext uri="{909E8E84-426E-40dd-AFC4-6F175D3DCCD1}">
-              <a14:hiddenFill xmlns="" xmlns:a14="http://schemas.microsoft.com/office/drawing/2010/main">
+              <a14:hiddenFill xmlns:a14="http://schemas.microsoft.com/office/drawing/2010/main" xmlns="">
                 <a:noFill/>
               </a14:hiddenFill>
             </a:ext>
@@ -18004,14 +18004,14 @@
           </a:ln>
           <a:extLst>
             <a:ext uri="{909E8E84-426E-40dd-AFC4-6F175D3DCCD1}">
-              <a14:hiddenFill xmlns="" xmlns:a14="http://schemas.microsoft.com/office/drawing/2010/main">
+              <a14:hiddenFill xmlns:a14="http://schemas.microsoft.com/office/drawing/2010/main" xmlns="">
                 <a:solidFill>
                   <a:srgbClr val="FFFFFF"/>
                 </a:solidFill>
               </a14:hiddenFill>
             </a:ext>
             <a:ext uri="{91240B29-F687-4f45-9708-019B960494DF}">
-              <a14:hiddenLine xmlns="" xmlns:a14="http://schemas.microsoft.com/office/drawing/2010/main" w="9525">
+              <a14:hiddenLine xmlns:a14="http://schemas.microsoft.com/office/drawing/2010/main" xmlns="" w="9525">
                 <a:solidFill>
                   <a:srgbClr val="000000"/>
                 </a:solidFill>
@@ -18051,7 +18051,7 @@
           </a:ln>
           <a:extLst>
             <a:ext uri="{909E8E84-426E-40dd-AFC4-6F175D3DCCD1}">
-              <a14:hiddenFill xmlns="" xmlns:a14="http://schemas.microsoft.com/office/drawing/2010/main">
+              <a14:hiddenFill xmlns:a14="http://schemas.microsoft.com/office/drawing/2010/main" xmlns="">
                 <a:noFill/>
               </a14:hiddenFill>
             </a:ext>
@@ -18101,14 +18101,14 @@
           <a:effectLst/>
           <a:extLst>
             <a:ext uri="{909E8E84-426E-40dd-AFC4-6F175D3DCCD1}">
-              <a14:hiddenFill xmlns="" xmlns:a14="http://schemas.microsoft.com/office/drawing/2010/main">
+              <a14:hiddenFill xmlns:a14="http://schemas.microsoft.com/office/drawing/2010/main" xmlns="">
                 <a:solidFill>
                   <a:srgbClr val="FFFFFF"/>
                 </a:solidFill>
               </a14:hiddenFill>
             </a:ext>
             <a:ext uri="{91240B29-F687-4f45-9708-019B960494DF}">
-              <a14:hiddenLine xmlns="" xmlns:a14="http://schemas.microsoft.com/office/drawing/2010/main" w="9525" cap="flat" cmpd="sng" algn="ctr">
+              <a14:hiddenLine xmlns:a14="http://schemas.microsoft.com/office/drawing/2010/main" xmlns="" w="9525" cap="flat" cmpd="sng" algn="ctr">
                 <a:solidFill>
                   <a:schemeClr val="tx1"/>
                 </a:solidFill>
@@ -18119,7 +18119,7 @@
               </a14:hiddenLine>
             </a:ext>
             <a:ext uri="{AF507438-7753-43e0-B8FC-AC1667EBCBE1}">
-              <a14:hiddenEffects xmlns="" xmlns:a14="http://schemas.microsoft.com/office/drawing/2010/main">
+              <a14:hiddenEffects xmlns:a14="http://schemas.microsoft.com/office/drawing/2010/main" xmlns="">
                 <a:effectLst>
                   <a:outerShdw blurRad="63500" dist="37357" dir="2700000" rotWithShape="0">
                     <a:scrgbClr r="0" g="0" b="0"/>
@@ -18128,7 +18128,7 @@
               </a14:hiddenEffects>
             </a:ext>
             <a:ext uri="{31F19639-BCED-4a60-ADC4-E9642A236FB7}">
-              <a14:hiddenScene3d xmlns="" xmlns:a14="http://schemas.microsoft.com/office/drawing/2010/main">
+              <a14:hiddenScene3d xmlns:a14="http://schemas.microsoft.com/office/drawing/2010/main" xmlns="">
                 <a:camera prst="orthographicFront">
                   <a:rot lat="0" lon="0" rev="0"/>
                 </a:camera>
@@ -18138,14 +18138,14 @@
               </a14:hiddenScene3d>
             </a:ext>
             <a:ext uri="{E45631CC-5BF2-4c18-A39C-3461C7D3F71A}">
-              <a14:hiddenSp3d xmlns="" xmlns:a14="http://schemas.microsoft.com/office/drawing/2010/main" extrusionH="457200">
+              <a14:hiddenSp3d xmlns:a14="http://schemas.microsoft.com/office/drawing/2010/main" xmlns="" extrusionH="457200">
                 <a:contourClr>
                   <a:srgbClr val="000000"/>
                 </a:contourClr>
               </a14:hiddenSp3d>
             </a:ext>
             <a:ext uri="{53640926-AAD7-44d8-BBD7-CCE9431645EC}">
-              <a14:shadowObscured xmlns="" xmlns:a14="http://schemas.microsoft.com/office/drawing/2010/main"/>
+              <a14:shadowObscured xmlns:a14="http://schemas.microsoft.com/office/drawing/2010/main" xmlns=""/>
             </a:ext>
           </a:extLst>
         </p:spPr>
@@ -18308,14 +18308,14 @@
           <a:effectLst/>
           <a:extLst>
             <a:ext uri="{909E8E84-426E-40dd-AFC4-6F175D3DCCD1}">
-              <a14:hiddenFill xmlns="" xmlns:a14="http://schemas.microsoft.com/office/drawing/2010/main">
+              <a14:hiddenFill xmlns:a14="http://schemas.microsoft.com/office/drawing/2010/main" xmlns="">
                 <a:solidFill>
                   <a:srgbClr val="FFFFFF"/>
                 </a:solidFill>
               </a14:hiddenFill>
             </a:ext>
             <a:ext uri="{91240B29-F687-4f45-9708-019B960494DF}">
-              <a14:hiddenLine xmlns="" xmlns:a14="http://schemas.microsoft.com/office/drawing/2010/main" w="9525" cap="flat" cmpd="sng" algn="ctr">
+              <a14:hiddenLine xmlns:a14="http://schemas.microsoft.com/office/drawing/2010/main" xmlns="" w="9525" cap="flat" cmpd="sng" algn="ctr">
                 <a:solidFill>
                   <a:schemeClr val="tx1"/>
                 </a:solidFill>
@@ -18326,7 +18326,7 @@
               </a14:hiddenLine>
             </a:ext>
             <a:ext uri="{AF507438-7753-43e0-B8FC-AC1667EBCBE1}">
-              <a14:hiddenEffects xmlns="" xmlns:a14="http://schemas.microsoft.com/office/drawing/2010/main">
+              <a14:hiddenEffects xmlns:a14="http://schemas.microsoft.com/office/drawing/2010/main" xmlns="">
                 <a:effectLst>
                   <a:outerShdw blurRad="63500" dist="37357" dir="2700000" rotWithShape="0">
                     <a:scrgbClr r="0" g="0" b="0"/>
@@ -18335,7 +18335,7 @@
               </a14:hiddenEffects>
             </a:ext>
             <a:ext uri="{31F19639-BCED-4a60-ADC4-E9642A236FB7}">
-              <a14:hiddenScene3d xmlns="" xmlns:a14="http://schemas.microsoft.com/office/drawing/2010/main">
+              <a14:hiddenScene3d xmlns:a14="http://schemas.microsoft.com/office/drawing/2010/main" xmlns="">
                 <a:camera prst="orthographicFront">
                   <a:rot lat="0" lon="0" rev="0"/>
                 </a:camera>
@@ -18345,14 +18345,14 @@
               </a14:hiddenScene3d>
             </a:ext>
             <a:ext uri="{E45631CC-5BF2-4c18-A39C-3461C7D3F71A}">
-              <a14:hiddenSp3d xmlns="" xmlns:a14="http://schemas.microsoft.com/office/drawing/2010/main" extrusionH="457200">
+              <a14:hiddenSp3d xmlns:a14="http://schemas.microsoft.com/office/drawing/2010/main" xmlns="" extrusionH="457200">
                 <a:contourClr>
                   <a:srgbClr val="000000"/>
                 </a:contourClr>
               </a14:hiddenSp3d>
             </a:ext>
             <a:ext uri="{53640926-AAD7-44d8-BBD7-CCE9431645EC}">
-              <a14:shadowObscured xmlns="" xmlns:a14="http://schemas.microsoft.com/office/drawing/2010/main"/>
+              <a14:shadowObscured xmlns:a14="http://schemas.microsoft.com/office/drawing/2010/main" xmlns=""/>
             </a:ext>
           </a:extLst>
         </p:spPr>
@@ -18379,14 +18379,14 @@
           </a:ln>
           <a:extLst>
             <a:ext uri="{909E8E84-426E-40dd-AFC4-6F175D3DCCD1}">
-              <a14:hiddenFill xmlns="" xmlns:a14="http://schemas.microsoft.com/office/drawing/2010/main">
+              <a14:hiddenFill xmlns:a14="http://schemas.microsoft.com/office/drawing/2010/main" xmlns="">
                 <a:solidFill>
                   <a:srgbClr val="FFFFFF"/>
                 </a:solidFill>
               </a14:hiddenFill>
             </a:ext>
             <a:ext uri="{91240B29-F687-4f45-9708-019B960494DF}">
-              <a14:hiddenLine xmlns="" xmlns:a14="http://schemas.microsoft.com/office/drawing/2010/main" w="9525">
+              <a14:hiddenLine xmlns:a14="http://schemas.microsoft.com/office/drawing/2010/main" xmlns="" w="9525">
                 <a:solidFill>
                   <a:srgbClr val="000000"/>
                 </a:solidFill>
@@ -18895,14 +18895,14 @@
             </a:ln>
             <a:extLst>
               <a:ext uri="{909E8E84-426E-40dd-AFC4-6F175D3DCCD1}">
-                <a14:hiddenFill xmlns="" xmlns:a14="http://schemas.microsoft.com/office/drawing/2010/main">
+                <a14:hiddenFill xmlns:a14="http://schemas.microsoft.com/office/drawing/2010/main" xmlns="">
                   <a:solidFill>
                     <a:srgbClr val="FFFFFF"/>
                   </a:solidFill>
                 </a14:hiddenFill>
               </a:ext>
               <a:ext uri="{91240B29-F687-4f45-9708-019B960494DF}">
-                <a14:hiddenLine xmlns="" xmlns:a14="http://schemas.microsoft.com/office/drawing/2010/main" w="9525">
+                <a14:hiddenLine xmlns:a14="http://schemas.microsoft.com/office/drawing/2010/main" xmlns="" w="9525">
                   <a:solidFill>
                     <a:srgbClr val="000000"/>
                   </a:solidFill>
@@ -18938,7 +18938,7 @@
             </a:ln>
             <a:extLst>
               <a:ext uri="{91240B29-F687-4f45-9708-019B960494DF}">
-                <a14:hiddenLine xmlns="" xmlns:a14="http://schemas.microsoft.com/office/drawing/2010/main" w="9525">
+                <a14:hiddenLine xmlns:a14="http://schemas.microsoft.com/office/drawing/2010/main" xmlns="" w="9525">
                   <a:solidFill>
                     <a:srgbClr val="000000"/>
                   </a:solidFill>
@@ -19004,14 +19004,14 @@
           <a:effectLst/>
           <a:extLst>
             <a:ext uri="{909E8E84-426E-40dd-AFC4-6F175D3DCCD1}">
-              <a14:hiddenFill xmlns="" xmlns:a14="http://schemas.microsoft.com/office/drawing/2010/main">
+              <a14:hiddenFill xmlns:a14="http://schemas.microsoft.com/office/drawing/2010/main" xmlns="">
                 <a:solidFill>
                   <a:srgbClr val="FFFFFF"/>
                 </a:solidFill>
               </a14:hiddenFill>
             </a:ext>
             <a:ext uri="{91240B29-F687-4f45-9708-019B960494DF}">
-              <a14:hiddenLine xmlns="" xmlns:a14="http://schemas.microsoft.com/office/drawing/2010/main" w="9525" cap="flat" cmpd="sng" algn="ctr">
+              <a14:hiddenLine xmlns:a14="http://schemas.microsoft.com/office/drawing/2010/main" xmlns="" w="9525" cap="flat" cmpd="sng" algn="ctr">
                 <a:solidFill>
                   <a:schemeClr val="tx1"/>
                 </a:solidFill>
@@ -19022,7 +19022,7 @@
               </a14:hiddenLine>
             </a:ext>
             <a:ext uri="{AF507438-7753-43e0-B8FC-AC1667EBCBE1}">
-              <a14:hiddenEffects xmlns="" xmlns:a14="http://schemas.microsoft.com/office/drawing/2010/main">
+              <a14:hiddenEffects xmlns:a14="http://schemas.microsoft.com/office/drawing/2010/main" xmlns="">
                 <a:effectLst>
                   <a:outerShdw blurRad="63500" dist="37357" dir="2700000" rotWithShape="0">
                     <a:scrgbClr r="0" g="0" b="0"/>
@@ -19031,7 +19031,7 @@
               </a14:hiddenEffects>
             </a:ext>
             <a:ext uri="{31F19639-BCED-4a60-ADC4-E9642A236FB7}">
-              <a14:hiddenScene3d xmlns="" xmlns:a14="http://schemas.microsoft.com/office/drawing/2010/main">
+              <a14:hiddenScene3d xmlns:a14="http://schemas.microsoft.com/office/drawing/2010/main" xmlns="">
                 <a:camera prst="orthographicFront">
                   <a:rot lat="0" lon="0" rev="0"/>
                 </a:camera>
@@ -19041,14 +19041,14 @@
               </a14:hiddenScene3d>
             </a:ext>
             <a:ext uri="{E45631CC-5BF2-4c18-A39C-3461C7D3F71A}">
-              <a14:hiddenSp3d xmlns="" xmlns:a14="http://schemas.microsoft.com/office/drawing/2010/main" extrusionH="457200">
+              <a14:hiddenSp3d xmlns:a14="http://schemas.microsoft.com/office/drawing/2010/main" xmlns="" extrusionH="457200">
                 <a:contourClr>
                   <a:srgbClr val="000000"/>
                 </a:contourClr>
               </a14:hiddenSp3d>
             </a:ext>
             <a:ext uri="{53640926-AAD7-44d8-BBD7-CCE9431645EC}">
-              <a14:shadowObscured xmlns="" xmlns:a14="http://schemas.microsoft.com/office/drawing/2010/main"/>
+              <a14:shadowObscured xmlns:a14="http://schemas.microsoft.com/office/drawing/2010/main" xmlns=""/>
             </a:ext>
           </a:extLst>
         </p:spPr>
@@ -19096,14 +19096,14 @@
           <a:effectLst/>
           <a:extLst>
             <a:ext uri="{909E8E84-426E-40dd-AFC4-6F175D3DCCD1}">
-              <a14:hiddenFill xmlns="" xmlns:a14="http://schemas.microsoft.com/office/drawing/2010/main">
+              <a14:hiddenFill xmlns:a14="http://schemas.microsoft.com/office/drawing/2010/main" xmlns="">
                 <a:solidFill>
                   <a:srgbClr val="FFFFFF"/>
                 </a:solidFill>
               </a14:hiddenFill>
             </a:ext>
             <a:ext uri="{91240B29-F687-4f45-9708-019B960494DF}">
-              <a14:hiddenLine xmlns="" xmlns:a14="http://schemas.microsoft.com/office/drawing/2010/main" w="9525" cap="flat" cmpd="sng" algn="ctr">
+              <a14:hiddenLine xmlns:a14="http://schemas.microsoft.com/office/drawing/2010/main" xmlns="" w="9525" cap="flat" cmpd="sng" algn="ctr">
                 <a:solidFill>
                   <a:schemeClr val="tx1"/>
                 </a:solidFill>
@@ -19114,7 +19114,7 @@
               </a14:hiddenLine>
             </a:ext>
             <a:ext uri="{AF507438-7753-43e0-B8FC-AC1667EBCBE1}">
-              <a14:hiddenEffects xmlns="" xmlns:a14="http://schemas.microsoft.com/office/drawing/2010/main">
+              <a14:hiddenEffects xmlns:a14="http://schemas.microsoft.com/office/drawing/2010/main" xmlns="">
                 <a:effectLst>
                   <a:outerShdw blurRad="63500" dist="37357" dir="2700000" rotWithShape="0">
                     <a:scrgbClr r="0" g="0" b="0"/>
@@ -19123,7 +19123,7 @@
               </a14:hiddenEffects>
             </a:ext>
             <a:ext uri="{31F19639-BCED-4a60-ADC4-E9642A236FB7}">
-              <a14:hiddenScene3d xmlns="" xmlns:a14="http://schemas.microsoft.com/office/drawing/2010/main">
+              <a14:hiddenScene3d xmlns:a14="http://schemas.microsoft.com/office/drawing/2010/main" xmlns="">
                 <a:camera prst="orthographicFront">
                   <a:rot lat="0" lon="0" rev="0"/>
                 </a:camera>
@@ -19133,14 +19133,14 @@
               </a14:hiddenScene3d>
             </a:ext>
             <a:ext uri="{E45631CC-5BF2-4c18-A39C-3461C7D3F71A}">
-              <a14:hiddenSp3d xmlns="" xmlns:a14="http://schemas.microsoft.com/office/drawing/2010/main" extrusionH="457200">
+              <a14:hiddenSp3d xmlns:a14="http://schemas.microsoft.com/office/drawing/2010/main" xmlns="" extrusionH="457200">
                 <a:contourClr>
                   <a:srgbClr val="000000"/>
                 </a:contourClr>
               </a14:hiddenSp3d>
             </a:ext>
             <a:ext uri="{53640926-AAD7-44d8-BBD7-CCE9431645EC}">
-              <a14:shadowObscured xmlns="" xmlns:a14="http://schemas.microsoft.com/office/drawing/2010/main"/>
+              <a14:shadowObscured xmlns:a14="http://schemas.microsoft.com/office/drawing/2010/main" xmlns=""/>
             </a:ext>
           </a:extLst>
         </p:spPr>
@@ -19893,14 +19893,14 @@
           <a:effectLst/>
           <a:extLst>
             <a:ext uri="{909E8E84-426E-40dd-AFC4-6F175D3DCCD1}">
-              <a14:hiddenFill xmlns="" xmlns:a14="http://schemas.microsoft.com/office/drawing/2010/main">
+              <a14:hiddenFill xmlns:a14="http://schemas.microsoft.com/office/drawing/2010/main" xmlns="">
                 <a:solidFill>
                   <a:srgbClr val="FFFFFF"/>
                 </a:solidFill>
               </a14:hiddenFill>
             </a:ext>
             <a:ext uri="{91240B29-F687-4f45-9708-019B960494DF}">
-              <a14:hiddenLine xmlns="" xmlns:a14="http://schemas.microsoft.com/office/drawing/2010/main" w="9525" cap="flat" cmpd="sng" algn="ctr">
+              <a14:hiddenLine xmlns:a14="http://schemas.microsoft.com/office/drawing/2010/main" xmlns="" w="9525" cap="flat" cmpd="sng" algn="ctr">
                 <a:solidFill>
                   <a:schemeClr val="tx1"/>
                 </a:solidFill>
@@ -19911,7 +19911,7 @@
               </a14:hiddenLine>
             </a:ext>
             <a:ext uri="{AF507438-7753-43e0-B8FC-AC1667EBCBE1}">
-              <a14:hiddenEffects xmlns="" xmlns:a14="http://schemas.microsoft.com/office/drawing/2010/main">
+              <a14:hiddenEffects xmlns:a14="http://schemas.microsoft.com/office/drawing/2010/main" xmlns="">
                 <a:effectLst>
                   <a:outerShdw blurRad="63500" dist="37357" dir="2700000" rotWithShape="0">
                     <a:scrgbClr r="0" g="0" b="0"/>
@@ -19920,7 +19920,7 @@
               </a14:hiddenEffects>
             </a:ext>
             <a:ext uri="{31F19639-BCED-4a60-ADC4-E9642A236FB7}">
-              <a14:hiddenScene3d xmlns="" xmlns:a14="http://schemas.microsoft.com/office/drawing/2010/main">
+              <a14:hiddenScene3d xmlns:a14="http://schemas.microsoft.com/office/drawing/2010/main" xmlns="">
                 <a:camera prst="orthographicFront">
                   <a:rot lat="0" lon="0" rev="0"/>
                 </a:camera>
@@ -19930,14 +19930,14 @@
               </a14:hiddenScene3d>
             </a:ext>
             <a:ext uri="{E45631CC-5BF2-4c18-A39C-3461C7D3F71A}">
-              <a14:hiddenSp3d xmlns="" xmlns:a14="http://schemas.microsoft.com/office/drawing/2010/main" extrusionH="457200">
+              <a14:hiddenSp3d xmlns:a14="http://schemas.microsoft.com/office/drawing/2010/main" xmlns="" extrusionH="457200">
                 <a:contourClr>
                   <a:srgbClr val="000000"/>
                 </a:contourClr>
               </a14:hiddenSp3d>
             </a:ext>
             <a:ext uri="{53640926-AAD7-44d8-BBD7-CCE9431645EC}">
-              <a14:shadowObscured xmlns="" xmlns:a14="http://schemas.microsoft.com/office/drawing/2010/main"/>
+              <a14:shadowObscured xmlns:a14="http://schemas.microsoft.com/office/drawing/2010/main" xmlns=""/>
             </a:ext>
           </a:extLst>
         </p:spPr>
@@ -19985,14 +19985,14 @@
           <a:effectLst/>
           <a:extLst>
             <a:ext uri="{909E8E84-426E-40dd-AFC4-6F175D3DCCD1}">
-              <a14:hiddenFill xmlns="" xmlns:a14="http://schemas.microsoft.com/office/drawing/2010/main">
+              <a14:hiddenFill xmlns:a14="http://schemas.microsoft.com/office/drawing/2010/main" xmlns="">
                 <a:solidFill>
                   <a:srgbClr val="FFFFFF"/>
                 </a:solidFill>
               </a14:hiddenFill>
             </a:ext>
             <a:ext uri="{91240B29-F687-4f45-9708-019B960494DF}">
-              <a14:hiddenLine xmlns="" xmlns:a14="http://schemas.microsoft.com/office/drawing/2010/main" w="9525" cap="flat" cmpd="sng" algn="ctr">
+              <a14:hiddenLine xmlns:a14="http://schemas.microsoft.com/office/drawing/2010/main" xmlns="" w="9525" cap="flat" cmpd="sng" algn="ctr">
                 <a:solidFill>
                   <a:schemeClr val="tx1"/>
                 </a:solidFill>
@@ -20003,7 +20003,7 @@
               </a14:hiddenLine>
             </a:ext>
             <a:ext uri="{AF507438-7753-43e0-B8FC-AC1667EBCBE1}">
-              <a14:hiddenEffects xmlns="" xmlns:a14="http://schemas.microsoft.com/office/drawing/2010/main">
+              <a14:hiddenEffects xmlns:a14="http://schemas.microsoft.com/office/drawing/2010/main" xmlns="">
                 <a:effectLst>
                   <a:outerShdw blurRad="63500" dist="37357" dir="2700000" rotWithShape="0">
                     <a:scrgbClr r="0" g="0" b="0"/>
@@ -20012,7 +20012,7 @@
               </a14:hiddenEffects>
             </a:ext>
             <a:ext uri="{31F19639-BCED-4a60-ADC4-E9642A236FB7}">
-              <a14:hiddenScene3d xmlns="" xmlns:a14="http://schemas.microsoft.com/office/drawing/2010/main">
+              <a14:hiddenScene3d xmlns:a14="http://schemas.microsoft.com/office/drawing/2010/main" xmlns="">
                 <a:camera prst="orthographicFront">
                   <a:rot lat="0" lon="0" rev="0"/>
                 </a:camera>
@@ -20022,14 +20022,14 @@
               </a14:hiddenScene3d>
             </a:ext>
             <a:ext uri="{E45631CC-5BF2-4c18-A39C-3461C7D3F71A}">
-              <a14:hiddenSp3d xmlns="" xmlns:a14="http://schemas.microsoft.com/office/drawing/2010/main" extrusionH="457200">
+              <a14:hiddenSp3d xmlns:a14="http://schemas.microsoft.com/office/drawing/2010/main" xmlns="" extrusionH="457200">
                 <a:contourClr>
                   <a:srgbClr val="000000"/>
                 </a:contourClr>
               </a14:hiddenSp3d>
             </a:ext>
             <a:ext uri="{53640926-AAD7-44d8-BBD7-CCE9431645EC}">
-              <a14:shadowObscured xmlns="" xmlns:a14="http://schemas.microsoft.com/office/drawing/2010/main"/>
+              <a14:shadowObscured xmlns:a14="http://schemas.microsoft.com/office/drawing/2010/main" xmlns=""/>
             </a:ext>
           </a:extLst>
         </p:spPr>
@@ -20077,14 +20077,14 @@
           <a:effectLst/>
           <a:extLst>
             <a:ext uri="{909E8E84-426E-40dd-AFC4-6F175D3DCCD1}">
-              <a14:hiddenFill xmlns="" xmlns:a14="http://schemas.microsoft.com/office/drawing/2010/main">
+              <a14:hiddenFill xmlns:a14="http://schemas.microsoft.com/office/drawing/2010/main" xmlns="">
                 <a:solidFill>
                   <a:srgbClr val="FFFFFF"/>
                 </a:solidFill>
               </a14:hiddenFill>
             </a:ext>
             <a:ext uri="{91240B29-F687-4f45-9708-019B960494DF}">
-              <a14:hiddenLine xmlns="" xmlns:a14="http://schemas.microsoft.com/office/drawing/2010/main" w="9525" cap="flat" cmpd="sng" algn="ctr">
+              <a14:hiddenLine xmlns:a14="http://schemas.microsoft.com/office/drawing/2010/main" xmlns="" w="9525" cap="flat" cmpd="sng" algn="ctr">
                 <a:solidFill>
                   <a:schemeClr val="tx1"/>
                 </a:solidFill>
@@ -20095,7 +20095,7 @@
               </a14:hiddenLine>
             </a:ext>
             <a:ext uri="{AF507438-7753-43e0-B8FC-AC1667EBCBE1}">
-              <a14:hiddenEffects xmlns="" xmlns:a14="http://schemas.microsoft.com/office/drawing/2010/main">
+              <a14:hiddenEffects xmlns:a14="http://schemas.microsoft.com/office/drawing/2010/main" xmlns="">
                 <a:effectLst>
                   <a:outerShdw blurRad="63500" dist="37357" dir="2700000" rotWithShape="0">
                     <a:scrgbClr r="0" g="0" b="0"/>
@@ -20104,7 +20104,7 @@
               </a14:hiddenEffects>
             </a:ext>
             <a:ext uri="{31F19639-BCED-4a60-ADC4-E9642A236FB7}">
-              <a14:hiddenScene3d xmlns="" xmlns:a14="http://schemas.microsoft.com/office/drawing/2010/main">
+              <a14:hiddenScene3d xmlns:a14="http://schemas.microsoft.com/office/drawing/2010/main" xmlns="">
                 <a:camera prst="orthographicFront">
                   <a:rot lat="0" lon="0" rev="0"/>
                 </a:camera>
@@ -20114,14 +20114,14 @@
               </a14:hiddenScene3d>
             </a:ext>
             <a:ext uri="{E45631CC-5BF2-4c18-A39C-3461C7D3F71A}">
-              <a14:hiddenSp3d xmlns="" xmlns:a14="http://schemas.microsoft.com/office/drawing/2010/main" extrusionH="457200">
+              <a14:hiddenSp3d xmlns:a14="http://schemas.microsoft.com/office/drawing/2010/main" xmlns="" extrusionH="457200">
                 <a:contourClr>
                   <a:srgbClr val="000000"/>
                 </a:contourClr>
               </a14:hiddenSp3d>
             </a:ext>
             <a:ext uri="{53640926-AAD7-44d8-BBD7-CCE9431645EC}">
-              <a14:shadowObscured xmlns="" xmlns:a14="http://schemas.microsoft.com/office/drawing/2010/main"/>
+              <a14:shadowObscured xmlns:a14="http://schemas.microsoft.com/office/drawing/2010/main" xmlns=""/>
             </a:ext>
           </a:extLst>
         </p:spPr>
@@ -20199,14 +20199,14 @@
           <a:effectLst/>
           <a:extLst>
             <a:ext uri="{909E8E84-426E-40dd-AFC4-6F175D3DCCD1}">
-              <a14:hiddenFill xmlns="" xmlns:a14="http://schemas.microsoft.com/office/drawing/2010/main">
+              <a14:hiddenFill xmlns:a14="http://schemas.microsoft.com/office/drawing/2010/main" xmlns="">
                 <a:solidFill>
                   <a:srgbClr val="FFFFFF"/>
                 </a:solidFill>
               </a14:hiddenFill>
             </a:ext>
             <a:ext uri="{91240B29-F687-4f45-9708-019B960494DF}">
-              <a14:hiddenLine xmlns="" xmlns:a14="http://schemas.microsoft.com/office/drawing/2010/main" w="9525" cap="flat" cmpd="sng" algn="ctr">
+              <a14:hiddenLine xmlns:a14="http://schemas.microsoft.com/office/drawing/2010/main" xmlns="" w="9525" cap="flat" cmpd="sng" algn="ctr">
                 <a:solidFill>
                   <a:schemeClr val="tx1"/>
                 </a:solidFill>
@@ -20217,7 +20217,7 @@
               </a14:hiddenLine>
             </a:ext>
             <a:ext uri="{AF507438-7753-43e0-B8FC-AC1667EBCBE1}">
-              <a14:hiddenEffects xmlns="" xmlns:a14="http://schemas.microsoft.com/office/drawing/2010/main">
+              <a14:hiddenEffects xmlns:a14="http://schemas.microsoft.com/office/drawing/2010/main" xmlns="">
                 <a:effectLst>
                   <a:outerShdw blurRad="63500" dist="37357" dir="2700000" rotWithShape="0">
                     <a:scrgbClr r="0" g="0" b="0"/>
@@ -20226,7 +20226,7 @@
               </a14:hiddenEffects>
             </a:ext>
             <a:ext uri="{31F19639-BCED-4a60-ADC4-E9642A236FB7}">
-              <a14:hiddenScene3d xmlns="" xmlns:a14="http://schemas.microsoft.com/office/drawing/2010/main">
+              <a14:hiddenScene3d xmlns:a14="http://schemas.microsoft.com/office/drawing/2010/main" xmlns="">
                 <a:camera prst="orthographicFront">
                   <a:rot lat="0" lon="0" rev="0"/>
                 </a:camera>
@@ -20236,14 +20236,14 @@
               </a14:hiddenScene3d>
             </a:ext>
             <a:ext uri="{E45631CC-5BF2-4c18-A39C-3461C7D3F71A}">
-              <a14:hiddenSp3d xmlns="" xmlns:a14="http://schemas.microsoft.com/office/drawing/2010/main" extrusionH="457200">
+              <a14:hiddenSp3d xmlns:a14="http://schemas.microsoft.com/office/drawing/2010/main" xmlns="" extrusionH="457200">
                 <a:contourClr>
                   <a:srgbClr val="000000"/>
                 </a:contourClr>
               </a14:hiddenSp3d>
             </a:ext>
             <a:ext uri="{53640926-AAD7-44d8-BBD7-CCE9431645EC}">
-              <a14:shadowObscured xmlns="" xmlns:a14="http://schemas.microsoft.com/office/drawing/2010/main"/>
+              <a14:shadowObscured xmlns:a14="http://schemas.microsoft.com/office/drawing/2010/main" xmlns=""/>
             </a:ext>
           </a:extLst>
         </p:spPr>
@@ -20741,14 +20741,14 @@
           </a:ln>
           <a:extLst>
             <a:ext uri="{909E8E84-426E-40dd-AFC4-6F175D3DCCD1}">
-              <a14:hiddenFill xmlns="" xmlns:a14="http://schemas.microsoft.com/office/drawing/2010/main">
+              <a14:hiddenFill xmlns:a14="http://schemas.microsoft.com/office/drawing/2010/main" xmlns="">
                 <a:solidFill>
                   <a:srgbClr val="FFFFFF"/>
                 </a:solidFill>
               </a14:hiddenFill>
             </a:ext>
             <a:ext uri="{91240B29-F687-4f45-9708-019B960494DF}">
-              <a14:hiddenLine xmlns="" xmlns:a14="http://schemas.microsoft.com/office/drawing/2010/main" w="9525">
+              <a14:hiddenLine xmlns:a14="http://schemas.microsoft.com/office/drawing/2010/main" xmlns="" w="9525">
                 <a:solidFill>
                   <a:srgbClr val="000000"/>
                 </a:solidFill>
@@ -21379,14 +21379,14 @@
           <a:effectLst/>
           <a:extLst>
             <a:ext uri="{909E8E84-426E-40dd-AFC4-6F175D3DCCD1}">
-              <a14:hiddenFill xmlns="" xmlns:a14="http://schemas.microsoft.com/office/drawing/2010/main">
+              <a14:hiddenFill xmlns:a14="http://schemas.microsoft.com/office/drawing/2010/main" xmlns="">
                 <a:solidFill>
                   <a:srgbClr val="FFFFFF"/>
                 </a:solidFill>
               </a14:hiddenFill>
             </a:ext>
             <a:ext uri="{91240B29-F687-4f45-9708-019B960494DF}">
-              <a14:hiddenLine xmlns="" xmlns:a14="http://schemas.microsoft.com/office/drawing/2010/main" w="9525" cap="flat" cmpd="sng" algn="ctr">
+              <a14:hiddenLine xmlns:a14="http://schemas.microsoft.com/office/drawing/2010/main" xmlns="" w="9525" cap="flat" cmpd="sng" algn="ctr">
                 <a:solidFill>
                   <a:schemeClr val="tx1"/>
                 </a:solidFill>
@@ -21397,7 +21397,7 @@
               </a14:hiddenLine>
             </a:ext>
             <a:ext uri="{AF507438-7753-43e0-B8FC-AC1667EBCBE1}">
-              <a14:hiddenEffects xmlns="" xmlns:a14="http://schemas.microsoft.com/office/drawing/2010/main">
+              <a14:hiddenEffects xmlns:a14="http://schemas.microsoft.com/office/drawing/2010/main" xmlns="">
                 <a:effectLst>
                   <a:outerShdw blurRad="63500" dist="37357" dir="2700000" rotWithShape="0">
                     <a:scrgbClr r="0" g="0" b="0"/>
@@ -21406,7 +21406,7 @@
               </a14:hiddenEffects>
             </a:ext>
             <a:ext uri="{31F19639-BCED-4a60-ADC4-E9642A236FB7}">
-              <a14:hiddenScene3d xmlns="" xmlns:a14="http://schemas.microsoft.com/office/drawing/2010/main">
+              <a14:hiddenScene3d xmlns:a14="http://schemas.microsoft.com/office/drawing/2010/main" xmlns="">
                 <a:camera prst="orthographicFront">
                   <a:rot lat="0" lon="0" rev="0"/>
                 </a:camera>
@@ -21416,14 +21416,14 @@
               </a14:hiddenScene3d>
             </a:ext>
             <a:ext uri="{E45631CC-5BF2-4c18-A39C-3461C7D3F71A}">
-              <a14:hiddenSp3d xmlns="" xmlns:a14="http://schemas.microsoft.com/office/drawing/2010/main" extrusionH="457200">
+              <a14:hiddenSp3d xmlns:a14="http://schemas.microsoft.com/office/drawing/2010/main" xmlns="" extrusionH="457200">
                 <a:contourClr>
                   <a:srgbClr val="000000"/>
                 </a:contourClr>
               </a14:hiddenSp3d>
             </a:ext>
             <a:ext uri="{53640926-AAD7-44d8-BBD7-CCE9431645EC}">
-              <a14:shadowObscured xmlns="" xmlns:a14="http://schemas.microsoft.com/office/drawing/2010/main"/>
+              <a14:shadowObscured xmlns:a14="http://schemas.microsoft.com/office/drawing/2010/main" xmlns=""/>
             </a:ext>
           </a:extLst>
         </p:spPr>
@@ -22263,14 +22263,14 @@
           <a:effectLst/>
           <a:extLst>
             <a:ext uri="{909E8E84-426E-40dd-AFC4-6F175D3DCCD1}">
-              <a14:hiddenFill xmlns="" xmlns:a14="http://schemas.microsoft.com/office/drawing/2010/main">
+              <a14:hiddenFill xmlns:a14="http://schemas.microsoft.com/office/drawing/2010/main" xmlns="">
                 <a:solidFill>
                   <a:srgbClr val="FFFFFF"/>
                 </a:solidFill>
               </a14:hiddenFill>
             </a:ext>
             <a:ext uri="{91240B29-F687-4f45-9708-019B960494DF}">
-              <a14:hiddenLine xmlns="" xmlns:a14="http://schemas.microsoft.com/office/drawing/2010/main" w="9525" cap="flat" cmpd="sng" algn="ctr">
+              <a14:hiddenLine xmlns:a14="http://schemas.microsoft.com/office/drawing/2010/main" xmlns="" w="9525" cap="flat" cmpd="sng" algn="ctr">
                 <a:solidFill>
                   <a:schemeClr val="tx1"/>
                 </a:solidFill>
@@ -22281,7 +22281,7 @@
               </a14:hiddenLine>
             </a:ext>
             <a:ext uri="{AF507438-7753-43e0-B8FC-AC1667EBCBE1}">
-              <a14:hiddenEffects xmlns="" xmlns:a14="http://schemas.microsoft.com/office/drawing/2010/main">
+              <a14:hiddenEffects xmlns:a14="http://schemas.microsoft.com/office/drawing/2010/main" xmlns="">
                 <a:effectLst>
                   <a:outerShdw blurRad="63500" dist="37357" dir="2700000" rotWithShape="0">
                     <a:scrgbClr r="0" g="0" b="0"/>
@@ -22290,7 +22290,7 @@
               </a14:hiddenEffects>
             </a:ext>
             <a:ext uri="{31F19639-BCED-4a60-ADC4-E9642A236FB7}">
-              <a14:hiddenScene3d xmlns="" xmlns:a14="http://schemas.microsoft.com/office/drawing/2010/main">
+              <a14:hiddenScene3d xmlns:a14="http://schemas.microsoft.com/office/drawing/2010/main" xmlns="">
                 <a:camera prst="orthographicFront">
                   <a:rot lat="0" lon="0" rev="0"/>
                 </a:camera>
@@ -22300,14 +22300,14 @@
               </a14:hiddenScene3d>
             </a:ext>
             <a:ext uri="{E45631CC-5BF2-4c18-A39C-3461C7D3F71A}">
-              <a14:hiddenSp3d xmlns="" xmlns:a14="http://schemas.microsoft.com/office/drawing/2010/main" extrusionH="457200">
+              <a14:hiddenSp3d xmlns:a14="http://schemas.microsoft.com/office/drawing/2010/main" xmlns="" extrusionH="457200">
                 <a:contourClr>
                   <a:srgbClr val="000000"/>
                 </a:contourClr>
               </a14:hiddenSp3d>
             </a:ext>
             <a:ext uri="{53640926-AAD7-44d8-BBD7-CCE9431645EC}">
-              <a14:shadowObscured xmlns="" xmlns:a14="http://schemas.microsoft.com/office/drawing/2010/main"/>
+              <a14:shadowObscured xmlns:a14="http://schemas.microsoft.com/office/drawing/2010/main" xmlns=""/>
             </a:ext>
           </a:extLst>
         </p:spPr>
@@ -22355,14 +22355,14 @@
           <a:effectLst/>
           <a:extLst>
             <a:ext uri="{909E8E84-426E-40dd-AFC4-6F175D3DCCD1}">
-              <a14:hiddenFill xmlns="" xmlns:a14="http://schemas.microsoft.com/office/drawing/2010/main">
+              <a14:hiddenFill xmlns:a14="http://schemas.microsoft.com/office/drawing/2010/main" xmlns="">
                 <a:solidFill>
                   <a:srgbClr val="FFFFFF"/>
                 </a:solidFill>
               </a14:hiddenFill>
             </a:ext>
             <a:ext uri="{91240B29-F687-4f45-9708-019B960494DF}">
-              <a14:hiddenLine xmlns="" xmlns:a14="http://schemas.microsoft.com/office/drawing/2010/main" w="9525" cap="flat" cmpd="sng" algn="ctr">
+              <a14:hiddenLine xmlns:a14="http://schemas.microsoft.com/office/drawing/2010/main" xmlns="" w="9525" cap="flat" cmpd="sng" algn="ctr">
                 <a:solidFill>
                   <a:schemeClr val="tx1"/>
                 </a:solidFill>
@@ -22373,7 +22373,7 @@
               </a14:hiddenLine>
             </a:ext>
             <a:ext uri="{AF507438-7753-43e0-B8FC-AC1667EBCBE1}">
-              <a14:hiddenEffects xmlns="" xmlns:a14="http://schemas.microsoft.com/office/drawing/2010/main">
+              <a14:hiddenEffects xmlns:a14="http://schemas.microsoft.com/office/drawing/2010/main" xmlns="">
                 <a:effectLst>
                   <a:outerShdw blurRad="63500" dist="37357" dir="2700000" rotWithShape="0">
                     <a:scrgbClr r="0" g="0" b="0"/>
@@ -22382,7 +22382,7 @@
               </a14:hiddenEffects>
             </a:ext>
             <a:ext uri="{31F19639-BCED-4a60-ADC4-E9642A236FB7}">
-              <a14:hiddenScene3d xmlns="" xmlns:a14="http://schemas.microsoft.com/office/drawing/2010/main">
+              <a14:hiddenScene3d xmlns:a14="http://schemas.microsoft.com/office/drawing/2010/main" xmlns="">
                 <a:camera prst="orthographicFront">
                   <a:rot lat="0" lon="0" rev="0"/>
                 </a:camera>
@@ -22392,14 +22392,14 @@
               </a14:hiddenScene3d>
             </a:ext>
             <a:ext uri="{E45631CC-5BF2-4c18-A39C-3461C7D3F71A}">
-              <a14:hiddenSp3d xmlns="" xmlns:a14="http://schemas.microsoft.com/office/drawing/2010/main" extrusionH="457200">
+              <a14:hiddenSp3d xmlns:a14="http://schemas.microsoft.com/office/drawing/2010/main" xmlns="" extrusionH="457200">
                 <a:contourClr>
                   <a:srgbClr val="000000"/>
                 </a:contourClr>
               </a14:hiddenSp3d>
             </a:ext>
             <a:ext uri="{53640926-AAD7-44d8-BBD7-CCE9431645EC}">
-              <a14:shadowObscured xmlns="" xmlns:a14="http://schemas.microsoft.com/office/drawing/2010/main"/>
+              <a14:shadowObscured xmlns:a14="http://schemas.microsoft.com/office/drawing/2010/main" xmlns=""/>
             </a:ext>
           </a:extLst>
         </p:spPr>
@@ -22443,14 +22443,14 @@
           </a:ln>
           <a:extLst>
             <a:ext uri="{909E8E84-426E-40dd-AFC4-6F175D3DCCD1}">
-              <a14:hiddenFill xmlns="" xmlns:a14="http://schemas.microsoft.com/office/drawing/2010/main">
+              <a14:hiddenFill xmlns:a14="http://schemas.microsoft.com/office/drawing/2010/main" xmlns="">
                 <a:solidFill>
                   <a:srgbClr val="FFFFFF"/>
                 </a:solidFill>
               </a14:hiddenFill>
             </a:ext>
             <a:ext uri="{91240B29-F687-4f45-9708-019B960494DF}">
-              <a14:hiddenLine xmlns="" xmlns:a14="http://schemas.microsoft.com/office/drawing/2010/main" w="9525">
+              <a14:hiddenLine xmlns:a14="http://schemas.microsoft.com/office/drawing/2010/main" xmlns="" w="9525">
                 <a:solidFill>
                   <a:srgbClr val="000000"/>
                 </a:solidFill>
@@ -22651,14 +22651,14 @@
           </a:ln>
           <a:extLst>
             <a:ext uri="{909E8E84-426E-40dd-AFC4-6F175D3DCCD1}">
-              <a14:hiddenFill xmlns="" xmlns:a14="http://schemas.microsoft.com/office/drawing/2010/main">
+              <a14:hiddenFill xmlns:a14="http://schemas.microsoft.com/office/drawing/2010/main" xmlns="">
                 <a:solidFill>
                   <a:srgbClr val="FFFFFF"/>
                 </a:solidFill>
               </a14:hiddenFill>
             </a:ext>
             <a:ext uri="{91240B29-F687-4f45-9708-019B960494DF}">
-              <a14:hiddenLine xmlns="" xmlns:a14="http://schemas.microsoft.com/office/drawing/2010/main" w="9525">
+              <a14:hiddenLine xmlns:a14="http://schemas.microsoft.com/office/drawing/2010/main" xmlns="" w="9525">
                 <a:solidFill>
                   <a:srgbClr val="000000"/>
                 </a:solidFill>
@@ -22713,14 +22713,14 @@
           <a:effectLst/>
           <a:extLst>
             <a:ext uri="{909E8E84-426E-40dd-AFC4-6F175D3DCCD1}">
-              <a14:hiddenFill xmlns="" xmlns:a14="http://schemas.microsoft.com/office/drawing/2010/main">
+              <a14:hiddenFill xmlns:a14="http://schemas.microsoft.com/office/drawing/2010/main" xmlns="">
                 <a:solidFill>
                   <a:srgbClr val="FFFFFF"/>
                 </a:solidFill>
               </a14:hiddenFill>
             </a:ext>
             <a:ext uri="{91240B29-F687-4f45-9708-019B960494DF}">
-              <a14:hiddenLine xmlns="" xmlns:a14="http://schemas.microsoft.com/office/drawing/2010/main" w="9525" cap="flat" cmpd="sng" algn="ctr">
+              <a14:hiddenLine xmlns:a14="http://schemas.microsoft.com/office/drawing/2010/main" xmlns="" w="9525" cap="flat" cmpd="sng" algn="ctr">
                 <a:solidFill>
                   <a:schemeClr val="tx1"/>
                 </a:solidFill>
@@ -22731,7 +22731,7 @@
               </a14:hiddenLine>
             </a:ext>
             <a:ext uri="{AF507438-7753-43e0-B8FC-AC1667EBCBE1}">
-              <a14:hiddenEffects xmlns="" xmlns:a14="http://schemas.microsoft.com/office/drawing/2010/main">
+              <a14:hiddenEffects xmlns:a14="http://schemas.microsoft.com/office/drawing/2010/main" xmlns="">
                 <a:effectLst>
                   <a:outerShdw blurRad="63500" dist="37357" dir="2700000" rotWithShape="0">
                     <a:scrgbClr r="0" g="0" b="0"/>
@@ -22740,7 +22740,7 @@
               </a14:hiddenEffects>
             </a:ext>
             <a:ext uri="{31F19639-BCED-4a60-ADC4-E9642A236FB7}">
-              <a14:hiddenScene3d xmlns="" xmlns:a14="http://schemas.microsoft.com/office/drawing/2010/main">
+              <a14:hiddenScene3d xmlns:a14="http://schemas.microsoft.com/office/drawing/2010/main" xmlns="">
                 <a:camera prst="orthographicFront">
                   <a:rot lat="0" lon="0" rev="0"/>
                 </a:camera>
@@ -22750,14 +22750,14 @@
               </a14:hiddenScene3d>
             </a:ext>
             <a:ext uri="{E45631CC-5BF2-4c18-A39C-3461C7D3F71A}">
-              <a14:hiddenSp3d xmlns="" xmlns:a14="http://schemas.microsoft.com/office/drawing/2010/main" extrusionH="457200">
+              <a14:hiddenSp3d xmlns:a14="http://schemas.microsoft.com/office/drawing/2010/main" xmlns="" extrusionH="457200">
                 <a:contourClr>
                   <a:srgbClr val="000000"/>
                 </a:contourClr>
               </a14:hiddenSp3d>
             </a:ext>
             <a:ext uri="{53640926-AAD7-44d8-BBD7-CCE9431645EC}">
-              <a14:shadowObscured xmlns="" xmlns:a14="http://schemas.microsoft.com/office/drawing/2010/main"/>
+              <a14:shadowObscured xmlns:a14="http://schemas.microsoft.com/office/drawing/2010/main" xmlns=""/>
             </a:ext>
           </a:extLst>
         </p:spPr>
@@ -23019,7 +23019,7 @@
           </a:ln>
           <a:extLst>
             <a:ext uri="{909E8E84-426E-40dd-AFC4-6F175D3DCCD1}">
-              <a14:hiddenFill xmlns="" xmlns:a14="http://schemas.microsoft.com/office/drawing/2010/main">
+              <a14:hiddenFill xmlns:a14="http://schemas.microsoft.com/office/drawing/2010/main" xmlns="">
                 <a:noFill/>
               </a14:hiddenFill>
             </a:ext>
@@ -23466,14 +23466,14 @@
           <a:effectLst/>
           <a:extLst>
             <a:ext uri="{909E8E84-426E-40dd-AFC4-6F175D3DCCD1}">
-              <a14:hiddenFill xmlns="" xmlns:a14="http://schemas.microsoft.com/office/drawing/2010/main">
+              <a14:hiddenFill xmlns:a14="http://schemas.microsoft.com/office/drawing/2010/main" xmlns="">
                 <a:solidFill>
                   <a:srgbClr val="FFFFFF"/>
                 </a:solidFill>
               </a14:hiddenFill>
             </a:ext>
             <a:ext uri="{91240B29-F687-4f45-9708-019B960494DF}">
-              <a14:hiddenLine xmlns="" xmlns:a14="http://schemas.microsoft.com/office/drawing/2010/main" w="9525" cap="flat" cmpd="sng" algn="ctr">
+              <a14:hiddenLine xmlns:a14="http://schemas.microsoft.com/office/drawing/2010/main" xmlns="" w="9525" cap="flat" cmpd="sng" algn="ctr">
                 <a:solidFill>
                   <a:schemeClr val="tx1"/>
                 </a:solidFill>
@@ -23484,7 +23484,7 @@
               </a14:hiddenLine>
             </a:ext>
             <a:ext uri="{AF507438-7753-43e0-B8FC-AC1667EBCBE1}">
-              <a14:hiddenEffects xmlns="" xmlns:a14="http://schemas.microsoft.com/office/drawing/2010/main">
+              <a14:hiddenEffects xmlns:a14="http://schemas.microsoft.com/office/drawing/2010/main" xmlns="">
                 <a:effectLst>
                   <a:outerShdw blurRad="63500" dist="37357" dir="2700000" rotWithShape="0">
                     <a:scrgbClr r="0" g="0" b="0"/>
@@ -23493,7 +23493,7 @@
               </a14:hiddenEffects>
             </a:ext>
             <a:ext uri="{31F19639-BCED-4a60-ADC4-E9642A236FB7}">
-              <a14:hiddenScene3d xmlns="" xmlns:a14="http://schemas.microsoft.com/office/drawing/2010/main">
+              <a14:hiddenScene3d xmlns:a14="http://schemas.microsoft.com/office/drawing/2010/main" xmlns="">
                 <a:camera prst="orthographicFront">
                   <a:rot lat="0" lon="0" rev="0"/>
                 </a:camera>
@@ -23503,14 +23503,14 @@
               </a14:hiddenScene3d>
             </a:ext>
             <a:ext uri="{E45631CC-5BF2-4c18-A39C-3461C7D3F71A}">
-              <a14:hiddenSp3d xmlns="" xmlns:a14="http://schemas.microsoft.com/office/drawing/2010/main" extrusionH="457200">
+              <a14:hiddenSp3d xmlns:a14="http://schemas.microsoft.com/office/drawing/2010/main" xmlns="" extrusionH="457200">
                 <a:contourClr>
                   <a:srgbClr val="000000"/>
                 </a:contourClr>
               </a14:hiddenSp3d>
             </a:ext>
             <a:ext uri="{53640926-AAD7-44d8-BBD7-CCE9431645EC}">
-              <a14:shadowObscured xmlns="" xmlns:a14="http://schemas.microsoft.com/office/drawing/2010/main"/>
+              <a14:shadowObscured xmlns:a14="http://schemas.microsoft.com/office/drawing/2010/main" xmlns=""/>
             </a:ext>
           </a:extLst>
         </p:spPr>
@@ -24039,14 +24039,14 @@
           <a:effectLst/>
           <a:extLst>
             <a:ext uri="{909E8E84-426E-40dd-AFC4-6F175D3DCCD1}">
-              <a14:hiddenFill xmlns="" xmlns:a14="http://schemas.microsoft.com/office/drawing/2010/main">
+              <a14:hiddenFill xmlns:a14="http://schemas.microsoft.com/office/drawing/2010/main" xmlns="">
                 <a:solidFill>
                   <a:srgbClr val="FFFFFF"/>
                 </a:solidFill>
               </a14:hiddenFill>
             </a:ext>
             <a:ext uri="{91240B29-F687-4f45-9708-019B960494DF}">
-              <a14:hiddenLine xmlns="" xmlns:a14="http://schemas.microsoft.com/office/drawing/2010/main" w="9525" cap="flat" cmpd="sng" algn="ctr">
+              <a14:hiddenLine xmlns:a14="http://schemas.microsoft.com/office/drawing/2010/main" xmlns="" w="9525" cap="flat" cmpd="sng" algn="ctr">
                 <a:solidFill>
                   <a:schemeClr val="tx1"/>
                 </a:solidFill>
@@ -24057,7 +24057,7 @@
               </a14:hiddenLine>
             </a:ext>
             <a:ext uri="{AF507438-7753-43e0-B8FC-AC1667EBCBE1}">
-              <a14:hiddenEffects xmlns="" xmlns:a14="http://schemas.microsoft.com/office/drawing/2010/main">
+              <a14:hiddenEffects xmlns:a14="http://schemas.microsoft.com/office/drawing/2010/main" xmlns="">
                 <a:effectLst>
                   <a:outerShdw blurRad="63500" dist="37357" dir="2700000" rotWithShape="0">
                     <a:scrgbClr r="0" g="0" b="0"/>
@@ -24066,7 +24066,7 @@
               </a14:hiddenEffects>
             </a:ext>
             <a:ext uri="{31F19639-BCED-4a60-ADC4-E9642A236FB7}">
-              <a14:hiddenScene3d xmlns="" xmlns:a14="http://schemas.microsoft.com/office/drawing/2010/main">
+              <a14:hiddenScene3d xmlns:a14="http://schemas.microsoft.com/office/drawing/2010/main" xmlns="">
                 <a:camera prst="orthographicFront">
                   <a:rot lat="0" lon="0" rev="0"/>
                 </a:camera>
@@ -24076,14 +24076,14 @@
               </a14:hiddenScene3d>
             </a:ext>
             <a:ext uri="{E45631CC-5BF2-4c18-A39C-3461C7D3F71A}">
-              <a14:hiddenSp3d xmlns="" xmlns:a14="http://schemas.microsoft.com/office/drawing/2010/main" extrusionH="457200">
+              <a14:hiddenSp3d xmlns:a14="http://schemas.microsoft.com/office/drawing/2010/main" xmlns="" extrusionH="457200">
                 <a:contourClr>
                   <a:srgbClr val="000000"/>
                 </a:contourClr>
               </a14:hiddenSp3d>
             </a:ext>
             <a:ext uri="{53640926-AAD7-44d8-BBD7-CCE9431645EC}">
-              <a14:shadowObscured xmlns="" xmlns:a14="http://schemas.microsoft.com/office/drawing/2010/main"/>
+              <a14:shadowObscured xmlns:a14="http://schemas.microsoft.com/office/drawing/2010/main" xmlns=""/>
             </a:ext>
           </a:extLst>
         </p:spPr>
@@ -24613,14 +24613,14 @@
           <a:effectLst/>
           <a:extLst>
             <a:ext uri="{909E8E84-426E-40dd-AFC4-6F175D3DCCD1}">
-              <a14:hiddenFill xmlns="" xmlns:a14="http://schemas.microsoft.com/office/drawing/2010/main">
+              <a14:hiddenFill xmlns:a14="http://schemas.microsoft.com/office/drawing/2010/main" xmlns="">
                 <a:solidFill>
                   <a:srgbClr val="FFFFFF"/>
                 </a:solidFill>
               </a14:hiddenFill>
             </a:ext>
             <a:ext uri="{91240B29-F687-4f45-9708-019B960494DF}">
-              <a14:hiddenLine xmlns="" xmlns:a14="http://schemas.microsoft.com/office/drawing/2010/main" w="9525" cap="flat" cmpd="sng" algn="ctr">
+              <a14:hiddenLine xmlns:a14="http://schemas.microsoft.com/office/drawing/2010/main" xmlns="" w="9525" cap="flat" cmpd="sng" algn="ctr">
                 <a:solidFill>
                   <a:schemeClr val="tx1"/>
                 </a:solidFill>
@@ -24631,7 +24631,7 @@
               </a14:hiddenLine>
             </a:ext>
             <a:ext uri="{AF507438-7753-43e0-B8FC-AC1667EBCBE1}">
-              <a14:hiddenEffects xmlns="" xmlns:a14="http://schemas.microsoft.com/office/drawing/2010/main">
+              <a14:hiddenEffects xmlns:a14="http://schemas.microsoft.com/office/drawing/2010/main" xmlns="">
                 <a:effectLst>
                   <a:outerShdw blurRad="63500" dist="37357" dir="2700000" rotWithShape="0">
                     <a:scrgbClr r="0" g="0" b="0"/>
@@ -24640,7 +24640,7 @@
               </a14:hiddenEffects>
             </a:ext>
             <a:ext uri="{31F19639-BCED-4a60-ADC4-E9642A236FB7}">
-              <a14:hiddenScene3d xmlns="" xmlns:a14="http://schemas.microsoft.com/office/drawing/2010/main">
+              <a14:hiddenScene3d xmlns:a14="http://schemas.microsoft.com/office/drawing/2010/main" xmlns="">
                 <a:camera prst="orthographicFront">
                   <a:rot lat="0" lon="0" rev="0"/>
                 </a:camera>
@@ -24650,14 +24650,14 @@
               </a14:hiddenScene3d>
             </a:ext>
             <a:ext uri="{E45631CC-5BF2-4c18-A39C-3461C7D3F71A}">
-              <a14:hiddenSp3d xmlns="" xmlns:a14="http://schemas.microsoft.com/office/drawing/2010/main" extrusionH="457200">
+              <a14:hiddenSp3d xmlns:a14="http://schemas.microsoft.com/office/drawing/2010/main" xmlns="" extrusionH="457200">
                 <a:contourClr>
                   <a:srgbClr val="000000"/>
                 </a:contourClr>
               </a14:hiddenSp3d>
             </a:ext>
             <a:ext uri="{53640926-AAD7-44d8-BBD7-CCE9431645EC}">
-              <a14:shadowObscured xmlns="" xmlns:a14="http://schemas.microsoft.com/office/drawing/2010/main"/>
+              <a14:shadowObscured xmlns:a14="http://schemas.microsoft.com/office/drawing/2010/main" xmlns=""/>
             </a:ext>
           </a:extLst>
         </p:spPr>
@@ -31244,7 +31244,7 @@
           </a:ln>
           <a:extLst>
             <a:ext uri="{909E8E84-426E-40dd-AFC4-6F175D3DCCD1}">
-              <a14:hiddenFill xmlns="" xmlns:a14="http://schemas.microsoft.com/office/drawing/2010/main">
+              <a14:hiddenFill xmlns:a14="http://schemas.microsoft.com/office/drawing/2010/main" xmlns="">
                 <a:noFill/>
               </a14:hiddenFill>
             </a:ext>
@@ -31691,14 +31691,14 @@
           <a:effectLst/>
           <a:extLst>
             <a:ext uri="{909E8E84-426E-40dd-AFC4-6F175D3DCCD1}">
-              <a14:hiddenFill xmlns="" xmlns:a14="http://schemas.microsoft.com/office/drawing/2010/main">
+              <a14:hiddenFill xmlns:a14="http://schemas.microsoft.com/office/drawing/2010/main" xmlns="">
                 <a:solidFill>
                   <a:srgbClr val="FFFFFF"/>
                 </a:solidFill>
               </a14:hiddenFill>
             </a:ext>
             <a:ext uri="{91240B29-F687-4f45-9708-019B960494DF}">
-              <a14:hiddenLine xmlns="" xmlns:a14="http://schemas.microsoft.com/office/drawing/2010/main" w="9525" cap="flat" cmpd="sng" algn="ctr">
+              <a14:hiddenLine xmlns:a14="http://schemas.microsoft.com/office/drawing/2010/main" xmlns="" w="9525" cap="flat" cmpd="sng" algn="ctr">
                 <a:solidFill>
                   <a:schemeClr val="tx1"/>
                 </a:solidFill>
@@ -31709,7 +31709,7 @@
               </a14:hiddenLine>
             </a:ext>
             <a:ext uri="{AF507438-7753-43e0-B8FC-AC1667EBCBE1}">
-              <a14:hiddenEffects xmlns="" xmlns:a14="http://schemas.microsoft.com/office/drawing/2010/main">
+              <a14:hiddenEffects xmlns:a14="http://schemas.microsoft.com/office/drawing/2010/main" xmlns="">
                 <a:effectLst>
                   <a:outerShdw blurRad="63500" dist="37357" dir="2700000" rotWithShape="0">
                     <a:scrgbClr r="0" g="0" b="0"/>
@@ -31718,7 +31718,7 @@
               </a14:hiddenEffects>
             </a:ext>
             <a:ext uri="{31F19639-BCED-4a60-ADC4-E9642A236FB7}">
-              <a14:hiddenScene3d xmlns="" xmlns:a14="http://schemas.microsoft.com/office/drawing/2010/main">
+              <a14:hiddenScene3d xmlns:a14="http://schemas.microsoft.com/office/drawing/2010/main" xmlns="">
                 <a:camera prst="orthographicFront">
                   <a:rot lat="0" lon="0" rev="0"/>
                 </a:camera>
@@ -31728,14 +31728,14 @@
               </a14:hiddenScene3d>
             </a:ext>
             <a:ext uri="{E45631CC-5BF2-4c18-A39C-3461C7D3F71A}">
-              <a14:hiddenSp3d xmlns="" xmlns:a14="http://schemas.microsoft.com/office/drawing/2010/main" extrusionH="457200">
+              <a14:hiddenSp3d xmlns:a14="http://schemas.microsoft.com/office/drawing/2010/main" xmlns="" extrusionH="457200">
                 <a:contourClr>
                   <a:srgbClr val="000000"/>
                 </a:contourClr>
               </a14:hiddenSp3d>
             </a:ext>
             <a:ext uri="{53640926-AAD7-44d8-BBD7-CCE9431645EC}">
-              <a14:shadowObscured xmlns="" xmlns:a14="http://schemas.microsoft.com/office/drawing/2010/main"/>
+              <a14:shadowObscured xmlns:a14="http://schemas.microsoft.com/office/drawing/2010/main" xmlns=""/>
             </a:ext>
           </a:extLst>
         </p:spPr>
@@ -32282,14 +32282,14 @@
           <a:effectLst/>
           <a:extLst>
             <a:ext uri="{909E8E84-426E-40dd-AFC4-6F175D3DCCD1}">
-              <a14:hiddenFill xmlns="" xmlns:a14="http://schemas.microsoft.com/office/drawing/2010/main">
+              <a14:hiddenFill xmlns:a14="http://schemas.microsoft.com/office/drawing/2010/main" xmlns="">
                 <a:solidFill>
                   <a:srgbClr val="FFFFFF"/>
                 </a:solidFill>
               </a14:hiddenFill>
             </a:ext>
             <a:ext uri="{91240B29-F687-4f45-9708-019B960494DF}">
-              <a14:hiddenLine xmlns="" xmlns:a14="http://schemas.microsoft.com/office/drawing/2010/main" w="9525" cap="flat" cmpd="sng" algn="ctr">
+              <a14:hiddenLine xmlns:a14="http://schemas.microsoft.com/office/drawing/2010/main" xmlns="" w="9525" cap="flat" cmpd="sng" algn="ctr">
                 <a:solidFill>
                   <a:schemeClr val="tx1"/>
                 </a:solidFill>
@@ -32300,7 +32300,7 @@
               </a14:hiddenLine>
             </a:ext>
             <a:ext uri="{AF507438-7753-43e0-B8FC-AC1667EBCBE1}">
-              <a14:hiddenEffects xmlns="" xmlns:a14="http://schemas.microsoft.com/office/drawing/2010/main">
+              <a14:hiddenEffects xmlns:a14="http://schemas.microsoft.com/office/drawing/2010/main" xmlns="">
                 <a:effectLst>
                   <a:outerShdw blurRad="63500" dist="37357" dir="2700000" rotWithShape="0">
                     <a:scrgbClr r="0" g="0" b="0"/>
@@ -32309,7 +32309,7 @@
               </a14:hiddenEffects>
             </a:ext>
             <a:ext uri="{31F19639-BCED-4a60-ADC4-E9642A236FB7}">
-              <a14:hiddenScene3d xmlns="" xmlns:a14="http://schemas.microsoft.com/office/drawing/2010/main">
+              <a14:hiddenScene3d xmlns:a14="http://schemas.microsoft.com/office/drawing/2010/main" xmlns="">
                 <a:camera prst="orthographicFront">
                   <a:rot lat="0" lon="0" rev="0"/>
                 </a:camera>
@@ -32319,14 +32319,14 @@
               </a14:hiddenScene3d>
             </a:ext>
             <a:ext uri="{E45631CC-5BF2-4c18-A39C-3461C7D3F71A}">
-              <a14:hiddenSp3d xmlns="" xmlns:a14="http://schemas.microsoft.com/office/drawing/2010/main" extrusionH="457200">
+              <a14:hiddenSp3d xmlns:a14="http://schemas.microsoft.com/office/drawing/2010/main" xmlns="" extrusionH="457200">
                 <a:contourClr>
                   <a:srgbClr val="000000"/>
                 </a:contourClr>
               </a14:hiddenSp3d>
             </a:ext>
             <a:ext uri="{53640926-AAD7-44d8-BBD7-CCE9431645EC}">
-              <a14:shadowObscured xmlns="" xmlns:a14="http://schemas.microsoft.com/office/drawing/2010/main"/>
+              <a14:shadowObscured xmlns:a14="http://schemas.microsoft.com/office/drawing/2010/main" xmlns=""/>
             </a:ext>
           </a:extLst>
         </p:spPr>
@@ -33987,14 +33987,14 @@
           <a:effectLst/>
           <a:extLst>
             <a:ext uri="{909E8E84-426E-40dd-AFC4-6F175D3DCCD1}">
-              <a14:hiddenFill xmlns="" xmlns:a14="http://schemas.microsoft.com/office/drawing/2010/main">
+              <a14:hiddenFill xmlns:a14="http://schemas.microsoft.com/office/drawing/2010/main" xmlns="">
                 <a:solidFill>
                   <a:srgbClr val="FFFFFF"/>
                 </a:solidFill>
               </a14:hiddenFill>
             </a:ext>
             <a:ext uri="{91240B29-F687-4f45-9708-019B960494DF}">
-              <a14:hiddenLine xmlns="" xmlns:a14="http://schemas.microsoft.com/office/drawing/2010/main" w="9525" cap="flat" cmpd="sng" algn="ctr">
+              <a14:hiddenLine xmlns:a14="http://schemas.microsoft.com/office/drawing/2010/main" xmlns="" w="9525" cap="flat" cmpd="sng" algn="ctr">
                 <a:solidFill>
                   <a:schemeClr val="tx1"/>
                 </a:solidFill>
@@ -34005,7 +34005,7 @@
               </a14:hiddenLine>
             </a:ext>
             <a:ext uri="{AF507438-7753-43e0-B8FC-AC1667EBCBE1}">
-              <a14:hiddenEffects xmlns="" xmlns:a14="http://schemas.microsoft.com/office/drawing/2010/main">
+              <a14:hiddenEffects xmlns:a14="http://schemas.microsoft.com/office/drawing/2010/main" xmlns="">
                 <a:effectLst>
                   <a:outerShdw blurRad="63500" dist="37357" dir="2700000" rotWithShape="0">
                     <a:scrgbClr r="0" g="0" b="0"/>
@@ -34014,7 +34014,7 @@
               </a14:hiddenEffects>
             </a:ext>
             <a:ext uri="{31F19639-BCED-4a60-ADC4-E9642A236FB7}">
-              <a14:hiddenScene3d xmlns="" xmlns:a14="http://schemas.microsoft.com/office/drawing/2010/main">
+              <a14:hiddenScene3d xmlns:a14="http://schemas.microsoft.com/office/drawing/2010/main" xmlns="">
                 <a:camera prst="orthographicFront">
                   <a:rot lat="0" lon="0" rev="0"/>
                 </a:camera>
@@ -34024,14 +34024,14 @@
               </a14:hiddenScene3d>
             </a:ext>
             <a:ext uri="{E45631CC-5BF2-4c18-A39C-3461C7D3F71A}">
-              <a14:hiddenSp3d xmlns="" xmlns:a14="http://schemas.microsoft.com/office/drawing/2010/main" extrusionH="457200">
+              <a14:hiddenSp3d xmlns:a14="http://schemas.microsoft.com/office/drawing/2010/main" xmlns="" extrusionH="457200">
                 <a:contourClr>
                   <a:srgbClr val="000000"/>
                 </a:contourClr>
               </a14:hiddenSp3d>
             </a:ext>
             <a:ext uri="{53640926-AAD7-44d8-BBD7-CCE9431645EC}">
-              <a14:shadowObscured xmlns="" xmlns:a14="http://schemas.microsoft.com/office/drawing/2010/main"/>
+              <a14:shadowObscured xmlns:a14="http://schemas.microsoft.com/office/drawing/2010/main" xmlns=""/>
             </a:ext>
           </a:extLst>
         </p:spPr>
@@ -34322,7 +34322,7 @@
           </a:ln>
           <a:extLst>
             <a:ext uri="{909E8E84-426E-40dd-AFC4-6F175D3DCCD1}">
-              <a14:hiddenFill xmlns="" xmlns:a14="http://schemas.microsoft.com/office/drawing/2010/main">
+              <a14:hiddenFill xmlns:a14="http://schemas.microsoft.com/office/drawing/2010/main" xmlns="">
                 <a:noFill/>
               </a14:hiddenFill>
             </a:ext>
@@ -36881,14 +36881,14 @@
           <a:effectLst/>
           <a:extLst>
             <a:ext uri="{909E8E84-426E-40dd-AFC4-6F175D3DCCD1}">
-              <a14:hiddenFill xmlns="" xmlns:a14="http://schemas.microsoft.com/office/drawing/2010/main">
+              <a14:hiddenFill xmlns:a14="http://schemas.microsoft.com/office/drawing/2010/main" xmlns="">
                 <a:solidFill>
                   <a:srgbClr val="FFFFFF"/>
                 </a:solidFill>
               </a14:hiddenFill>
             </a:ext>
             <a:ext uri="{91240B29-F687-4f45-9708-019B960494DF}">
-              <a14:hiddenLine xmlns="" xmlns:a14="http://schemas.microsoft.com/office/drawing/2010/main" w="9525" cap="flat" cmpd="sng" algn="ctr">
+              <a14:hiddenLine xmlns:a14="http://schemas.microsoft.com/office/drawing/2010/main" xmlns="" w="9525" cap="flat" cmpd="sng" algn="ctr">
                 <a:solidFill>
                   <a:schemeClr val="tx1"/>
                 </a:solidFill>
@@ -36899,7 +36899,7 @@
               </a14:hiddenLine>
             </a:ext>
             <a:ext uri="{AF507438-7753-43e0-B8FC-AC1667EBCBE1}">
-              <a14:hiddenEffects xmlns="" xmlns:a14="http://schemas.microsoft.com/office/drawing/2010/main">
+              <a14:hiddenEffects xmlns:a14="http://schemas.microsoft.com/office/drawing/2010/main" xmlns="">
                 <a:effectLst>
                   <a:outerShdw blurRad="63500" dist="37357" dir="2700000" rotWithShape="0">
                     <a:scrgbClr r="0" g="0" b="0"/>
@@ -36908,7 +36908,7 @@
               </a14:hiddenEffects>
             </a:ext>
             <a:ext uri="{31F19639-BCED-4a60-ADC4-E9642A236FB7}">
-              <a14:hiddenScene3d xmlns="" xmlns:a14="http://schemas.microsoft.com/office/drawing/2010/main">
+              <a14:hiddenScene3d xmlns:a14="http://schemas.microsoft.com/office/drawing/2010/main" xmlns="">
                 <a:camera prst="orthographicFront">
                   <a:rot lat="0" lon="0" rev="0"/>
                 </a:camera>
@@ -36918,14 +36918,14 @@
               </a14:hiddenScene3d>
             </a:ext>
             <a:ext uri="{E45631CC-5BF2-4c18-A39C-3461C7D3F71A}">
-              <a14:hiddenSp3d xmlns="" xmlns:a14="http://schemas.microsoft.com/office/drawing/2010/main" extrusionH="457200">
+              <a14:hiddenSp3d xmlns:a14="http://schemas.microsoft.com/office/drawing/2010/main" xmlns="" extrusionH="457200">
                 <a:contourClr>
                   <a:srgbClr val="000000"/>
                 </a:contourClr>
               </a14:hiddenSp3d>
             </a:ext>
             <a:ext uri="{53640926-AAD7-44d8-BBD7-CCE9431645EC}">
-              <a14:shadowObscured xmlns="" xmlns:a14="http://schemas.microsoft.com/office/drawing/2010/main"/>
+              <a14:shadowObscured xmlns:a14="http://schemas.microsoft.com/office/drawing/2010/main" xmlns=""/>
             </a:ext>
           </a:extLst>
         </p:spPr>
@@ -36973,14 +36973,14 @@
           <a:effectLst/>
           <a:extLst>
             <a:ext uri="{909E8E84-426E-40dd-AFC4-6F175D3DCCD1}">
-              <a14:hiddenFill xmlns="" xmlns:a14="http://schemas.microsoft.com/office/drawing/2010/main">
+              <a14:hiddenFill xmlns:a14="http://schemas.microsoft.com/office/drawing/2010/main" xmlns="">
                 <a:solidFill>
                   <a:srgbClr val="FFFFFF"/>
                 </a:solidFill>
               </a14:hiddenFill>
             </a:ext>
             <a:ext uri="{91240B29-F687-4f45-9708-019B960494DF}">
-              <a14:hiddenLine xmlns="" xmlns:a14="http://schemas.microsoft.com/office/drawing/2010/main" w="9525" cap="flat" cmpd="sng" algn="ctr">
+              <a14:hiddenLine xmlns:a14="http://schemas.microsoft.com/office/drawing/2010/main" xmlns="" w="9525" cap="flat" cmpd="sng" algn="ctr">
                 <a:solidFill>
                   <a:schemeClr val="tx1"/>
                 </a:solidFill>
@@ -36991,7 +36991,7 @@
               </a14:hiddenLine>
             </a:ext>
             <a:ext uri="{AF507438-7753-43e0-B8FC-AC1667EBCBE1}">
-              <a14:hiddenEffects xmlns="" xmlns:a14="http://schemas.microsoft.com/office/drawing/2010/main">
+              <a14:hiddenEffects xmlns:a14="http://schemas.microsoft.com/office/drawing/2010/main" xmlns="">
                 <a:effectLst>
                   <a:outerShdw blurRad="63500" dist="37357" dir="2700000" rotWithShape="0">
                     <a:scrgbClr r="0" g="0" b="0"/>
@@ -37000,7 +37000,7 @@
               </a14:hiddenEffects>
             </a:ext>
             <a:ext uri="{31F19639-BCED-4a60-ADC4-E9642A236FB7}">
-              <a14:hiddenScene3d xmlns="" xmlns:a14="http://schemas.microsoft.com/office/drawing/2010/main">
+              <a14:hiddenScene3d xmlns:a14="http://schemas.microsoft.com/office/drawing/2010/main" xmlns="">
                 <a:camera prst="orthographicFront">
                   <a:rot lat="0" lon="0" rev="0"/>
                 </a:camera>
@@ -37010,14 +37010,14 @@
               </a14:hiddenScene3d>
             </a:ext>
             <a:ext uri="{E45631CC-5BF2-4c18-A39C-3461C7D3F71A}">
-              <a14:hiddenSp3d xmlns="" xmlns:a14="http://schemas.microsoft.com/office/drawing/2010/main" extrusionH="457200">
+              <a14:hiddenSp3d xmlns:a14="http://schemas.microsoft.com/office/drawing/2010/main" xmlns="" extrusionH="457200">
                 <a:contourClr>
                   <a:srgbClr val="000000"/>
                 </a:contourClr>
               </a14:hiddenSp3d>
             </a:ext>
             <a:ext uri="{53640926-AAD7-44d8-BBD7-CCE9431645EC}">
-              <a14:shadowObscured xmlns="" xmlns:a14="http://schemas.microsoft.com/office/drawing/2010/main"/>
+              <a14:shadowObscured xmlns:a14="http://schemas.microsoft.com/office/drawing/2010/main" xmlns=""/>
             </a:ext>
           </a:extLst>
         </p:spPr>
@@ -37065,14 +37065,14 @@
           <a:effectLst/>
           <a:extLst>
             <a:ext uri="{909E8E84-426E-40dd-AFC4-6F175D3DCCD1}">
-              <a14:hiddenFill xmlns="" xmlns:a14="http://schemas.microsoft.com/office/drawing/2010/main">
+              <a14:hiddenFill xmlns:a14="http://schemas.microsoft.com/office/drawing/2010/main" xmlns="">
                 <a:solidFill>
                   <a:srgbClr val="FFFFFF"/>
                 </a:solidFill>
               </a14:hiddenFill>
             </a:ext>
             <a:ext uri="{91240B29-F687-4f45-9708-019B960494DF}">
-              <a14:hiddenLine xmlns="" xmlns:a14="http://schemas.microsoft.com/office/drawing/2010/main" w="9525" cap="flat" cmpd="sng" algn="ctr">
+              <a14:hiddenLine xmlns:a14="http://schemas.microsoft.com/office/drawing/2010/main" xmlns="" w="9525" cap="flat" cmpd="sng" algn="ctr">
                 <a:solidFill>
                   <a:schemeClr val="tx1"/>
                 </a:solidFill>
@@ -37083,7 +37083,7 @@
               </a14:hiddenLine>
             </a:ext>
             <a:ext uri="{AF507438-7753-43e0-B8FC-AC1667EBCBE1}">
-              <a14:hiddenEffects xmlns="" xmlns:a14="http://schemas.microsoft.com/office/drawing/2010/main">
+              <a14:hiddenEffects xmlns:a14="http://schemas.microsoft.com/office/drawing/2010/main" xmlns="">
                 <a:effectLst>
                   <a:outerShdw blurRad="63500" dist="37357" dir="2700000" rotWithShape="0">
                     <a:scrgbClr r="0" g="0" b="0"/>
@@ -37092,7 +37092,7 @@
               </a14:hiddenEffects>
             </a:ext>
             <a:ext uri="{31F19639-BCED-4a60-ADC4-E9642A236FB7}">
-              <a14:hiddenScene3d xmlns="" xmlns:a14="http://schemas.microsoft.com/office/drawing/2010/main">
+              <a14:hiddenScene3d xmlns:a14="http://schemas.microsoft.com/office/drawing/2010/main" xmlns="">
                 <a:camera prst="orthographicFront">
                   <a:rot lat="0" lon="0" rev="0"/>
                 </a:camera>
@@ -37102,14 +37102,14 @@
               </a14:hiddenScene3d>
             </a:ext>
             <a:ext uri="{E45631CC-5BF2-4c18-A39C-3461C7D3F71A}">
-              <a14:hiddenSp3d xmlns="" xmlns:a14="http://schemas.microsoft.com/office/drawing/2010/main" extrusionH="457200">
+              <a14:hiddenSp3d xmlns:a14="http://schemas.microsoft.com/office/drawing/2010/main" xmlns="" extrusionH="457200">
                 <a:contourClr>
                   <a:srgbClr val="000000"/>
                 </a:contourClr>
               </a14:hiddenSp3d>
             </a:ext>
             <a:ext uri="{53640926-AAD7-44d8-BBD7-CCE9431645EC}">
-              <a14:shadowObscured xmlns="" xmlns:a14="http://schemas.microsoft.com/office/drawing/2010/main"/>
+              <a14:shadowObscured xmlns:a14="http://schemas.microsoft.com/office/drawing/2010/main" xmlns=""/>
             </a:ext>
           </a:extLst>
         </p:spPr>
@@ -37912,14 +37912,14 @@
           <a:effectLst/>
           <a:extLst>
             <a:ext uri="{909E8E84-426E-40dd-AFC4-6F175D3DCCD1}">
-              <a14:hiddenFill xmlns:a14="http://schemas.microsoft.com/office/drawing/2010/main" xmlns="">
+              <a14:hiddenFill xmlns="" xmlns:a14="http://schemas.microsoft.com/office/drawing/2010/main">
                 <a:solidFill>
                   <a:srgbClr val="FFFFFF"/>
                 </a:solidFill>
               </a14:hiddenFill>
             </a:ext>
             <a:ext uri="{91240B29-F687-4f45-9708-019B960494DF}">
-              <a14:hiddenLine xmlns:a14="http://schemas.microsoft.com/office/drawing/2010/main" xmlns="" w="9525" cap="flat" cmpd="sng" algn="ctr">
+              <a14:hiddenLine xmlns="" xmlns:a14="http://schemas.microsoft.com/office/drawing/2010/main" w="9525" cap="flat" cmpd="sng" algn="ctr">
                 <a:solidFill>
                   <a:schemeClr val="tx1"/>
                 </a:solidFill>
@@ -37930,7 +37930,7 @@
               </a14:hiddenLine>
             </a:ext>
             <a:ext uri="{AF507438-7753-43e0-B8FC-AC1667EBCBE1}">
-              <a14:hiddenEffects xmlns:a14="http://schemas.microsoft.com/office/drawing/2010/main" xmlns="">
+              <a14:hiddenEffects xmlns="" xmlns:a14="http://schemas.microsoft.com/office/drawing/2010/main">
                 <a:effectLst>
                   <a:outerShdw blurRad="63500" dist="37357" dir="2700000" rotWithShape="0">
                     <a:scrgbClr r="0" g="0" b="0"/>
@@ -37939,7 +37939,7 @@
               </a14:hiddenEffects>
             </a:ext>
             <a:ext uri="{31F19639-BCED-4a60-ADC4-E9642A236FB7}">
-              <a14:hiddenScene3d xmlns:a14="http://schemas.microsoft.com/office/drawing/2010/main" xmlns="">
+              <a14:hiddenScene3d xmlns="" xmlns:a14="http://schemas.microsoft.com/office/drawing/2010/main">
                 <a:camera prst="orthographicFront">
                   <a:rot lat="0" lon="0" rev="0"/>
                 </a:camera>
@@ -37949,14 +37949,14 @@
               </a14:hiddenScene3d>
             </a:ext>
             <a:ext uri="{E45631CC-5BF2-4c18-A39C-3461C7D3F71A}">
-              <a14:hiddenSp3d xmlns:a14="http://schemas.microsoft.com/office/drawing/2010/main" xmlns="" extrusionH="457200">
+              <a14:hiddenSp3d xmlns="" xmlns:a14="http://schemas.microsoft.com/office/drawing/2010/main" extrusionH="457200">
                 <a:contourClr>
                   <a:srgbClr val="000000"/>
                 </a:contourClr>
               </a14:hiddenSp3d>
             </a:ext>
             <a:ext uri="{53640926-AAD7-44d8-BBD7-CCE9431645EC}">
-              <a14:shadowObscured xmlns:a14="http://schemas.microsoft.com/office/drawing/2010/main" xmlns=""/>
+              <a14:shadowObscured xmlns="" xmlns:a14="http://schemas.microsoft.com/office/drawing/2010/main"/>
             </a:ext>
           </a:extLst>
         </p:spPr>
@@ -38305,14 +38305,14 @@
           <a:effectLst/>
           <a:extLst>
             <a:ext uri="{909E8E84-426E-40dd-AFC4-6F175D3DCCD1}">
-              <a14:hiddenFill xmlns="" xmlns:a14="http://schemas.microsoft.com/office/drawing/2010/main">
+              <a14:hiddenFill xmlns:a14="http://schemas.microsoft.com/office/drawing/2010/main" xmlns="">
                 <a:solidFill>
                   <a:srgbClr val="FFFFFF"/>
                 </a:solidFill>
               </a14:hiddenFill>
             </a:ext>
             <a:ext uri="{91240B29-F687-4f45-9708-019B960494DF}">
-              <a14:hiddenLine xmlns="" xmlns:a14="http://schemas.microsoft.com/office/drawing/2010/main" w="9525" cap="flat" cmpd="sng" algn="ctr">
+              <a14:hiddenLine xmlns:a14="http://schemas.microsoft.com/office/drawing/2010/main" xmlns="" w="9525" cap="flat" cmpd="sng" algn="ctr">
                 <a:solidFill>
                   <a:schemeClr val="tx1"/>
                 </a:solidFill>
@@ -38323,7 +38323,7 @@
               </a14:hiddenLine>
             </a:ext>
             <a:ext uri="{AF507438-7753-43e0-B8FC-AC1667EBCBE1}">
-              <a14:hiddenEffects xmlns="" xmlns:a14="http://schemas.microsoft.com/office/drawing/2010/main">
+              <a14:hiddenEffects xmlns:a14="http://schemas.microsoft.com/office/drawing/2010/main" xmlns="">
                 <a:effectLst>
                   <a:outerShdw blurRad="63500" dist="37357" dir="2700000" rotWithShape="0">
                     <a:scrgbClr r="0" g="0" b="0"/>
@@ -38332,7 +38332,7 @@
               </a14:hiddenEffects>
             </a:ext>
             <a:ext uri="{31F19639-BCED-4a60-ADC4-E9642A236FB7}">
-              <a14:hiddenScene3d xmlns="" xmlns:a14="http://schemas.microsoft.com/office/drawing/2010/main">
+              <a14:hiddenScene3d xmlns:a14="http://schemas.microsoft.com/office/drawing/2010/main" xmlns="">
                 <a:camera prst="orthographicFront">
                   <a:rot lat="0" lon="0" rev="0"/>
                 </a:camera>
@@ -38342,14 +38342,14 @@
               </a14:hiddenScene3d>
             </a:ext>
             <a:ext uri="{E45631CC-5BF2-4c18-A39C-3461C7D3F71A}">
-              <a14:hiddenSp3d xmlns="" xmlns:a14="http://schemas.microsoft.com/office/drawing/2010/main" extrusionH="457200">
+              <a14:hiddenSp3d xmlns:a14="http://schemas.microsoft.com/office/drawing/2010/main" xmlns="" extrusionH="457200">
                 <a:contourClr>
                   <a:srgbClr val="000000"/>
                 </a:contourClr>
               </a14:hiddenSp3d>
             </a:ext>
             <a:ext uri="{53640926-AAD7-44d8-BBD7-CCE9431645EC}">
-              <a14:shadowObscured xmlns="" xmlns:a14="http://schemas.microsoft.com/office/drawing/2010/main"/>
+              <a14:shadowObscured xmlns:a14="http://schemas.microsoft.com/office/drawing/2010/main" xmlns=""/>
             </a:ext>
           </a:extLst>
         </p:spPr>
@@ -38397,14 +38397,14 @@
           <a:effectLst/>
           <a:extLst>
             <a:ext uri="{909E8E84-426E-40dd-AFC4-6F175D3DCCD1}">
-              <a14:hiddenFill xmlns="" xmlns:a14="http://schemas.microsoft.com/office/drawing/2010/main">
+              <a14:hiddenFill xmlns:a14="http://schemas.microsoft.com/office/drawing/2010/main" xmlns="">
                 <a:solidFill>
                   <a:srgbClr val="FFFFFF"/>
                 </a:solidFill>
               </a14:hiddenFill>
             </a:ext>
             <a:ext uri="{91240B29-F687-4f45-9708-019B960494DF}">
-              <a14:hiddenLine xmlns="" xmlns:a14="http://schemas.microsoft.com/office/drawing/2010/main" w="9525" cap="flat" cmpd="sng" algn="ctr">
+              <a14:hiddenLine xmlns:a14="http://schemas.microsoft.com/office/drawing/2010/main" xmlns="" w="9525" cap="flat" cmpd="sng" algn="ctr">
                 <a:solidFill>
                   <a:schemeClr val="tx1"/>
                 </a:solidFill>
@@ -38415,7 +38415,7 @@
               </a14:hiddenLine>
             </a:ext>
             <a:ext uri="{AF507438-7753-43e0-B8FC-AC1667EBCBE1}">
-              <a14:hiddenEffects xmlns="" xmlns:a14="http://schemas.microsoft.com/office/drawing/2010/main">
+              <a14:hiddenEffects xmlns:a14="http://schemas.microsoft.com/office/drawing/2010/main" xmlns="">
                 <a:effectLst>
                   <a:outerShdw blurRad="63500" dist="37357" dir="2700000" rotWithShape="0">
                     <a:scrgbClr r="0" g="0" b="0"/>
@@ -38424,7 +38424,7 @@
               </a14:hiddenEffects>
             </a:ext>
             <a:ext uri="{31F19639-BCED-4a60-ADC4-E9642A236FB7}">
-              <a14:hiddenScene3d xmlns="" xmlns:a14="http://schemas.microsoft.com/office/drawing/2010/main">
+              <a14:hiddenScene3d xmlns:a14="http://schemas.microsoft.com/office/drawing/2010/main" xmlns="">
                 <a:camera prst="orthographicFront">
                   <a:rot lat="0" lon="0" rev="0"/>
                 </a:camera>
@@ -38434,14 +38434,14 @@
               </a14:hiddenScene3d>
             </a:ext>
             <a:ext uri="{E45631CC-5BF2-4c18-A39C-3461C7D3F71A}">
-              <a14:hiddenSp3d xmlns="" xmlns:a14="http://schemas.microsoft.com/office/drawing/2010/main" extrusionH="457200">
+              <a14:hiddenSp3d xmlns:a14="http://schemas.microsoft.com/office/drawing/2010/main" xmlns="" extrusionH="457200">
                 <a:contourClr>
                   <a:srgbClr val="000000"/>
                 </a:contourClr>
               </a14:hiddenSp3d>
             </a:ext>
             <a:ext uri="{53640926-AAD7-44d8-BBD7-CCE9431645EC}">
-              <a14:shadowObscured xmlns="" xmlns:a14="http://schemas.microsoft.com/office/drawing/2010/main"/>
+              <a14:shadowObscured xmlns:a14="http://schemas.microsoft.com/office/drawing/2010/main" xmlns=""/>
             </a:ext>
           </a:extLst>
         </p:spPr>
@@ -38489,14 +38489,14 @@
           <a:effectLst/>
           <a:extLst>
             <a:ext uri="{909E8E84-426E-40dd-AFC4-6F175D3DCCD1}">
-              <a14:hiddenFill xmlns="" xmlns:a14="http://schemas.microsoft.com/office/drawing/2010/main">
+              <a14:hiddenFill xmlns:a14="http://schemas.microsoft.com/office/drawing/2010/main" xmlns="">
                 <a:solidFill>
                   <a:srgbClr val="FFFFFF"/>
                 </a:solidFill>
               </a14:hiddenFill>
             </a:ext>
             <a:ext uri="{91240B29-F687-4f45-9708-019B960494DF}">
-              <a14:hiddenLine xmlns="" xmlns:a14="http://schemas.microsoft.com/office/drawing/2010/main" w="9525" cap="flat" cmpd="sng" algn="ctr">
+              <a14:hiddenLine xmlns:a14="http://schemas.microsoft.com/office/drawing/2010/main" xmlns="" w="9525" cap="flat" cmpd="sng" algn="ctr">
                 <a:solidFill>
                   <a:schemeClr val="tx1"/>
                 </a:solidFill>
@@ -38507,7 +38507,7 @@
               </a14:hiddenLine>
             </a:ext>
             <a:ext uri="{AF507438-7753-43e0-B8FC-AC1667EBCBE1}">
-              <a14:hiddenEffects xmlns="" xmlns:a14="http://schemas.microsoft.com/office/drawing/2010/main">
+              <a14:hiddenEffects xmlns:a14="http://schemas.microsoft.com/office/drawing/2010/main" xmlns="">
                 <a:effectLst>
                   <a:outerShdw blurRad="63500" dist="37357" dir="2700000" rotWithShape="0">
                     <a:scrgbClr r="0" g="0" b="0"/>
@@ -38516,7 +38516,7 @@
               </a14:hiddenEffects>
             </a:ext>
             <a:ext uri="{31F19639-BCED-4a60-ADC4-E9642A236FB7}">
-              <a14:hiddenScene3d xmlns="" xmlns:a14="http://schemas.microsoft.com/office/drawing/2010/main">
+              <a14:hiddenScene3d xmlns:a14="http://schemas.microsoft.com/office/drawing/2010/main" xmlns="">
                 <a:camera prst="orthographicFront">
                   <a:rot lat="0" lon="0" rev="0"/>
                 </a:camera>
@@ -38526,14 +38526,14 @@
               </a14:hiddenScene3d>
             </a:ext>
             <a:ext uri="{E45631CC-5BF2-4c18-A39C-3461C7D3F71A}">
-              <a14:hiddenSp3d xmlns="" xmlns:a14="http://schemas.microsoft.com/office/drawing/2010/main" extrusionH="457200">
+              <a14:hiddenSp3d xmlns:a14="http://schemas.microsoft.com/office/drawing/2010/main" xmlns="" extrusionH="457200">
                 <a:contourClr>
                   <a:srgbClr val="000000"/>
                 </a:contourClr>
               </a14:hiddenSp3d>
             </a:ext>
             <a:ext uri="{53640926-AAD7-44d8-BBD7-CCE9431645EC}">
-              <a14:shadowObscured xmlns="" xmlns:a14="http://schemas.microsoft.com/office/drawing/2010/main"/>
+              <a14:shadowObscured xmlns:a14="http://schemas.microsoft.com/office/drawing/2010/main" xmlns=""/>
             </a:ext>
           </a:extLst>
         </p:spPr>
@@ -42622,14 +42622,14 @@
           <a:effectLst/>
           <a:extLst>
             <a:ext uri="{909E8E84-426E-40dd-AFC4-6F175D3DCCD1}">
-              <a14:hiddenFill xmlns="" xmlns:a14="http://schemas.microsoft.com/office/drawing/2010/main">
+              <a14:hiddenFill xmlns:a14="http://schemas.microsoft.com/office/drawing/2010/main" xmlns="">
                 <a:solidFill>
                   <a:srgbClr val="FFFFFF"/>
                 </a:solidFill>
               </a14:hiddenFill>
             </a:ext>
             <a:ext uri="{91240B29-F687-4f45-9708-019B960494DF}">
-              <a14:hiddenLine xmlns="" xmlns:a14="http://schemas.microsoft.com/office/drawing/2010/main" w="9525" cap="flat" cmpd="sng" algn="ctr">
+              <a14:hiddenLine xmlns:a14="http://schemas.microsoft.com/office/drawing/2010/main" xmlns="" w="9525" cap="flat" cmpd="sng" algn="ctr">
                 <a:solidFill>
                   <a:schemeClr val="tx1"/>
                 </a:solidFill>
@@ -42640,7 +42640,7 @@
               </a14:hiddenLine>
             </a:ext>
             <a:ext uri="{AF507438-7753-43e0-B8FC-AC1667EBCBE1}">
-              <a14:hiddenEffects xmlns="" xmlns:a14="http://schemas.microsoft.com/office/drawing/2010/main">
+              <a14:hiddenEffects xmlns:a14="http://schemas.microsoft.com/office/drawing/2010/main" xmlns="">
                 <a:effectLst>
                   <a:outerShdw blurRad="63500" dist="37357" dir="2700000" rotWithShape="0">
                     <a:scrgbClr r="0" g="0" b="0"/>
@@ -42649,7 +42649,7 @@
               </a14:hiddenEffects>
             </a:ext>
             <a:ext uri="{31F19639-BCED-4a60-ADC4-E9642A236FB7}">
-              <a14:hiddenScene3d xmlns="" xmlns:a14="http://schemas.microsoft.com/office/drawing/2010/main">
+              <a14:hiddenScene3d xmlns:a14="http://schemas.microsoft.com/office/drawing/2010/main" xmlns="">
                 <a:camera prst="orthographicFront">
                   <a:rot lat="0" lon="0" rev="0"/>
                 </a:camera>
@@ -42659,14 +42659,14 @@
               </a14:hiddenScene3d>
             </a:ext>
             <a:ext uri="{E45631CC-5BF2-4c18-A39C-3461C7D3F71A}">
-              <a14:hiddenSp3d xmlns="" xmlns:a14="http://schemas.microsoft.com/office/drawing/2010/main" extrusionH="457200">
+              <a14:hiddenSp3d xmlns:a14="http://schemas.microsoft.com/office/drawing/2010/main" xmlns="" extrusionH="457200">
                 <a:contourClr>
                   <a:srgbClr val="000000"/>
                 </a:contourClr>
               </a14:hiddenSp3d>
             </a:ext>
             <a:ext uri="{53640926-AAD7-44d8-BBD7-CCE9431645EC}">
-              <a14:shadowObscured xmlns="" xmlns:a14="http://schemas.microsoft.com/office/drawing/2010/main"/>
+              <a14:shadowObscured xmlns:a14="http://schemas.microsoft.com/office/drawing/2010/main" xmlns=""/>
             </a:ext>
           </a:extLst>
         </p:spPr>
@@ -42714,14 +42714,14 @@
           <a:effectLst/>
           <a:extLst>
             <a:ext uri="{909E8E84-426E-40dd-AFC4-6F175D3DCCD1}">
-              <a14:hiddenFill xmlns="" xmlns:a14="http://schemas.microsoft.com/office/drawing/2010/main">
+              <a14:hiddenFill xmlns:a14="http://schemas.microsoft.com/office/drawing/2010/main" xmlns="">
                 <a:solidFill>
                   <a:srgbClr val="FFFFFF"/>
                 </a:solidFill>
               </a14:hiddenFill>
             </a:ext>
             <a:ext uri="{91240B29-F687-4f45-9708-019B960494DF}">
-              <a14:hiddenLine xmlns="" xmlns:a14="http://schemas.microsoft.com/office/drawing/2010/main" w="9525" cap="flat" cmpd="sng" algn="ctr">
+              <a14:hiddenLine xmlns:a14="http://schemas.microsoft.com/office/drawing/2010/main" xmlns="" w="9525" cap="flat" cmpd="sng" algn="ctr">
                 <a:solidFill>
                   <a:schemeClr val="tx1"/>
                 </a:solidFill>
@@ -42732,7 +42732,7 @@
               </a14:hiddenLine>
             </a:ext>
             <a:ext uri="{AF507438-7753-43e0-B8FC-AC1667EBCBE1}">
-              <a14:hiddenEffects xmlns="" xmlns:a14="http://schemas.microsoft.com/office/drawing/2010/main">
+              <a14:hiddenEffects xmlns:a14="http://schemas.microsoft.com/office/drawing/2010/main" xmlns="">
                 <a:effectLst>
                   <a:outerShdw blurRad="63500" dist="37357" dir="2700000" rotWithShape="0">
                     <a:scrgbClr r="0" g="0" b="0"/>
@@ -42741,7 +42741,7 @@
               </a14:hiddenEffects>
             </a:ext>
             <a:ext uri="{31F19639-BCED-4a60-ADC4-E9642A236FB7}">
-              <a14:hiddenScene3d xmlns="" xmlns:a14="http://schemas.microsoft.com/office/drawing/2010/main">
+              <a14:hiddenScene3d xmlns:a14="http://schemas.microsoft.com/office/drawing/2010/main" xmlns="">
                 <a:camera prst="orthographicFront">
                   <a:rot lat="0" lon="0" rev="0"/>
                 </a:camera>
@@ -42751,14 +42751,14 @@
               </a14:hiddenScene3d>
             </a:ext>
             <a:ext uri="{E45631CC-5BF2-4c18-A39C-3461C7D3F71A}">
-              <a14:hiddenSp3d xmlns="" xmlns:a14="http://schemas.microsoft.com/office/drawing/2010/main" extrusionH="457200">
+              <a14:hiddenSp3d xmlns:a14="http://schemas.microsoft.com/office/drawing/2010/main" xmlns="" extrusionH="457200">
                 <a:contourClr>
                   <a:srgbClr val="000000"/>
                 </a:contourClr>
               </a14:hiddenSp3d>
             </a:ext>
             <a:ext uri="{53640926-AAD7-44d8-BBD7-CCE9431645EC}">
-              <a14:shadowObscured xmlns="" xmlns:a14="http://schemas.microsoft.com/office/drawing/2010/main"/>
+              <a14:shadowObscured xmlns:a14="http://schemas.microsoft.com/office/drawing/2010/main" xmlns=""/>
             </a:ext>
           </a:extLst>
         </p:spPr>
@@ -42806,14 +42806,14 @@
           <a:effectLst/>
           <a:extLst>
             <a:ext uri="{909E8E84-426E-40dd-AFC4-6F175D3DCCD1}">
-              <a14:hiddenFill xmlns="" xmlns:a14="http://schemas.microsoft.com/office/drawing/2010/main">
+              <a14:hiddenFill xmlns:a14="http://schemas.microsoft.com/office/drawing/2010/main" xmlns="">
                 <a:solidFill>
                   <a:srgbClr val="FFFFFF"/>
                 </a:solidFill>
               </a14:hiddenFill>
             </a:ext>
             <a:ext uri="{91240B29-F687-4f45-9708-019B960494DF}">
-              <a14:hiddenLine xmlns="" xmlns:a14="http://schemas.microsoft.com/office/drawing/2010/main" w="9525" cap="flat" cmpd="sng" algn="ctr">
+              <a14:hiddenLine xmlns:a14="http://schemas.microsoft.com/office/drawing/2010/main" xmlns="" w="9525" cap="flat" cmpd="sng" algn="ctr">
                 <a:solidFill>
                   <a:schemeClr val="tx1"/>
                 </a:solidFill>
@@ -42824,7 +42824,7 @@
               </a14:hiddenLine>
             </a:ext>
             <a:ext uri="{AF507438-7753-43e0-B8FC-AC1667EBCBE1}">
-              <a14:hiddenEffects xmlns="" xmlns:a14="http://schemas.microsoft.com/office/drawing/2010/main">
+              <a14:hiddenEffects xmlns:a14="http://schemas.microsoft.com/office/drawing/2010/main" xmlns="">
                 <a:effectLst>
                   <a:outerShdw blurRad="63500" dist="37357" dir="2700000" rotWithShape="0">
                     <a:scrgbClr r="0" g="0" b="0"/>
@@ -42833,7 +42833,7 @@
               </a14:hiddenEffects>
             </a:ext>
             <a:ext uri="{31F19639-BCED-4a60-ADC4-E9642A236FB7}">
-              <a14:hiddenScene3d xmlns="" xmlns:a14="http://schemas.microsoft.com/office/drawing/2010/main">
+              <a14:hiddenScene3d xmlns:a14="http://schemas.microsoft.com/office/drawing/2010/main" xmlns="">
                 <a:camera prst="orthographicFront">
                   <a:rot lat="0" lon="0" rev="0"/>
                 </a:camera>
@@ -42843,14 +42843,14 @@
               </a14:hiddenScene3d>
             </a:ext>
             <a:ext uri="{E45631CC-5BF2-4c18-A39C-3461C7D3F71A}">
-              <a14:hiddenSp3d xmlns="" xmlns:a14="http://schemas.microsoft.com/office/drawing/2010/main" extrusionH="457200">
+              <a14:hiddenSp3d xmlns:a14="http://schemas.microsoft.com/office/drawing/2010/main" xmlns="" extrusionH="457200">
                 <a:contourClr>
                   <a:srgbClr val="000000"/>
                 </a:contourClr>
               </a14:hiddenSp3d>
             </a:ext>
             <a:ext uri="{53640926-AAD7-44d8-BBD7-CCE9431645EC}">
-              <a14:shadowObscured xmlns="" xmlns:a14="http://schemas.microsoft.com/office/drawing/2010/main"/>
+              <a14:shadowObscured xmlns:a14="http://schemas.microsoft.com/office/drawing/2010/main" xmlns=""/>
             </a:ext>
           </a:extLst>
         </p:spPr>
@@ -42898,14 +42898,14 @@
           <a:effectLst/>
           <a:extLst>
             <a:ext uri="{909E8E84-426E-40dd-AFC4-6F175D3DCCD1}">
-              <a14:hiddenFill xmlns="" xmlns:a14="http://schemas.microsoft.com/office/drawing/2010/main">
+              <a14:hiddenFill xmlns:a14="http://schemas.microsoft.com/office/drawing/2010/main" xmlns="">
                 <a:solidFill>
                   <a:srgbClr val="FFFFFF"/>
                 </a:solidFill>
               </a14:hiddenFill>
             </a:ext>
             <a:ext uri="{91240B29-F687-4f45-9708-019B960494DF}">
-              <a14:hiddenLine xmlns="" xmlns:a14="http://schemas.microsoft.com/office/drawing/2010/main" w="9525" cap="flat" cmpd="sng" algn="ctr">
+              <a14:hiddenLine xmlns:a14="http://schemas.microsoft.com/office/drawing/2010/main" xmlns="" w="9525" cap="flat" cmpd="sng" algn="ctr">
                 <a:solidFill>
                   <a:schemeClr val="tx1"/>
                 </a:solidFill>
@@ -42916,7 +42916,7 @@
               </a14:hiddenLine>
             </a:ext>
             <a:ext uri="{AF507438-7753-43e0-B8FC-AC1667EBCBE1}">
-              <a14:hiddenEffects xmlns="" xmlns:a14="http://schemas.microsoft.com/office/drawing/2010/main">
+              <a14:hiddenEffects xmlns:a14="http://schemas.microsoft.com/office/drawing/2010/main" xmlns="">
                 <a:effectLst>
                   <a:outerShdw blurRad="63500" dist="37357" dir="2700000" rotWithShape="0">
                     <a:scrgbClr r="0" g="0" b="0"/>
@@ -42925,7 +42925,7 @@
               </a14:hiddenEffects>
             </a:ext>
             <a:ext uri="{31F19639-BCED-4a60-ADC4-E9642A236FB7}">
-              <a14:hiddenScene3d xmlns="" xmlns:a14="http://schemas.microsoft.com/office/drawing/2010/main">
+              <a14:hiddenScene3d xmlns:a14="http://schemas.microsoft.com/office/drawing/2010/main" xmlns="">
                 <a:camera prst="orthographicFront">
                   <a:rot lat="0" lon="0" rev="0"/>
                 </a:camera>
@@ -42935,14 +42935,14 @@
               </a14:hiddenScene3d>
             </a:ext>
             <a:ext uri="{E45631CC-5BF2-4c18-A39C-3461C7D3F71A}">
-              <a14:hiddenSp3d xmlns="" xmlns:a14="http://schemas.microsoft.com/office/drawing/2010/main" extrusionH="457200">
+              <a14:hiddenSp3d xmlns:a14="http://schemas.microsoft.com/office/drawing/2010/main" xmlns="" extrusionH="457200">
                 <a:contourClr>
                   <a:srgbClr val="000000"/>
                 </a:contourClr>
               </a14:hiddenSp3d>
             </a:ext>
             <a:ext uri="{53640926-AAD7-44d8-BBD7-CCE9431645EC}">
-              <a14:shadowObscured xmlns="" xmlns:a14="http://schemas.microsoft.com/office/drawing/2010/main"/>
+              <a14:shadowObscured xmlns:a14="http://schemas.microsoft.com/office/drawing/2010/main" xmlns=""/>
             </a:ext>
           </a:extLst>
         </p:spPr>
@@ -43742,14 +43742,14 @@
           </a:ln>
           <a:extLst>
             <a:ext uri="{909E8E84-426E-40dd-AFC4-6F175D3DCCD1}">
-              <a14:hiddenFill xmlns="" xmlns:a14="http://schemas.microsoft.com/office/drawing/2010/main">
+              <a14:hiddenFill xmlns:a14="http://schemas.microsoft.com/office/drawing/2010/main" xmlns="">
                 <a:solidFill>
                   <a:srgbClr val="FFFFFF"/>
                 </a:solidFill>
               </a14:hiddenFill>
             </a:ext>
             <a:ext uri="{91240B29-F687-4f45-9708-019B960494DF}">
-              <a14:hiddenLine xmlns="" xmlns:a14="http://schemas.microsoft.com/office/drawing/2010/main" w="9525">
+              <a14:hiddenLine xmlns:a14="http://schemas.microsoft.com/office/drawing/2010/main" xmlns="" w="9525">
                 <a:solidFill>
                   <a:srgbClr val="000000"/>
                 </a:solidFill>
@@ -44592,14 +44592,14 @@
           </a:ln>
           <a:extLst>
             <a:ext uri="{909E8E84-426E-40dd-AFC4-6F175D3DCCD1}">
-              <a14:hiddenFill xmlns="" xmlns:a14="http://schemas.microsoft.com/office/drawing/2010/main">
+              <a14:hiddenFill xmlns:a14="http://schemas.microsoft.com/office/drawing/2010/main" xmlns="">
                 <a:solidFill>
                   <a:srgbClr val="FFFFFF"/>
                 </a:solidFill>
               </a14:hiddenFill>
             </a:ext>
             <a:ext uri="{91240B29-F687-4f45-9708-019B960494DF}">
-              <a14:hiddenLine xmlns="" xmlns:a14="http://schemas.microsoft.com/office/drawing/2010/main" w="9525">
+              <a14:hiddenLine xmlns:a14="http://schemas.microsoft.com/office/drawing/2010/main" xmlns="" w="9525">
                 <a:solidFill>
                   <a:srgbClr val="000000"/>
                 </a:solidFill>
@@ -44650,14 +44650,14 @@
           </a:ln>
           <a:extLst>
             <a:ext uri="{909E8E84-426E-40dd-AFC4-6F175D3DCCD1}">
-              <a14:hiddenFill xmlns="" xmlns:a14="http://schemas.microsoft.com/office/drawing/2010/main">
+              <a14:hiddenFill xmlns:a14="http://schemas.microsoft.com/office/drawing/2010/main" xmlns="">
                 <a:solidFill>
                   <a:srgbClr val="FFFFFF"/>
                 </a:solidFill>
               </a14:hiddenFill>
             </a:ext>
             <a:ext uri="{91240B29-F687-4f45-9708-019B960494DF}">
-              <a14:hiddenLine xmlns="" xmlns:a14="http://schemas.microsoft.com/office/drawing/2010/main" w="9525">
+              <a14:hiddenLine xmlns:a14="http://schemas.microsoft.com/office/drawing/2010/main" xmlns="" w="9525">
                 <a:solidFill>
                   <a:srgbClr val="000000"/>
                 </a:solidFill>
@@ -44708,14 +44708,14 @@
           </a:ln>
           <a:extLst>
             <a:ext uri="{909E8E84-426E-40dd-AFC4-6F175D3DCCD1}">
-              <a14:hiddenFill xmlns="" xmlns:a14="http://schemas.microsoft.com/office/drawing/2010/main">
+              <a14:hiddenFill xmlns:a14="http://schemas.microsoft.com/office/drawing/2010/main" xmlns="">
                 <a:solidFill>
                   <a:srgbClr val="FFFFFF"/>
                 </a:solidFill>
               </a14:hiddenFill>
             </a:ext>
             <a:ext uri="{91240B29-F687-4f45-9708-019B960494DF}">
-              <a14:hiddenLine xmlns="" xmlns:a14="http://schemas.microsoft.com/office/drawing/2010/main" w="9525">
+              <a14:hiddenLine xmlns:a14="http://schemas.microsoft.com/office/drawing/2010/main" xmlns="" w="9525">
                 <a:solidFill>
                   <a:srgbClr val="000000"/>
                 </a:solidFill>
@@ -44757,7 +44757,7 @@
           </a:ln>
           <a:extLst>
             <a:ext uri="{909E8E84-426E-40dd-AFC4-6F175D3DCCD1}">
-              <a14:hiddenFill xmlns="" xmlns:a14="http://schemas.microsoft.com/office/drawing/2010/main">
+              <a14:hiddenFill xmlns:a14="http://schemas.microsoft.com/office/drawing/2010/main" xmlns="">
                 <a:solidFill>
                   <a:srgbClr val="FFFFFF"/>
                 </a:solidFill>
@@ -44800,7 +44800,7 @@
           </a:ln>
           <a:extLst>
             <a:ext uri="{91240B29-F687-4f45-9708-019B960494DF}">
-              <a14:hiddenLine xmlns="" xmlns:a14="http://schemas.microsoft.com/office/drawing/2010/main" w="9525">
+              <a14:hiddenLine xmlns:a14="http://schemas.microsoft.com/office/drawing/2010/main" xmlns="" w="9525">
                 <a:solidFill>
                   <a:srgbClr val="000000"/>
                 </a:solidFill>
@@ -44852,7 +44852,7 @@
           </a:ln>
           <a:extLst>
             <a:ext uri="{909E8E84-426E-40dd-AFC4-6F175D3DCCD1}">
-              <a14:hiddenFill xmlns="" xmlns:a14="http://schemas.microsoft.com/office/drawing/2010/main">
+              <a14:hiddenFill xmlns:a14="http://schemas.microsoft.com/office/drawing/2010/main" xmlns="">
                 <a:solidFill>
                   <a:srgbClr val="FFFFFF"/>
                 </a:solidFill>
@@ -44910,14 +44910,14 @@
           </a:ln>
           <a:extLst>
             <a:ext uri="{909E8E84-426E-40dd-AFC4-6F175D3DCCD1}">
-              <a14:hiddenFill xmlns="" xmlns:a14="http://schemas.microsoft.com/office/drawing/2010/main">
+              <a14:hiddenFill xmlns:a14="http://schemas.microsoft.com/office/drawing/2010/main" xmlns="">
                 <a:solidFill>
                   <a:srgbClr val="FFFFFF"/>
                 </a:solidFill>
               </a14:hiddenFill>
             </a:ext>
             <a:ext uri="{91240B29-F687-4f45-9708-019B960494DF}">
-              <a14:hiddenLine xmlns="" xmlns:a14="http://schemas.microsoft.com/office/drawing/2010/main" w="9525">
+              <a14:hiddenLine xmlns:a14="http://schemas.microsoft.com/office/drawing/2010/main" xmlns="" w="9525">
                 <a:solidFill>
                   <a:srgbClr val="000000"/>
                 </a:solidFill>
@@ -44968,14 +44968,14 @@
           </a:ln>
           <a:extLst>
             <a:ext uri="{909E8E84-426E-40dd-AFC4-6F175D3DCCD1}">
-              <a14:hiddenFill xmlns="" xmlns:a14="http://schemas.microsoft.com/office/drawing/2010/main">
+              <a14:hiddenFill xmlns:a14="http://schemas.microsoft.com/office/drawing/2010/main" xmlns="">
                 <a:solidFill>
                   <a:srgbClr val="FFFFFF"/>
                 </a:solidFill>
               </a14:hiddenFill>
             </a:ext>
             <a:ext uri="{91240B29-F687-4f45-9708-019B960494DF}">
-              <a14:hiddenLine xmlns="" xmlns:a14="http://schemas.microsoft.com/office/drawing/2010/main" w="9525">
+              <a14:hiddenLine xmlns:a14="http://schemas.microsoft.com/office/drawing/2010/main" xmlns="" w="9525">
                 <a:solidFill>
                   <a:srgbClr val="000000"/>
                 </a:solidFill>
@@ -45161,7 +45161,7 @@
           </a:ln>
           <a:extLst>
             <a:ext uri="{91240B29-F687-4f45-9708-019B960494DF}">
-              <a14:hiddenLine xmlns="" xmlns:a14="http://schemas.microsoft.com/office/drawing/2010/main" w="9525">
+              <a14:hiddenLine xmlns:a14="http://schemas.microsoft.com/office/drawing/2010/main" xmlns="" w="9525">
                 <a:solidFill>
                   <a:srgbClr val="000000"/>
                 </a:solidFill>
@@ -46674,14 +46674,14 @@
           <a:effectLst/>
           <a:extLst>
             <a:ext uri="{909E8E84-426E-40dd-AFC4-6F175D3DCCD1}">
-              <a14:hiddenFill xmlns="" xmlns:a14="http://schemas.microsoft.com/office/drawing/2010/main">
+              <a14:hiddenFill xmlns:a14="http://schemas.microsoft.com/office/drawing/2010/main" xmlns="">
                 <a:solidFill>
                   <a:srgbClr val="FFFFFF"/>
                 </a:solidFill>
               </a14:hiddenFill>
             </a:ext>
             <a:ext uri="{91240B29-F687-4f45-9708-019B960494DF}">
-              <a14:hiddenLine xmlns="" xmlns:a14="http://schemas.microsoft.com/office/drawing/2010/main" w="9525" cap="flat" cmpd="sng" algn="ctr">
+              <a14:hiddenLine xmlns:a14="http://schemas.microsoft.com/office/drawing/2010/main" xmlns="" w="9525" cap="flat" cmpd="sng" algn="ctr">
                 <a:solidFill>
                   <a:schemeClr val="tx1"/>
                 </a:solidFill>
@@ -46692,7 +46692,7 @@
               </a14:hiddenLine>
             </a:ext>
             <a:ext uri="{AF507438-7753-43e0-B8FC-AC1667EBCBE1}">
-              <a14:hiddenEffects xmlns="" xmlns:a14="http://schemas.microsoft.com/office/drawing/2010/main">
+              <a14:hiddenEffects xmlns:a14="http://schemas.microsoft.com/office/drawing/2010/main" xmlns="">
                 <a:effectLst>
                   <a:outerShdw blurRad="63500" dist="37357" dir="2700000" rotWithShape="0">
                     <a:scrgbClr r="0" g="0" b="0"/>
@@ -46701,7 +46701,7 @@
               </a14:hiddenEffects>
             </a:ext>
             <a:ext uri="{31F19639-BCED-4a60-ADC4-E9642A236FB7}">
-              <a14:hiddenScene3d xmlns="" xmlns:a14="http://schemas.microsoft.com/office/drawing/2010/main">
+              <a14:hiddenScene3d xmlns:a14="http://schemas.microsoft.com/office/drawing/2010/main" xmlns="">
                 <a:camera prst="orthographicFront">
                   <a:rot lat="0" lon="0" rev="0"/>
                 </a:camera>
@@ -46711,14 +46711,14 @@
               </a14:hiddenScene3d>
             </a:ext>
             <a:ext uri="{E45631CC-5BF2-4c18-A39C-3461C7D3F71A}">
-              <a14:hiddenSp3d xmlns="" xmlns:a14="http://schemas.microsoft.com/office/drawing/2010/main" extrusionH="457200">
+              <a14:hiddenSp3d xmlns:a14="http://schemas.microsoft.com/office/drawing/2010/main" xmlns="" extrusionH="457200">
                 <a:contourClr>
                   <a:srgbClr val="000000"/>
                 </a:contourClr>
               </a14:hiddenSp3d>
             </a:ext>
             <a:ext uri="{53640926-AAD7-44d8-BBD7-CCE9431645EC}">
-              <a14:shadowObscured xmlns="" xmlns:a14="http://schemas.microsoft.com/office/drawing/2010/main"/>
+              <a14:shadowObscured xmlns:a14="http://schemas.microsoft.com/office/drawing/2010/main" xmlns=""/>
             </a:ext>
           </a:extLst>
         </p:spPr>
@@ -46766,14 +46766,14 @@
           <a:effectLst/>
           <a:extLst>
             <a:ext uri="{909E8E84-426E-40dd-AFC4-6F175D3DCCD1}">
-              <a14:hiddenFill xmlns="" xmlns:a14="http://schemas.microsoft.com/office/drawing/2010/main">
+              <a14:hiddenFill xmlns:a14="http://schemas.microsoft.com/office/drawing/2010/main" xmlns="">
                 <a:solidFill>
                   <a:srgbClr val="FFFFFF"/>
                 </a:solidFill>
               </a14:hiddenFill>
             </a:ext>
             <a:ext uri="{91240B29-F687-4f45-9708-019B960494DF}">
-              <a14:hiddenLine xmlns="" xmlns:a14="http://schemas.microsoft.com/office/drawing/2010/main" w="9525" cap="flat" cmpd="sng" algn="ctr">
+              <a14:hiddenLine xmlns:a14="http://schemas.microsoft.com/office/drawing/2010/main" xmlns="" w="9525" cap="flat" cmpd="sng" algn="ctr">
                 <a:solidFill>
                   <a:schemeClr val="tx1"/>
                 </a:solidFill>
@@ -46784,7 +46784,7 @@
               </a14:hiddenLine>
             </a:ext>
             <a:ext uri="{AF507438-7753-43e0-B8FC-AC1667EBCBE1}">
-              <a14:hiddenEffects xmlns="" xmlns:a14="http://schemas.microsoft.com/office/drawing/2010/main">
+              <a14:hiddenEffects xmlns:a14="http://schemas.microsoft.com/office/drawing/2010/main" xmlns="">
                 <a:effectLst>
                   <a:outerShdw blurRad="63500" dist="37357" dir="2700000" rotWithShape="0">
                     <a:scrgbClr r="0" g="0" b="0"/>
@@ -46793,7 +46793,7 @@
               </a14:hiddenEffects>
             </a:ext>
             <a:ext uri="{31F19639-BCED-4a60-ADC4-E9642A236FB7}">
-              <a14:hiddenScene3d xmlns="" xmlns:a14="http://schemas.microsoft.com/office/drawing/2010/main">
+              <a14:hiddenScene3d xmlns:a14="http://schemas.microsoft.com/office/drawing/2010/main" xmlns="">
                 <a:camera prst="orthographicFront">
                   <a:rot lat="0" lon="0" rev="0"/>
                 </a:camera>
@@ -46803,14 +46803,14 @@
               </a14:hiddenScene3d>
             </a:ext>
             <a:ext uri="{E45631CC-5BF2-4c18-A39C-3461C7D3F71A}">
-              <a14:hiddenSp3d xmlns="" xmlns:a14="http://schemas.microsoft.com/office/drawing/2010/main" extrusionH="457200">
+              <a14:hiddenSp3d xmlns:a14="http://schemas.microsoft.com/office/drawing/2010/main" xmlns="" extrusionH="457200">
                 <a:contourClr>
                   <a:srgbClr val="000000"/>
                 </a:contourClr>
               </a14:hiddenSp3d>
             </a:ext>
             <a:ext uri="{53640926-AAD7-44d8-BBD7-CCE9431645EC}">
-              <a14:shadowObscured xmlns="" xmlns:a14="http://schemas.microsoft.com/office/drawing/2010/main"/>
+              <a14:shadowObscured xmlns:a14="http://schemas.microsoft.com/office/drawing/2010/main" xmlns=""/>
             </a:ext>
           </a:extLst>
         </p:spPr>
@@ -46858,14 +46858,14 @@
           <a:effectLst/>
           <a:extLst>
             <a:ext uri="{909E8E84-426E-40dd-AFC4-6F175D3DCCD1}">
-              <a14:hiddenFill xmlns="" xmlns:a14="http://schemas.microsoft.com/office/drawing/2010/main">
+              <a14:hiddenFill xmlns:a14="http://schemas.microsoft.com/office/drawing/2010/main" xmlns="">
                 <a:solidFill>
                   <a:srgbClr val="FFFFFF"/>
                 </a:solidFill>
               </a14:hiddenFill>
             </a:ext>
             <a:ext uri="{91240B29-F687-4f45-9708-019B960494DF}">
-              <a14:hiddenLine xmlns="" xmlns:a14="http://schemas.microsoft.com/office/drawing/2010/main" w="9525" cap="flat" cmpd="sng" algn="ctr">
+              <a14:hiddenLine xmlns:a14="http://schemas.microsoft.com/office/drawing/2010/main" xmlns="" w="9525" cap="flat" cmpd="sng" algn="ctr">
                 <a:solidFill>
                   <a:schemeClr val="tx1"/>
                 </a:solidFill>
@@ -46876,7 +46876,7 @@
               </a14:hiddenLine>
             </a:ext>
             <a:ext uri="{AF507438-7753-43e0-B8FC-AC1667EBCBE1}">
-              <a14:hiddenEffects xmlns="" xmlns:a14="http://schemas.microsoft.com/office/drawing/2010/main">
+              <a14:hiddenEffects xmlns:a14="http://schemas.microsoft.com/office/drawing/2010/main" xmlns="">
                 <a:effectLst>
                   <a:outerShdw blurRad="63500" dist="37357" dir="2700000" rotWithShape="0">
                     <a:scrgbClr r="0" g="0" b="0"/>
@@ -46885,7 +46885,7 @@
               </a14:hiddenEffects>
             </a:ext>
             <a:ext uri="{31F19639-BCED-4a60-ADC4-E9642A236FB7}">
-              <a14:hiddenScene3d xmlns="" xmlns:a14="http://schemas.microsoft.com/office/drawing/2010/main">
+              <a14:hiddenScene3d xmlns:a14="http://schemas.microsoft.com/office/drawing/2010/main" xmlns="">
                 <a:camera prst="orthographicFront">
                   <a:rot lat="0" lon="0" rev="0"/>
                 </a:camera>
@@ -46895,14 +46895,14 @@
               </a14:hiddenScene3d>
             </a:ext>
             <a:ext uri="{E45631CC-5BF2-4c18-A39C-3461C7D3F71A}">
-              <a14:hiddenSp3d xmlns="" xmlns:a14="http://schemas.microsoft.com/office/drawing/2010/main" extrusionH="457200">
+              <a14:hiddenSp3d xmlns:a14="http://schemas.microsoft.com/office/drawing/2010/main" xmlns="" extrusionH="457200">
                 <a:contourClr>
                   <a:srgbClr val="000000"/>
                 </a:contourClr>
               </a14:hiddenSp3d>
             </a:ext>
             <a:ext uri="{53640926-AAD7-44d8-BBD7-CCE9431645EC}">
-              <a14:shadowObscured xmlns="" xmlns:a14="http://schemas.microsoft.com/office/drawing/2010/main"/>
+              <a14:shadowObscured xmlns:a14="http://schemas.microsoft.com/office/drawing/2010/main" xmlns=""/>
             </a:ext>
           </a:extLst>
         </p:spPr>

--- a/Bayes/2_bn.pptx
+++ b/Bayes/2_bn.pptx
@@ -574,14 +574,14 @@
           </a:ln>
           <a:extLst>
             <a:ext uri="{909E8E84-426E-40dd-AFC4-6F175D3DCCD1}">
-              <a14:hiddenFill xmlns:a14="http://schemas.microsoft.com/office/drawing/2010/main" xmlns="">
+              <a14:hiddenFill xmlns="" xmlns:a14="http://schemas.microsoft.com/office/drawing/2010/main">
                 <a:solidFill>
                   <a:srgbClr val="FFFFFF"/>
                 </a:solidFill>
               </a14:hiddenFill>
             </a:ext>
             <a:ext uri="{FAA26D3D-D897-4be2-8F04-BA451C77F1D7}">
-              <ma14:placeholderFlag xmlns:ma14="http://schemas.microsoft.com/office/mac/drawingml/2011/main" xmlns="" val="1"/>
+              <ma14:placeholderFlag xmlns="" xmlns:ma14="http://schemas.microsoft.com/office/mac/drawingml/2011/main" val="1"/>
             </a:ext>
           </a:extLst>
         </p:spPr>
@@ -1061,14 +1061,14 @@
           <a:ln/>
           <a:extLst>
             <a:ext uri="{909E8E84-426E-40dd-AFC4-6F175D3DCCD1}">
-              <a14:hiddenFill xmlns:a14="http://schemas.microsoft.com/office/drawing/2010/main" xmlns="">
+              <a14:hiddenFill xmlns="" xmlns:a14="http://schemas.microsoft.com/office/drawing/2010/main">
                 <a:solidFill>
                   <a:srgbClr val="FFFFFF"/>
                 </a:solidFill>
               </a14:hiddenFill>
             </a:ext>
             <a:ext uri="{91240B29-F687-4f45-9708-019B960494DF}">
-              <a14:hiddenLine xmlns:a14="http://schemas.microsoft.com/office/drawing/2010/main" xmlns="" w="9525">
+              <a14:hiddenLine xmlns="" xmlns:a14="http://schemas.microsoft.com/office/drawing/2010/main" w="9525">
                 <a:solidFill>
                   <a:srgbClr val="000000"/>
                 </a:solidFill>
@@ -1105,14 +1105,14 @@
           <a:ln/>
           <a:extLst>
             <a:ext uri="{909E8E84-426E-40dd-AFC4-6F175D3DCCD1}">
-              <a14:hiddenFill xmlns:a14="http://schemas.microsoft.com/office/drawing/2010/main" xmlns="">
+              <a14:hiddenFill xmlns="" xmlns:a14="http://schemas.microsoft.com/office/drawing/2010/main">
                 <a:solidFill>
                   <a:srgbClr val="FFFFFF"/>
                 </a:solidFill>
               </a14:hiddenFill>
             </a:ext>
             <a:ext uri="{91240B29-F687-4f45-9708-019B960494DF}">
-              <a14:hiddenLine xmlns:a14="http://schemas.microsoft.com/office/drawing/2010/main" xmlns="" w="9525">
+              <a14:hiddenLine xmlns="" xmlns:a14="http://schemas.microsoft.com/office/drawing/2010/main" w="9525">
                 <a:solidFill>
                   <a:srgbClr val="000000"/>
                 </a:solidFill>
@@ -4789,31 +4789,6 @@
       </p:grpSpPr>
       <p:sp>
         <p:nvSpPr>
-          <p:cNvPr id="5122" name="Rectangle 5"/>
-          <p:cNvSpPr>
-            <a:spLocks noGrp="1" noChangeArrowheads="1"/>
-          </p:cNvSpPr>
-          <p:nvPr>
-            <p:ph type="ctrTitle"/>
-          </p:nvPr>
-        </p:nvSpPr>
-        <p:spPr>
-          <a:xfrm>
-            <a:off x="0" y="279403"/>
-            <a:ext cx="12192000" cy="1470025"/>
-          </a:xfrm>
-        </p:spPr>
-        <p:txBody>
-          <a:bodyPr/>
-          <a:lstStyle/>
-          <a:p>
-            <a:pPr eaLnBrk="1" hangingPunct="1"/>
-            <a:endParaRPr lang="en-US" sz="3600" dirty="0"/>
-          </a:p>
-        </p:txBody>
-      </p:sp>
-      <p:sp>
-        <p:nvSpPr>
           <p:cNvPr id="5123" name="Rectangle 6"/>
           <p:cNvSpPr>
             <a:spLocks noGrp="1" noChangeArrowheads="1"/>
@@ -5519,14 +5494,14 @@
           <a:effectLst/>
           <a:extLst>
             <a:ext uri="{909E8E84-426E-40dd-AFC4-6F175D3DCCD1}">
-              <a14:hiddenFill xmlns="" xmlns:a14="http://schemas.microsoft.com/office/drawing/2010/main">
+              <a14:hiddenFill xmlns:a14="http://schemas.microsoft.com/office/drawing/2010/main" xmlns="">
                 <a:solidFill>
                   <a:srgbClr val="FFFFFF"/>
                 </a:solidFill>
               </a14:hiddenFill>
             </a:ext>
             <a:ext uri="{91240B29-F687-4f45-9708-019B960494DF}">
-              <a14:hiddenLine xmlns="" xmlns:a14="http://schemas.microsoft.com/office/drawing/2010/main" w="9525" cap="flat" cmpd="sng" algn="ctr">
+              <a14:hiddenLine xmlns:a14="http://schemas.microsoft.com/office/drawing/2010/main" xmlns="" w="9525" cap="flat" cmpd="sng" algn="ctr">
                 <a:solidFill>
                   <a:schemeClr val="tx1"/>
                 </a:solidFill>
@@ -5537,7 +5512,7 @@
               </a14:hiddenLine>
             </a:ext>
             <a:ext uri="{AF507438-7753-43e0-B8FC-AC1667EBCBE1}">
-              <a14:hiddenEffects xmlns="" xmlns:a14="http://schemas.microsoft.com/office/drawing/2010/main">
+              <a14:hiddenEffects xmlns:a14="http://schemas.microsoft.com/office/drawing/2010/main" xmlns="">
                 <a:effectLst>
                   <a:outerShdw blurRad="63500" dist="37357" dir="2700000" rotWithShape="0">
                     <a:scrgbClr r="0" g="0" b="0"/>
@@ -5546,7 +5521,7 @@
               </a14:hiddenEffects>
             </a:ext>
             <a:ext uri="{31F19639-BCED-4a60-ADC4-E9642A236FB7}">
-              <a14:hiddenScene3d xmlns="" xmlns:a14="http://schemas.microsoft.com/office/drawing/2010/main">
+              <a14:hiddenScene3d xmlns:a14="http://schemas.microsoft.com/office/drawing/2010/main" xmlns="">
                 <a:camera prst="orthographicFront">
                   <a:rot lat="0" lon="0" rev="0"/>
                 </a:camera>
@@ -5556,14 +5531,14 @@
               </a14:hiddenScene3d>
             </a:ext>
             <a:ext uri="{E45631CC-5BF2-4c18-A39C-3461C7D3F71A}">
-              <a14:hiddenSp3d xmlns="" xmlns:a14="http://schemas.microsoft.com/office/drawing/2010/main" extrusionH="457200">
+              <a14:hiddenSp3d xmlns:a14="http://schemas.microsoft.com/office/drawing/2010/main" xmlns="" extrusionH="457200">
                 <a:contourClr>
                   <a:srgbClr val="000000"/>
                 </a:contourClr>
               </a14:hiddenSp3d>
             </a:ext>
             <a:ext uri="{53640926-AAD7-44d8-BBD7-CCE9431645EC}">
-              <a14:shadowObscured xmlns="" xmlns:a14="http://schemas.microsoft.com/office/drawing/2010/main"/>
+              <a14:shadowObscured xmlns:a14="http://schemas.microsoft.com/office/drawing/2010/main" xmlns=""/>
             </a:ext>
           </a:extLst>
         </p:spPr>
@@ -5611,14 +5586,14 @@
           <a:effectLst/>
           <a:extLst>
             <a:ext uri="{909E8E84-426E-40dd-AFC4-6F175D3DCCD1}">
-              <a14:hiddenFill xmlns="" xmlns:a14="http://schemas.microsoft.com/office/drawing/2010/main">
+              <a14:hiddenFill xmlns:a14="http://schemas.microsoft.com/office/drawing/2010/main" xmlns="">
                 <a:solidFill>
                   <a:srgbClr val="FFFFFF"/>
                 </a:solidFill>
               </a14:hiddenFill>
             </a:ext>
             <a:ext uri="{91240B29-F687-4f45-9708-019B960494DF}">
-              <a14:hiddenLine xmlns="" xmlns:a14="http://schemas.microsoft.com/office/drawing/2010/main" w="9525" cap="flat" cmpd="sng" algn="ctr">
+              <a14:hiddenLine xmlns:a14="http://schemas.microsoft.com/office/drawing/2010/main" xmlns="" w="9525" cap="flat" cmpd="sng" algn="ctr">
                 <a:solidFill>
                   <a:schemeClr val="tx1"/>
                 </a:solidFill>
@@ -5629,7 +5604,7 @@
               </a14:hiddenLine>
             </a:ext>
             <a:ext uri="{AF507438-7753-43e0-B8FC-AC1667EBCBE1}">
-              <a14:hiddenEffects xmlns="" xmlns:a14="http://schemas.microsoft.com/office/drawing/2010/main">
+              <a14:hiddenEffects xmlns:a14="http://schemas.microsoft.com/office/drawing/2010/main" xmlns="">
                 <a:effectLst>
                   <a:outerShdw blurRad="63500" dist="37357" dir="2700000" rotWithShape="0">
                     <a:scrgbClr r="0" g="0" b="0"/>
@@ -5638,7 +5613,7 @@
               </a14:hiddenEffects>
             </a:ext>
             <a:ext uri="{31F19639-BCED-4a60-ADC4-E9642A236FB7}">
-              <a14:hiddenScene3d xmlns="" xmlns:a14="http://schemas.microsoft.com/office/drawing/2010/main">
+              <a14:hiddenScene3d xmlns:a14="http://schemas.microsoft.com/office/drawing/2010/main" xmlns="">
                 <a:camera prst="orthographicFront">
                   <a:rot lat="0" lon="0" rev="0"/>
                 </a:camera>
@@ -5648,14 +5623,14 @@
               </a14:hiddenScene3d>
             </a:ext>
             <a:ext uri="{E45631CC-5BF2-4c18-A39C-3461C7D3F71A}">
-              <a14:hiddenSp3d xmlns="" xmlns:a14="http://schemas.microsoft.com/office/drawing/2010/main" extrusionH="457200">
+              <a14:hiddenSp3d xmlns:a14="http://schemas.microsoft.com/office/drawing/2010/main" xmlns="" extrusionH="457200">
                 <a:contourClr>
                   <a:srgbClr val="000000"/>
                 </a:contourClr>
               </a14:hiddenSp3d>
             </a:ext>
             <a:ext uri="{53640926-AAD7-44d8-BBD7-CCE9431645EC}">
-              <a14:shadowObscured xmlns="" xmlns:a14="http://schemas.microsoft.com/office/drawing/2010/main"/>
+              <a14:shadowObscured xmlns:a14="http://schemas.microsoft.com/office/drawing/2010/main" xmlns=""/>
             </a:ext>
           </a:extLst>
         </p:spPr>
@@ -5703,14 +5678,14 @@
           <a:effectLst/>
           <a:extLst>
             <a:ext uri="{909E8E84-426E-40dd-AFC4-6F175D3DCCD1}">
-              <a14:hiddenFill xmlns="" xmlns:a14="http://schemas.microsoft.com/office/drawing/2010/main">
+              <a14:hiddenFill xmlns:a14="http://schemas.microsoft.com/office/drawing/2010/main" xmlns="">
                 <a:solidFill>
                   <a:srgbClr val="FFFFFF"/>
                 </a:solidFill>
               </a14:hiddenFill>
             </a:ext>
             <a:ext uri="{91240B29-F687-4f45-9708-019B960494DF}">
-              <a14:hiddenLine xmlns="" xmlns:a14="http://schemas.microsoft.com/office/drawing/2010/main" w="9525" cap="flat" cmpd="sng" algn="ctr">
+              <a14:hiddenLine xmlns:a14="http://schemas.microsoft.com/office/drawing/2010/main" xmlns="" w="9525" cap="flat" cmpd="sng" algn="ctr">
                 <a:solidFill>
                   <a:schemeClr val="tx1"/>
                 </a:solidFill>
@@ -5721,7 +5696,7 @@
               </a14:hiddenLine>
             </a:ext>
             <a:ext uri="{AF507438-7753-43e0-B8FC-AC1667EBCBE1}">
-              <a14:hiddenEffects xmlns="" xmlns:a14="http://schemas.microsoft.com/office/drawing/2010/main">
+              <a14:hiddenEffects xmlns:a14="http://schemas.microsoft.com/office/drawing/2010/main" xmlns="">
                 <a:effectLst>
                   <a:outerShdw blurRad="63500" dist="37357" dir="2700000" rotWithShape="0">
                     <a:scrgbClr r="0" g="0" b="0"/>
@@ -5730,7 +5705,7 @@
               </a14:hiddenEffects>
             </a:ext>
             <a:ext uri="{31F19639-BCED-4a60-ADC4-E9642A236FB7}">
-              <a14:hiddenScene3d xmlns="" xmlns:a14="http://schemas.microsoft.com/office/drawing/2010/main">
+              <a14:hiddenScene3d xmlns:a14="http://schemas.microsoft.com/office/drawing/2010/main" xmlns="">
                 <a:camera prst="orthographicFront">
                   <a:rot lat="0" lon="0" rev="0"/>
                 </a:camera>
@@ -5740,14 +5715,14 @@
               </a14:hiddenScene3d>
             </a:ext>
             <a:ext uri="{E45631CC-5BF2-4c18-A39C-3461C7D3F71A}">
-              <a14:hiddenSp3d xmlns="" xmlns:a14="http://schemas.microsoft.com/office/drawing/2010/main" extrusionH="457200">
+              <a14:hiddenSp3d xmlns:a14="http://schemas.microsoft.com/office/drawing/2010/main" xmlns="" extrusionH="457200">
                 <a:contourClr>
                   <a:srgbClr val="000000"/>
                 </a:contourClr>
               </a14:hiddenSp3d>
             </a:ext>
             <a:ext uri="{53640926-AAD7-44d8-BBD7-CCE9431645EC}">
-              <a14:shadowObscured xmlns="" xmlns:a14="http://schemas.microsoft.com/office/drawing/2010/main"/>
+              <a14:shadowObscured xmlns:a14="http://schemas.microsoft.com/office/drawing/2010/main" xmlns=""/>
             </a:ext>
           </a:extLst>
         </p:spPr>
@@ -7030,14 +7005,14 @@
           <a:effectLst/>
           <a:extLst>
             <a:ext uri="{909E8E84-426E-40dd-AFC4-6F175D3DCCD1}">
-              <a14:hiddenFill xmlns:a14="http://schemas.microsoft.com/office/drawing/2010/main" xmlns="">
+              <a14:hiddenFill xmlns="" xmlns:a14="http://schemas.microsoft.com/office/drawing/2010/main">
                 <a:solidFill>
                   <a:srgbClr val="FFFFFF"/>
                 </a:solidFill>
               </a14:hiddenFill>
             </a:ext>
             <a:ext uri="{91240B29-F687-4f45-9708-019B960494DF}">
-              <a14:hiddenLine xmlns:a14="http://schemas.microsoft.com/office/drawing/2010/main" xmlns="" w="9525" cap="flat" cmpd="sng" algn="ctr">
+              <a14:hiddenLine xmlns="" xmlns:a14="http://schemas.microsoft.com/office/drawing/2010/main" w="9525" cap="flat" cmpd="sng" algn="ctr">
                 <a:solidFill>
                   <a:schemeClr val="tx1"/>
                 </a:solidFill>
@@ -7048,7 +7023,7 @@
               </a14:hiddenLine>
             </a:ext>
             <a:ext uri="{AF507438-7753-43e0-B8FC-AC1667EBCBE1}">
-              <a14:hiddenEffects xmlns:a14="http://schemas.microsoft.com/office/drawing/2010/main" xmlns="">
+              <a14:hiddenEffects xmlns="" xmlns:a14="http://schemas.microsoft.com/office/drawing/2010/main">
                 <a:effectLst>
                   <a:outerShdw blurRad="63500" dist="37357" dir="2700000" rotWithShape="0">
                     <a:scrgbClr r="0" g="0" b="0"/>
@@ -7057,7 +7032,7 @@
               </a14:hiddenEffects>
             </a:ext>
             <a:ext uri="{31F19639-BCED-4a60-ADC4-E9642A236FB7}">
-              <a14:hiddenScene3d xmlns:a14="http://schemas.microsoft.com/office/drawing/2010/main" xmlns="">
+              <a14:hiddenScene3d xmlns="" xmlns:a14="http://schemas.microsoft.com/office/drawing/2010/main">
                 <a:camera prst="orthographicFront">
                   <a:rot lat="0" lon="0" rev="0"/>
                 </a:camera>
@@ -7067,14 +7042,14 @@
               </a14:hiddenScene3d>
             </a:ext>
             <a:ext uri="{E45631CC-5BF2-4c18-A39C-3461C7D3F71A}">
-              <a14:hiddenSp3d xmlns:a14="http://schemas.microsoft.com/office/drawing/2010/main" xmlns="" extrusionH="457200">
+              <a14:hiddenSp3d xmlns="" xmlns:a14="http://schemas.microsoft.com/office/drawing/2010/main" extrusionH="457200">
                 <a:contourClr>
                   <a:srgbClr val="000000"/>
                 </a:contourClr>
               </a14:hiddenSp3d>
             </a:ext>
             <a:ext uri="{53640926-AAD7-44d8-BBD7-CCE9431645EC}">
-              <a14:shadowObscured xmlns:a14="http://schemas.microsoft.com/office/drawing/2010/main" xmlns=""/>
+              <a14:shadowObscured xmlns="" xmlns:a14="http://schemas.microsoft.com/office/drawing/2010/main"/>
             </a:ext>
           </a:extLst>
         </p:spPr>
@@ -7122,14 +7097,14 @@
           <a:effectLst/>
           <a:extLst>
             <a:ext uri="{909E8E84-426E-40dd-AFC4-6F175D3DCCD1}">
-              <a14:hiddenFill xmlns:a14="http://schemas.microsoft.com/office/drawing/2010/main" xmlns="">
+              <a14:hiddenFill xmlns="" xmlns:a14="http://schemas.microsoft.com/office/drawing/2010/main">
                 <a:solidFill>
                   <a:srgbClr val="FFFFFF"/>
                 </a:solidFill>
               </a14:hiddenFill>
             </a:ext>
             <a:ext uri="{91240B29-F687-4f45-9708-019B960494DF}">
-              <a14:hiddenLine xmlns:a14="http://schemas.microsoft.com/office/drawing/2010/main" xmlns="" w="9525" cap="flat" cmpd="sng" algn="ctr">
+              <a14:hiddenLine xmlns="" xmlns:a14="http://schemas.microsoft.com/office/drawing/2010/main" w="9525" cap="flat" cmpd="sng" algn="ctr">
                 <a:solidFill>
                   <a:schemeClr val="tx1"/>
                 </a:solidFill>
@@ -7140,7 +7115,7 @@
               </a14:hiddenLine>
             </a:ext>
             <a:ext uri="{AF507438-7753-43e0-B8FC-AC1667EBCBE1}">
-              <a14:hiddenEffects xmlns:a14="http://schemas.microsoft.com/office/drawing/2010/main" xmlns="">
+              <a14:hiddenEffects xmlns="" xmlns:a14="http://schemas.microsoft.com/office/drawing/2010/main">
                 <a:effectLst>
                   <a:outerShdw blurRad="63500" dist="37357" dir="2700000" rotWithShape="0">
                     <a:scrgbClr r="0" g="0" b="0"/>
@@ -7149,7 +7124,7 @@
               </a14:hiddenEffects>
             </a:ext>
             <a:ext uri="{31F19639-BCED-4a60-ADC4-E9642A236FB7}">
-              <a14:hiddenScene3d xmlns:a14="http://schemas.microsoft.com/office/drawing/2010/main" xmlns="">
+              <a14:hiddenScene3d xmlns="" xmlns:a14="http://schemas.microsoft.com/office/drawing/2010/main">
                 <a:camera prst="orthographicFront">
                   <a:rot lat="0" lon="0" rev="0"/>
                 </a:camera>
@@ -7159,14 +7134,14 @@
               </a14:hiddenScene3d>
             </a:ext>
             <a:ext uri="{E45631CC-5BF2-4c18-A39C-3461C7D3F71A}">
-              <a14:hiddenSp3d xmlns:a14="http://schemas.microsoft.com/office/drawing/2010/main" xmlns="" extrusionH="457200">
+              <a14:hiddenSp3d xmlns="" xmlns:a14="http://schemas.microsoft.com/office/drawing/2010/main" extrusionH="457200">
                 <a:contourClr>
                   <a:srgbClr val="000000"/>
                 </a:contourClr>
               </a14:hiddenSp3d>
             </a:ext>
             <a:ext uri="{53640926-AAD7-44d8-BBD7-CCE9431645EC}">
-              <a14:shadowObscured xmlns:a14="http://schemas.microsoft.com/office/drawing/2010/main" xmlns=""/>
+              <a14:shadowObscured xmlns="" xmlns:a14="http://schemas.microsoft.com/office/drawing/2010/main"/>
             </a:ext>
           </a:extLst>
         </p:spPr>
@@ -7214,14 +7189,14 @@
           <a:effectLst/>
           <a:extLst>
             <a:ext uri="{909E8E84-426E-40dd-AFC4-6F175D3DCCD1}">
-              <a14:hiddenFill xmlns:a14="http://schemas.microsoft.com/office/drawing/2010/main" xmlns="">
+              <a14:hiddenFill xmlns="" xmlns:a14="http://schemas.microsoft.com/office/drawing/2010/main">
                 <a:solidFill>
                   <a:srgbClr val="FFFFFF"/>
                 </a:solidFill>
               </a14:hiddenFill>
             </a:ext>
             <a:ext uri="{91240B29-F687-4f45-9708-019B960494DF}">
-              <a14:hiddenLine xmlns:a14="http://schemas.microsoft.com/office/drawing/2010/main" xmlns="" w="9525" cap="flat" cmpd="sng" algn="ctr">
+              <a14:hiddenLine xmlns="" xmlns:a14="http://schemas.microsoft.com/office/drawing/2010/main" w="9525" cap="flat" cmpd="sng" algn="ctr">
                 <a:solidFill>
                   <a:schemeClr val="tx1"/>
                 </a:solidFill>
@@ -7232,7 +7207,7 @@
               </a14:hiddenLine>
             </a:ext>
             <a:ext uri="{AF507438-7753-43e0-B8FC-AC1667EBCBE1}">
-              <a14:hiddenEffects xmlns:a14="http://schemas.microsoft.com/office/drawing/2010/main" xmlns="">
+              <a14:hiddenEffects xmlns="" xmlns:a14="http://schemas.microsoft.com/office/drawing/2010/main">
                 <a:effectLst>
                   <a:outerShdw blurRad="63500" dist="37357" dir="2700000" rotWithShape="0">
                     <a:scrgbClr r="0" g="0" b="0"/>
@@ -7241,7 +7216,7 @@
               </a14:hiddenEffects>
             </a:ext>
             <a:ext uri="{31F19639-BCED-4a60-ADC4-E9642A236FB7}">
-              <a14:hiddenScene3d xmlns:a14="http://schemas.microsoft.com/office/drawing/2010/main" xmlns="">
+              <a14:hiddenScene3d xmlns="" xmlns:a14="http://schemas.microsoft.com/office/drawing/2010/main">
                 <a:camera prst="orthographicFront">
                   <a:rot lat="0" lon="0" rev="0"/>
                 </a:camera>
@@ -7251,14 +7226,14 @@
               </a14:hiddenScene3d>
             </a:ext>
             <a:ext uri="{E45631CC-5BF2-4c18-A39C-3461C7D3F71A}">
-              <a14:hiddenSp3d xmlns:a14="http://schemas.microsoft.com/office/drawing/2010/main" xmlns="" extrusionH="457200">
+              <a14:hiddenSp3d xmlns="" xmlns:a14="http://schemas.microsoft.com/office/drawing/2010/main" extrusionH="457200">
                 <a:contourClr>
                   <a:srgbClr val="000000"/>
                 </a:contourClr>
               </a14:hiddenSp3d>
             </a:ext>
             <a:ext uri="{53640926-AAD7-44d8-BBD7-CCE9431645EC}">
-              <a14:shadowObscured xmlns:a14="http://schemas.microsoft.com/office/drawing/2010/main" xmlns=""/>
+              <a14:shadowObscured xmlns="" xmlns:a14="http://schemas.microsoft.com/office/drawing/2010/main"/>
             </a:ext>
           </a:extLst>
         </p:spPr>
@@ -7306,14 +7281,14 @@
           <a:effectLst/>
           <a:extLst>
             <a:ext uri="{909E8E84-426E-40dd-AFC4-6F175D3DCCD1}">
-              <a14:hiddenFill xmlns:a14="http://schemas.microsoft.com/office/drawing/2010/main" xmlns="">
+              <a14:hiddenFill xmlns="" xmlns:a14="http://schemas.microsoft.com/office/drawing/2010/main">
                 <a:solidFill>
                   <a:srgbClr val="FFFFFF"/>
                 </a:solidFill>
               </a14:hiddenFill>
             </a:ext>
             <a:ext uri="{91240B29-F687-4f45-9708-019B960494DF}">
-              <a14:hiddenLine xmlns:a14="http://schemas.microsoft.com/office/drawing/2010/main" xmlns="" w="9525" cap="flat" cmpd="sng" algn="ctr">
+              <a14:hiddenLine xmlns="" xmlns:a14="http://schemas.microsoft.com/office/drawing/2010/main" w="9525" cap="flat" cmpd="sng" algn="ctr">
                 <a:solidFill>
                   <a:schemeClr val="tx1"/>
                 </a:solidFill>
@@ -7324,7 +7299,7 @@
               </a14:hiddenLine>
             </a:ext>
             <a:ext uri="{AF507438-7753-43e0-B8FC-AC1667EBCBE1}">
-              <a14:hiddenEffects xmlns:a14="http://schemas.microsoft.com/office/drawing/2010/main" xmlns="">
+              <a14:hiddenEffects xmlns="" xmlns:a14="http://schemas.microsoft.com/office/drawing/2010/main">
                 <a:effectLst>
                   <a:outerShdw blurRad="63500" dist="37357" dir="2700000" rotWithShape="0">
                     <a:scrgbClr r="0" g="0" b="0"/>
@@ -7333,7 +7308,7 @@
               </a14:hiddenEffects>
             </a:ext>
             <a:ext uri="{31F19639-BCED-4a60-ADC4-E9642A236FB7}">
-              <a14:hiddenScene3d xmlns:a14="http://schemas.microsoft.com/office/drawing/2010/main" xmlns="">
+              <a14:hiddenScene3d xmlns="" xmlns:a14="http://schemas.microsoft.com/office/drawing/2010/main">
                 <a:camera prst="orthographicFront">
                   <a:rot lat="0" lon="0" rev="0"/>
                 </a:camera>
@@ -7343,14 +7318,14 @@
               </a14:hiddenScene3d>
             </a:ext>
             <a:ext uri="{E45631CC-5BF2-4c18-A39C-3461C7D3F71A}">
-              <a14:hiddenSp3d xmlns:a14="http://schemas.microsoft.com/office/drawing/2010/main" xmlns="" extrusionH="457200">
+              <a14:hiddenSp3d xmlns="" xmlns:a14="http://schemas.microsoft.com/office/drawing/2010/main" extrusionH="457200">
                 <a:contourClr>
                   <a:srgbClr val="000000"/>
                 </a:contourClr>
               </a14:hiddenSp3d>
             </a:ext>
             <a:ext uri="{53640926-AAD7-44d8-BBD7-CCE9431645EC}">
-              <a14:shadowObscured xmlns:a14="http://schemas.microsoft.com/office/drawing/2010/main" xmlns=""/>
+              <a14:shadowObscured xmlns="" xmlns:a14="http://schemas.microsoft.com/office/drawing/2010/main"/>
             </a:ext>
           </a:extLst>
         </p:spPr>
@@ -7398,14 +7373,14 @@
           <a:effectLst/>
           <a:extLst>
             <a:ext uri="{909E8E84-426E-40dd-AFC4-6F175D3DCCD1}">
-              <a14:hiddenFill xmlns:a14="http://schemas.microsoft.com/office/drawing/2010/main" xmlns="">
+              <a14:hiddenFill xmlns="" xmlns:a14="http://schemas.microsoft.com/office/drawing/2010/main">
                 <a:solidFill>
                   <a:srgbClr val="FFFFFF"/>
                 </a:solidFill>
               </a14:hiddenFill>
             </a:ext>
             <a:ext uri="{91240B29-F687-4f45-9708-019B960494DF}">
-              <a14:hiddenLine xmlns:a14="http://schemas.microsoft.com/office/drawing/2010/main" xmlns="" w="9525" cap="flat" cmpd="sng" algn="ctr">
+              <a14:hiddenLine xmlns="" xmlns:a14="http://schemas.microsoft.com/office/drawing/2010/main" w="9525" cap="flat" cmpd="sng" algn="ctr">
                 <a:solidFill>
                   <a:schemeClr val="tx1"/>
                 </a:solidFill>
@@ -7416,7 +7391,7 @@
               </a14:hiddenLine>
             </a:ext>
             <a:ext uri="{AF507438-7753-43e0-B8FC-AC1667EBCBE1}">
-              <a14:hiddenEffects xmlns:a14="http://schemas.microsoft.com/office/drawing/2010/main" xmlns="">
+              <a14:hiddenEffects xmlns="" xmlns:a14="http://schemas.microsoft.com/office/drawing/2010/main">
                 <a:effectLst>
                   <a:outerShdw blurRad="63500" dist="37357" dir="2700000" rotWithShape="0">
                     <a:scrgbClr r="0" g="0" b="0"/>
@@ -7425,7 +7400,7 @@
               </a14:hiddenEffects>
             </a:ext>
             <a:ext uri="{31F19639-BCED-4a60-ADC4-E9642A236FB7}">
-              <a14:hiddenScene3d xmlns:a14="http://schemas.microsoft.com/office/drawing/2010/main" xmlns="">
+              <a14:hiddenScene3d xmlns="" xmlns:a14="http://schemas.microsoft.com/office/drawing/2010/main">
                 <a:camera prst="orthographicFront">
                   <a:rot lat="0" lon="0" rev="0"/>
                 </a:camera>
@@ -7435,14 +7410,14 @@
               </a14:hiddenScene3d>
             </a:ext>
             <a:ext uri="{E45631CC-5BF2-4c18-A39C-3461C7D3F71A}">
-              <a14:hiddenSp3d xmlns:a14="http://schemas.microsoft.com/office/drawing/2010/main" xmlns="" extrusionH="457200">
+              <a14:hiddenSp3d xmlns="" xmlns:a14="http://schemas.microsoft.com/office/drawing/2010/main" extrusionH="457200">
                 <a:contourClr>
                   <a:srgbClr val="000000"/>
                 </a:contourClr>
               </a14:hiddenSp3d>
             </a:ext>
             <a:ext uri="{53640926-AAD7-44d8-BBD7-CCE9431645EC}">
-              <a14:shadowObscured xmlns:a14="http://schemas.microsoft.com/office/drawing/2010/main" xmlns=""/>
+              <a14:shadowObscured xmlns="" xmlns:a14="http://schemas.microsoft.com/office/drawing/2010/main"/>
             </a:ext>
           </a:extLst>
         </p:spPr>
@@ -8328,14 +8303,14 @@
           </a:ln>
           <a:extLst>
             <a:ext uri="{909E8E84-426E-40dd-AFC4-6F175D3DCCD1}">
-              <a14:hiddenFill xmlns:a14="http://schemas.microsoft.com/office/drawing/2010/main" xmlns="">
+              <a14:hiddenFill xmlns="" xmlns:a14="http://schemas.microsoft.com/office/drawing/2010/main">
                 <a:solidFill>
                   <a:srgbClr val="FFFFFF"/>
                 </a:solidFill>
               </a14:hiddenFill>
             </a:ext>
             <a:ext uri="{91240B29-F687-4f45-9708-019B960494DF}">
-              <a14:hiddenLine xmlns:a14="http://schemas.microsoft.com/office/drawing/2010/main" xmlns="" w="9525">
+              <a14:hiddenLine xmlns="" xmlns:a14="http://schemas.microsoft.com/office/drawing/2010/main" w="9525">
                 <a:solidFill>
                   <a:srgbClr val="000000"/>
                 </a:solidFill>
@@ -8534,14 +8509,14 @@
           </a:ln>
           <a:extLst>
             <a:ext uri="{909E8E84-426E-40dd-AFC4-6F175D3DCCD1}">
-              <a14:hiddenFill xmlns:a14="http://schemas.microsoft.com/office/drawing/2010/main" xmlns="">
+              <a14:hiddenFill xmlns="" xmlns:a14="http://schemas.microsoft.com/office/drawing/2010/main">
                 <a:solidFill>
                   <a:srgbClr val="FFFFFF"/>
                 </a:solidFill>
               </a14:hiddenFill>
             </a:ext>
             <a:ext uri="{91240B29-F687-4f45-9708-019B960494DF}">
-              <a14:hiddenLine xmlns:a14="http://schemas.microsoft.com/office/drawing/2010/main" xmlns="" w="9525">
+              <a14:hiddenLine xmlns="" xmlns:a14="http://schemas.microsoft.com/office/drawing/2010/main" w="9525">
                 <a:solidFill>
                   <a:srgbClr val="000000"/>
                 </a:solidFill>
@@ -11987,14 +11962,14 @@
           </a:ln>
           <a:extLst>
             <a:ext uri="{909E8E84-426E-40dd-AFC4-6F175D3DCCD1}">
-              <a14:hiddenFill xmlns:a14="http://schemas.microsoft.com/office/drawing/2010/main" xmlns="">
+              <a14:hiddenFill xmlns="" xmlns:a14="http://schemas.microsoft.com/office/drawing/2010/main">
                 <a:solidFill>
                   <a:srgbClr val="FFFFFF"/>
                 </a:solidFill>
               </a14:hiddenFill>
             </a:ext>
             <a:ext uri="{91240B29-F687-4f45-9708-019B960494DF}">
-              <a14:hiddenLine xmlns:a14="http://schemas.microsoft.com/office/drawing/2010/main" xmlns="" w="9525">
+              <a14:hiddenLine xmlns="" xmlns:a14="http://schemas.microsoft.com/office/drawing/2010/main" w="9525">
                 <a:solidFill>
                   <a:srgbClr val="000000"/>
                 </a:solidFill>
@@ -12095,14 +12070,14 @@
           </a:ln>
           <a:extLst>
             <a:ext uri="{909E8E84-426E-40dd-AFC4-6F175D3DCCD1}">
-              <a14:hiddenFill xmlns:a14="http://schemas.microsoft.com/office/drawing/2010/main" xmlns="">
+              <a14:hiddenFill xmlns="" xmlns:a14="http://schemas.microsoft.com/office/drawing/2010/main">
                 <a:solidFill>
                   <a:srgbClr val="FFFFFF"/>
                 </a:solidFill>
               </a14:hiddenFill>
             </a:ext>
             <a:ext uri="{91240B29-F687-4f45-9708-019B960494DF}">
-              <a14:hiddenLine xmlns:a14="http://schemas.microsoft.com/office/drawing/2010/main" xmlns="" w="9525">
+              <a14:hiddenLine xmlns="" xmlns:a14="http://schemas.microsoft.com/office/drawing/2010/main" w="9525">
                 <a:solidFill>
                   <a:srgbClr val="000000"/>
                 </a:solidFill>
@@ -12443,14 +12418,14 @@
           </a:ln>
           <a:extLst>
             <a:ext uri="{909E8E84-426E-40dd-AFC4-6F175D3DCCD1}">
-              <a14:hiddenFill xmlns:a14="http://schemas.microsoft.com/office/drawing/2010/main" xmlns="">
+              <a14:hiddenFill xmlns="" xmlns:a14="http://schemas.microsoft.com/office/drawing/2010/main">
                 <a:solidFill>
                   <a:srgbClr val="FFFFFF"/>
                 </a:solidFill>
               </a14:hiddenFill>
             </a:ext>
             <a:ext uri="{91240B29-F687-4f45-9708-019B960494DF}">
-              <a14:hiddenLine xmlns:a14="http://schemas.microsoft.com/office/drawing/2010/main" xmlns="" w="9525">
+              <a14:hiddenLine xmlns="" xmlns:a14="http://schemas.microsoft.com/office/drawing/2010/main" w="9525">
                 <a:solidFill>
                   <a:srgbClr val="000000"/>
                 </a:solidFill>
@@ -12513,14 +12488,14 @@
             </a:ln>
             <a:extLst>
               <a:ext uri="{909E8E84-426E-40dd-AFC4-6F175D3DCCD1}">
-                <a14:hiddenFill xmlns:a14="http://schemas.microsoft.com/office/drawing/2010/main" xmlns="">
+                <a14:hiddenFill xmlns="" xmlns:a14="http://schemas.microsoft.com/office/drawing/2010/main">
                   <a:solidFill>
                     <a:srgbClr val="FFFFFF"/>
                   </a:solidFill>
                 </a14:hiddenFill>
               </a:ext>
               <a:ext uri="{91240B29-F687-4f45-9708-019B960494DF}">
-                <a14:hiddenLine xmlns:a14="http://schemas.microsoft.com/office/drawing/2010/main" xmlns="" w="9525">
+                <a14:hiddenLine xmlns="" xmlns:a14="http://schemas.microsoft.com/office/drawing/2010/main" w="9525">
                   <a:solidFill>
                     <a:srgbClr val="000000"/>
                   </a:solidFill>
@@ -12556,7 +12531,7 @@
             </a:ln>
             <a:extLst>
               <a:ext uri="{91240B29-F687-4f45-9708-019B960494DF}">
-                <a14:hiddenLine xmlns:a14="http://schemas.microsoft.com/office/drawing/2010/main" xmlns="" w="9525">
+                <a14:hiddenLine xmlns="" xmlns:a14="http://schemas.microsoft.com/office/drawing/2010/main" w="9525">
                   <a:solidFill>
                     <a:srgbClr val="000000"/>
                   </a:solidFill>
@@ -13611,14 +13586,14 @@
           </a:ln>
           <a:extLst>
             <a:ext uri="{909E8E84-426E-40dd-AFC4-6F175D3DCCD1}">
-              <a14:hiddenFill xmlns:a14="http://schemas.microsoft.com/office/drawing/2010/main" xmlns="">
+              <a14:hiddenFill xmlns="" xmlns:a14="http://schemas.microsoft.com/office/drawing/2010/main">
                 <a:solidFill>
                   <a:srgbClr val="FFFFFF"/>
                 </a:solidFill>
               </a14:hiddenFill>
             </a:ext>
             <a:ext uri="{91240B29-F687-4f45-9708-019B960494DF}">
-              <a14:hiddenLine xmlns:a14="http://schemas.microsoft.com/office/drawing/2010/main" xmlns="" w="9525">
+              <a14:hiddenLine xmlns="" xmlns:a14="http://schemas.microsoft.com/office/drawing/2010/main" w="9525">
                 <a:solidFill>
                   <a:srgbClr val="000000"/>
                 </a:solidFill>
@@ -14321,7 +14296,7 @@
           </a:ln>
           <a:extLst>
             <a:ext uri="{909E8E84-426E-40dd-AFC4-6F175D3DCCD1}">
-              <a14:hiddenFill xmlns:a14="http://schemas.microsoft.com/office/drawing/2010/main" xmlns="">
+              <a14:hiddenFill xmlns="" xmlns:a14="http://schemas.microsoft.com/office/drawing/2010/main">
                 <a:noFill/>
               </a14:hiddenFill>
             </a:ext>
@@ -17872,7 +17847,7 @@
           </a:ln>
           <a:extLst>
             <a:ext uri="{909E8E84-426E-40dd-AFC4-6F175D3DCCD1}">
-              <a14:hiddenFill xmlns:a14="http://schemas.microsoft.com/office/drawing/2010/main" xmlns="">
+              <a14:hiddenFill xmlns="" xmlns:a14="http://schemas.microsoft.com/office/drawing/2010/main">
                 <a:noFill/>
               </a14:hiddenFill>
             </a:ext>
@@ -17958,7 +17933,7 @@
           </a:ln>
           <a:extLst>
             <a:ext uri="{909E8E84-426E-40dd-AFC4-6F175D3DCCD1}">
-              <a14:hiddenFill xmlns:a14="http://schemas.microsoft.com/office/drawing/2010/main" xmlns="">
+              <a14:hiddenFill xmlns="" xmlns:a14="http://schemas.microsoft.com/office/drawing/2010/main">
                 <a:noFill/>
               </a14:hiddenFill>
             </a:ext>
@@ -18004,14 +17979,14 @@
           </a:ln>
           <a:extLst>
             <a:ext uri="{909E8E84-426E-40dd-AFC4-6F175D3DCCD1}">
-              <a14:hiddenFill xmlns:a14="http://schemas.microsoft.com/office/drawing/2010/main" xmlns="">
+              <a14:hiddenFill xmlns="" xmlns:a14="http://schemas.microsoft.com/office/drawing/2010/main">
                 <a:solidFill>
                   <a:srgbClr val="FFFFFF"/>
                 </a:solidFill>
               </a14:hiddenFill>
             </a:ext>
             <a:ext uri="{91240B29-F687-4f45-9708-019B960494DF}">
-              <a14:hiddenLine xmlns:a14="http://schemas.microsoft.com/office/drawing/2010/main" xmlns="" w="9525">
+              <a14:hiddenLine xmlns="" xmlns:a14="http://schemas.microsoft.com/office/drawing/2010/main" w="9525">
                 <a:solidFill>
                   <a:srgbClr val="000000"/>
                 </a:solidFill>
@@ -18051,7 +18026,7 @@
           </a:ln>
           <a:extLst>
             <a:ext uri="{909E8E84-426E-40dd-AFC4-6F175D3DCCD1}">
-              <a14:hiddenFill xmlns:a14="http://schemas.microsoft.com/office/drawing/2010/main" xmlns="">
+              <a14:hiddenFill xmlns="" xmlns:a14="http://schemas.microsoft.com/office/drawing/2010/main">
                 <a:noFill/>
               </a14:hiddenFill>
             </a:ext>
@@ -18101,14 +18076,14 @@
           <a:effectLst/>
           <a:extLst>
             <a:ext uri="{909E8E84-426E-40dd-AFC4-6F175D3DCCD1}">
-              <a14:hiddenFill xmlns:a14="http://schemas.microsoft.com/office/drawing/2010/main" xmlns="">
+              <a14:hiddenFill xmlns="" xmlns:a14="http://schemas.microsoft.com/office/drawing/2010/main">
                 <a:solidFill>
                   <a:srgbClr val="FFFFFF"/>
                 </a:solidFill>
               </a14:hiddenFill>
             </a:ext>
             <a:ext uri="{91240B29-F687-4f45-9708-019B960494DF}">
-              <a14:hiddenLine xmlns:a14="http://schemas.microsoft.com/office/drawing/2010/main" xmlns="" w="9525" cap="flat" cmpd="sng" algn="ctr">
+              <a14:hiddenLine xmlns="" xmlns:a14="http://schemas.microsoft.com/office/drawing/2010/main" w="9525" cap="flat" cmpd="sng" algn="ctr">
                 <a:solidFill>
                   <a:schemeClr val="tx1"/>
                 </a:solidFill>
@@ -18119,7 +18094,7 @@
               </a14:hiddenLine>
             </a:ext>
             <a:ext uri="{AF507438-7753-43e0-B8FC-AC1667EBCBE1}">
-              <a14:hiddenEffects xmlns:a14="http://schemas.microsoft.com/office/drawing/2010/main" xmlns="">
+              <a14:hiddenEffects xmlns="" xmlns:a14="http://schemas.microsoft.com/office/drawing/2010/main">
                 <a:effectLst>
                   <a:outerShdw blurRad="63500" dist="37357" dir="2700000" rotWithShape="0">
                     <a:scrgbClr r="0" g="0" b="0"/>
@@ -18128,7 +18103,7 @@
               </a14:hiddenEffects>
             </a:ext>
             <a:ext uri="{31F19639-BCED-4a60-ADC4-E9642A236FB7}">
-              <a14:hiddenScene3d xmlns:a14="http://schemas.microsoft.com/office/drawing/2010/main" xmlns="">
+              <a14:hiddenScene3d xmlns="" xmlns:a14="http://schemas.microsoft.com/office/drawing/2010/main">
                 <a:camera prst="orthographicFront">
                   <a:rot lat="0" lon="0" rev="0"/>
                 </a:camera>
@@ -18138,14 +18113,14 @@
               </a14:hiddenScene3d>
             </a:ext>
             <a:ext uri="{E45631CC-5BF2-4c18-A39C-3461C7D3F71A}">
-              <a14:hiddenSp3d xmlns:a14="http://schemas.microsoft.com/office/drawing/2010/main" xmlns="" extrusionH="457200">
+              <a14:hiddenSp3d xmlns="" xmlns:a14="http://schemas.microsoft.com/office/drawing/2010/main" extrusionH="457200">
                 <a:contourClr>
                   <a:srgbClr val="000000"/>
                 </a:contourClr>
               </a14:hiddenSp3d>
             </a:ext>
             <a:ext uri="{53640926-AAD7-44d8-BBD7-CCE9431645EC}">
-              <a14:shadowObscured xmlns:a14="http://schemas.microsoft.com/office/drawing/2010/main" xmlns=""/>
+              <a14:shadowObscured xmlns="" xmlns:a14="http://schemas.microsoft.com/office/drawing/2010/main"/>
             </a:ext>
           </a:extLst>
         </p:spPr>
@@ -18308,14 +18283,14 @@
           <a:effectLst/>
           <a:extLst>
             <a:ext uri="{909E8E84-426E-40dd-AFC4-6F175D3DCCD1}">
-              <a14:hiddenFill xmlns:a14="http://schemas.microsoft.com/office/drawing/2010/main" xmlns="">
+              <a14:hiddenFill xmlns="" xmlns:a14="http://schemas.microsoft.com/office/drawing/2010/main">
                 <a:solidFill>
                   <a:srgbClr val="FFFFFF"/>
                 </a:solidFill>
               </a14:hiddenFill>
             </a:ext>
             <a:ext uri="{91240B29-F687-4f45-9708-019B960494DF}">
-              <a14:hiddenLine xmlns:a14="http://schemas.microsoft.com/office/drawing/2010/main" xmlns="" w="9525" cap="flat" cmpd="sng" algn="ctr">
+              <a14:hiddenLine xmlns="" xmlns:a14="http://schemas.microsoft.com/office/drawing/2010/main" w="9525" cap="flat" cmpd="sng" algn="ctr">
                 <a:solidFill>
                   <a:schemeClr val="tx1"/>
                 </a:solidFill>
@@ -18326,7 +18301,7 @@
               </a14:hiddenLine>
             </a:ext>
             <a:ext uri="{AF507438-7753-43e0-B8FC-AC1667EBCBE1}">
-              <a14:hiddenEffects xmlns:a14="http://schemas.microsoft.com/office/drawing/2010/main" xmlns="">
+              <a14:hiddenEffects xmlns="" xmlns:a14="http://schemas.microsoft.com/office/drawing/2010/main">
                 <a:effectLst>
                   <a:outerShdw blurRad="63500" dist="37357" dir="2700000" rotWithShape="0">
                     <a:scrgbClr r="0" g="0" b="0"/>
@@ -18335,7 +18310,7 @@
               </a14:hiddenEffects>
             </a:ext>
             <a:ext uri="{31F19639-BCED-4a60-ADC4-E9642A236FB7}">
-              <a14:hiddenScene3d xmlns:a14="http://schemas.microsoft.com/office/drawing/2010/main" xmlns="">
+              <a14:hiddenScene3d xmlns="" xmlns:a14="http://schemas.microsoft.com/office/drawing/2010/main">
                 <a:camera prst="orthographicFront">
                   <a:rot lat="0" lon="0" rev="0"/>
                 </a:camera>
@@ -18345,14 +18320,14 @@
               </a14:hiddenScene3d>
             </a:ext>
             <a:ext uri="{E45631CC-5BF2-4c18-A39C-3461C7D3F71A}">
-              <a14:hiddenSp3d xmlns:a14="http://schemas.microsoft.com/office/drawing/2010/main" xmlns="" extrusionH="457200">
+              <a14:hiddenSp3d xmlns="" xmlns:a14="http://schemas.microsoft.com/office/drawing/2010/main" extrusionH="457200">
                 <a:contourClr>
                   <a:srgbClr val="000000"/>
                 </a:contourClr>
               </a14:hiddenSp3d>
             </a:ext>
             <a:ext uri="{53640926-AAD7-44d8-BBD7-CCE9431645EC}">
-              <a14:shadowObscured xmlns:a14="http://schemas.microsoft.com/office/drawing/2010/main" xmlns=""/>
+              <a14:shadowObscured xmlns="" xmlns:a14="http://schemas.microsoft.com/office/drawing/2010/main"/>
             </a:ext>
           </a:extLst>
         </p:spPr>
@@ -18379,14 +18354,14 @@
           </a:ln>
           <a:extLst>
             <a:ext uri="{909E8E84-426E-40dd-AFC4-6F175D3DCCD1}">
-              <a14:hiddenFill xmlns:a14="http://schemas.microsoft.com/office/drawing/2010/main" xmlns="">
+              <a14:hiddenFill xmlns="" xmlns:a14="http://schemas.microsoft.com/office/drawing/2010/main">
                 <a:solidFill>
                   <a:srgbClr val="FFFFFF"/>
                 </a:solidFill>
               </a14:hiddenFill>
             </a:ext>
             <a:ext uri="{91240B29-F687-4f45-9708-019B960494DF}">
-              <a14:hiddenLine xmlns:a14="http://schemas.microsoft.com/office/drawing/2010/main" xmlns="" w="9525">
+              <a14:hiddenLine xmlns="" xmlns:a14="http://schemas.microsoft.com/office/drawing/2010/main" w="9525">
                 <a:solidFill>
                   <a:srgbClr val="000000"/>
                 </a:solidFill>
@@ -18895,14 +18870,14 @@
             </a:ln>
             <a:extLst>
               <a:ext uri="{909E8E84-426E-40dd-AFC4-6F175D3DCCD1}">
-                <a14:hiddenFill xmlns:a14="http://schemas.microsoft.com/office/drawing/2010/main" xmlns="">
+                <a14:hiddenFill xmlns="" xmlns:a14="http://schemas.microsoft.com/office/drawing/2010/main">
                   <a:solidFill>
                     <a:srgbClr val="FFFFFF"/>
                   </a:solidFill>
                 </a14:hiddenFill>
               </a:ext>
               <a:ext uri="{91240B29-F687-4f45-9708-019B960494DF}">
-                <a14:hiddenLine xmlns:a14="http://schemas.microsoft.com/office/drawing/2010/main" xmlns="" w="9525">
+                <a14:hiddenLine xmlns="" xmlns:a14="http://schemas.microsoft.com/office/drawing/2010/main" w="9525">
                   <a:solidFill>
                     <a:srgbClr val="000000"/>
                   </a:solidFill>
@@ -18938,7 +18913,7 @@
             </a:ln>
             <a:extLst>
               <a:ext uri="{91240B29-F687-4f45-9708-019B960494DF}">
-                <a14:hiddenLine xmlns:a14="http://schemas.microsoft.com/office/drawing/2010/main" xmlns="" w="9525">
+                <a14:hiddenLine xmlns="" xmlns:a14="http://schemas.microsoft.com/office/drawing/2010/main" w="9525">
                   <a:solidFill>
                     <a:srgbClr val="000000"/>
                   </a:solidFill>
@@ -19004,14 +18979,14 @@
           <a:effectLst/>
           <a:extLst>
             <a:ext uri="{909E8E84-426E-40dd-AFC4-6F175D3DCCD1}">
-              <a14:hiddenFill xmlns:a14="http://schemas.microsoft.com/office/drawing/2010/main" xmlns="">
+              <a14:hiddenFill xmlns="" xmlns:a14="http://schemas.microsoft.com/office/drawing/2010/main">
                 <a:solidFill>
                   <a:srgbClr val="FFFFFF"/>
                 </a:solidFill>
               </a14:hiddenFill>
             </a:ext>
             <a:ext uri="{91240B29-F687-4f45-9708-019B960494DF}">
-              <a14:hiddenLine xmlns:a14="http://schemas.microsoft.com/office/drawing/2010/main" xmlns="" w="9525" cap="flat" cmpd="sng" algn="ctr">
+              <a14:hiddenLine xmlns="" xmlns:a14="http://schemas.microsoft.com/office/drawing/2010/main" w="9525" cap="flat" cmpd="sng" algn="ctr">
                 <a:solidFill>
                   <a:schemeClr val="tx1"/>
                 </a:solidFill>
@@ -19022,7 +18997,7 @@
               </a14:hiddenLine>
             </a:ext>
             <a:ext uri="{AF507438-7753-43e0-B8FC-AC1667EBCBE1}">
-              <a14:hiddenEffects xmlns:a14="http://schemas.microsoft.com/office/drawing/2010/main" xmlns="">
+              <a14:hiddenEffects xmlns="" xmlns:a14="http://schemas.microsoft.com/office/drawing/2010/main">
                 <a:effectLst>
                   <a:outerShdw blurRad="63500" dist="37357" dir="2700000" rotWithShape="0">
                     <a:scrgbClr r="0" g="0" b="0"/>
@@ -19031,7 +19006,7 @@
               </a14:hiddenEffects>
             </a:ext>
             <a:ext uri="{31F19639-BCED-4a60-ADC4-E9642A236FB7}">
-              <a14:hiddenScene3d xmlns:a14="http://schemas.microsoft.com/office/drawing/2010/main" xmlns="">
+              <a14:hiddenScene3d xmlns="" xmlns:a14="http://schemas.microsoft.com/office/drawing/2010/main">
                 <a:camera prst="orthographicFront">
                   <a:rot lat="0" lon="0" rev="0"/>
                 </a:camera>
@@ -19041,14 +19016,14 @@
               </a14:hiddenScene3d>
             </a:ext>
             <a:ext uri="{E45631CC-5BF2-4c18-A39C-3461C7D3F71A}">
-              <a14:hiddenSp3d xmlns:a14="http://schemas.microsoft.com/office/drawing/2010/main" xmlns="" extrusionH="457200">
+              <a14:hiddenSp3d xmlns="" xmlns:a14="http://schemas.microsoft.com/office/drawing/2010/main" extrusionH="457200">
                 <a:contourClr>
                   <a:srgbClr val="000000"/>
                 </a:contourClr>
               </a14:hiddenSp3d>
             </a:ext>
             <a:ext uri="{53640926-AAD7-44d8-BBD7-CCE9431645EC}">
-              <a14:shadowObscured xmlns:a14="http://schemas.microsoft.com/office/drawing/2010/main" xmlns=""/>
+              <a14:shadowObscured xmlns="" xmlns:a14="http://schemas.microsoft.com/office/drawing/2010/main"/>
             </a:ext>
           </a:extLst>
         </p:spPr>
@@ -19096,14 +19071,14 @@
           <a:effectLst/>
           <a:extLst>
             <a:ext uri="{909E8E84-426E-40dd-AFC4-6F175D3DCCD1}">
-              <a14:hiddenFill xmlns:a14="http://schemas.microsoft.com/office/drawing/2010/main" xmlns="">
+              <a14:hiddenFill xmlns="" xmlns:a14="http://schemas.microsoft.com/office/drawing/2010/main">
                 <a:solidFill>
                   <a:srgbClr val="FFFFFF"/>
                 </a:solidFill>
               </a14:hiddenFill>
             </a:ext>
             <a:ext uri="{91240B29-F687-4f45-9708-019B960494DF}">
-              <a14:hiddenLine xmlns:a14="http://schemas.microsoft.com/office/drawing/2010/main" xmlns="" w="9525" cap="flat" cmpd="sng" algn="ctr">
+              <a14:hiddenLine xmlns="" xmlns:a14="http://schemas.microsoft.com/office/drawing/2010/main" w="9525" cap="flat" cmpd="sng" algn="ctr">
                 <a:solidFill>
                   <a:schemeClr val="tx1"/>
                 </a:solidFill>
@@ -19114,7 +19089,7 @@
               </a14:hiddenLine>
             </a:ext>
             <a:ext uri="{AF507438-7753-43e0-B8FC-AC1667EBCBE1}">
-              <a14:hiddenEffects xmlns:a14="http://schemas.microsoft.com/office/drawing/2010/main" xmlns="">
+              <a14:hiddenEffects xmlns="" xmlns:a14="http://schemas.microsoft.com/office/drawing/2010/main">
                 <a:effectLst>
                   <a:outerShdw blurRad="63500" dist="37357" dir="2700000" rotWithShape="0">
                     <a:scrgbClr r="0" g="0" b="0"/>
@@ -19123,7 +19098,7 @@
               </a14:hiddenEffects>
             </a:ext>
             <a:ext uri="{31F19639-BCED-4a60-ADC4-E9642A236FB7}">
-              <a14:hiddenScene3d xmlns:a14="http://schemas.microsoft.com/office/drawing/2010/main" xmlns="">
+              <a14:hiddenScene3d xmlns="" xmlns:a14="http://schemas.microsoft.com/office/drawing/2010/main">
                 <a:camera prst="orthographicFront">
                   <a:rot lat="0" lon="0" rev="0"/>
                 </a:camera>
@@ -19133,14 +19108,14 @@
               </a14:hiddenScene3d>
             </a:ext>
             <a:ext uri="{E45631CC-5BF2-4c18-A39C-3461C7D3F71A}">
-              <a14:hiddenSp3d xmlns:a14="http://schemas.microsoft.com/office/drawing/2010/main" xmlns="" extrusionH="457200">
+              <a14:hiddenSp3d xmlns="" xmlns:a14="http://schemas.microsoft.com/office/drawing/2010/main" extrusionH="457200">
                 <a:contourClr>
                   <a:srgbClr val="000000"/>
                 </a:contourClr>
               </a14:hiddenSp3d>
             </a:ext>
             <a:ext uri="{53640926-AAD7-44d8-BBD7-CCE9431645EC}">
-              <a14:shadowObscured xmlns:a14="http://schemas.microsoft.com/office/drawing/2010/main" xmlns=""/>
+              <a14:shadowObscured xmlns="" xmlns:a14="http://schemas.microsoft.com/office/drawing/2010/main"/>
             </a:ext>
           </a:extLst>
         </p:spPr>
@@ -19893,14 +19868,14 @@
           <a:effectLst/>
           <a:extLst>
             <a:ext uri="{909E8E84-426E-40dd-AFC4-6F175D3DCCD1}">
-              <a14:hiddenFill xmlns:a14="http://schemas.microsoft.com/office/drawing/2010/main" xmlns="">
+              <a14:hiddenFill xmlns="" xmlns:a14="http://schemas.microsoft.com/office/drawing/2010/main">
                 <a:solidFill>
                   <a:srgbClr val="FFFFFF"/>
                 </a:solidFill>
               </a14:hiddenFill>
             </a:ext>
             <a:ext uri="{91240B29-F687-4f45-9708-019B960494DF}">
-              <a14:hiddenLine xmlns:a14="http://schemas.microsoft.com/office/drawing/2010/main" xmlns="" w="9525" cap="flat" cmpd="sng" algn="ctr">
+              <a14:hiddenLine xmlns="" xmlns:a14="http://schemas.microsoft.com/office/drawing/2010/main" w="9525" cap="flat" cmpd="sng" algn="ctr">
                 <a:solidFill>
                   <a:schemeClr val="tx1"/>
                 </a:solidFill>
@@ -19911,7 +19886,7 @@
               </a14:hiddenLine>
             </a:ext>
             <a:ext uri="{AF507438-7753-43e0-B8FC-AC1667EBCBE1}">
-              <a14:hiddenEffects xmlns:a14="http://schemas.microsoft.com/office/drawing/2010/main" xmlns="">
+              <a14:hiddenEffects xmlns="" xmlns:a14="http://schemas.microsoft.com/office/drawing/2010/main">
                 <a:effectLst>
                   <a:outerShdw blurRad="63500" dist="37357" dir="2700000" rotWithShape="0">
                     <a:scrgbClr r="0" g="0" b="0"/>
@@ -19920,7 +19895,7 @@
               </a14:hiddenEffects>
             </a:ext>
             <a:ext uri="{31F19639-BCED-4a60-ADC4-E9642A236FB7}">
-              <a14:hiddenScene3d xmlns:a14="http://schemas.microsoft.com/office/drawing/2010/main" xmlns="">
+              <a14:hiddenScene3d xmlns="" xmlns:a14="http://schemas.microsoft.com/office/drawing/2010/main">
                 <a:camera prst="orthographicFront">
                   <a:rot lat="0" lon="0" rev="0"/>
                 </a:camera>
@@ -19930,14 +19905,14 @@
               </a14:hiddenScene3d>
             </a:ext>
             <a:ext uri="{E45631CC-5BF2-4c18-A39C-3461C7D3F71A}">
-              <a14:hiddenSp3d xmlns:a14="http://schemas.microsoft.com/office/drawing/2010/main" xmlns="" extrusionH="457200">
+              <a14:hiddenSp3d xmlns="" xmlns:a14="http://schemas.microsoft.com/office/drawing/2010/main" extrusionH="457200">
                 <a:contourClr>
                   <a:srgbClr val="000000"/>
                 </a:contourClr>
               </a14:hiddenSp3d>
             </a:ext>
             <a:ext uri="{53640926-AAD7-44d8-BBD7-CCE9431645EC}">
-              <a14:shadowObscured xmlns:a14="http://schemas.microsoft.com/office/drawing/2010/main" xmlns=""/>
+              <a14:shadowObscured xmlns="" xmlns:a14="http://schemas.microsoft.com/office/drawing/2010/main"/>
             </a:ext>
           </a:extLst>
         </p:spPr>
@@ -19985,14 +19960,14 @@
           <a:effectLst/>
           <a:extLst>
             <a:ext uri="{909E8E84-426E-40dd-AFC4-6F175D3DCCD1}">
-              <a14:hiddenFill xmlns:a14="http://schemas.microsoft.com/office/drawing/2010/main" xmlns="">
+              <a14:hiddenFill xmlns="" xmlns:a14="http://schemas.microsoft.com/office/drawing/2010/main">
                 <a:solidFill>
                   <a:srgbClr val="FFFFFF"/>
                 </a:solidFill>
               </a14:hiddenFill>
             </a:ext>
             <a:ext uri="{91240B29-F687-4f45-9708-019B960494DF}">
-              <a14:hiddenLine xmlns:a14="http://schemas.microsoft.com/office/drawing/2010/main" xmlns="" w="9525" cap="flat" cmpd="sng" algn="ctr">
+              <a14:hiddenLine xmlns="" xmlns:a14="http://schemas.microsoft.com/office/drawing/2010/main" w="9525" cap="flat" cmpd="sng" algn="ctr">
                 <a:solidFill>
                   <a:schemeClr val="tx1"/>
                 </a:solidFill>
@@ -20003,7 +19978,7 @@
               </a14:hiddenLine>
             </a:ext>
             <a:ext uri="{AF507438-7753-43e0-B8FC-AC1667EBCBE1}">
-              <a14:hiddenEffects xmlns:a14="http://schemas.microsoft.com/office/drawing/2010/main" xmlns="">
+              <a14:hiddenEffects xmlns="" xmlns:a14="http://schemas.microsoft.com/office/drawing/2010/main">
                 <a:effectLst>
                   <a:outerShdw blurRad="63500" dist="37357" dir="2700000" rotWithShape="0">
                     <a:scrgbClr r="0" g="0" b="0"/>
@@ -20012,7 +19987,7 @@
               </a14:hiddenEffects>
             </a:ext>
             <a:ext uri="{31F19639-BCED-4a60-ADC4-E9642A236FB7}">
-              <a14:hiddenScene3d xmlns:a14="http://schemas.microsoft.com/office/drawing/2010/main" xmlns="">
+              <a14:hiddenScene3d xmlns="" xmlns:a14="http://schemas.microsoft.com/office/drawing/2010/main">
                 <a:camera prst="orthographicFront">
                   <a:rot lat="0" lon="0" rev="0"/>
                 </a:camera>
@@ -20022,14 +19997,14 @@
               </a14:hiddenScene3d>
             </a:ext>
             <a:ext uri="{E45631CC-5BF2-4c18-A39C-3461C7D3F71A}">
-              <a14:hiddenSp3d xmlns:a14="http://schemas.microsoft.com/office/drawing/2010/main" xmlns="" extrusionH="457200">
+              <a14:hiddenSp3d xmlns="" xmlns:a14="http://schemas.microsoft.com/office/drawing/2010/main" extrusionH="457200">
                 <a:contourClr>
                   <a:srgbClr val="000000"/>
                 </a:contourClr>
               </a14:hiddenSp3d>
             </a:ext>
             <a:ext uri="{53640926-AAD7-44d8-BBD7-CCE9431645EC}">
-              <a14:shadowObscured xmlns:a14="http://schemas.microsoft.com/office/drawing/2010/main" xmlns=""/>
+              <a14:shadowObscured xmlns="" xmlns:a14="http://schemas.microsoft.com/office/drawing/2010/main"/>
             </a:ext>
           </a:extLst>
         </p:spPr>
@@ -20077,14 +20052,14 @@
           <a:effectLst/>
           <a:extLst>
             <a:ext uri="{909E8E84-426E-40dd-AFC4-6F175D3DCCD1}">
-              <a14:hiddenFill xmlns:a14="http://schemas.microsoft.com/office/drawing/2010/main" xmlns="">
+              <a14:hiddenFill xmlns="" xmlns:a14="http://schemas.microsoft.com/office/drawing/2010/main">
                 <a:solidFill>
                   <a:srgbClr val="FFFFFF"/>
                 </a:solidFill>
               </a14:hiddenFill>
             </a:ext>
             <a:ext uri="{91240B29-F687-4f45-9708-019B960494DF}">
-              <a14:hiddenLine xmlns:a14="http://schemas.microsoft.com/office/drawing/2010/main" xmlns="" w="9525" cap="flat" cmpd="sng" algn="ctr">
+              <a14:hiddenLine xmlns="" xmlns:a14="http://schemas.microsoft.com/office/drawing/2010/main" w="9525" cap="flat" cmpd="sng" algn="ctr">
                 <a:solidFill>
                   <a:schemeClr val="tx1"/>
                 </a:solidFill>
@@ -20095,7 +20070,7 @@
               </a14:hiddenLine>
             </a:ext>
             <a:ext uri="{AF507438-7753-43e0-B8FC-AC1667EBCBE1}">
-              <a14:hiddenEffects xmlns:a14="http://schemas.microsoft.com/office/drawing/2010/main" xmlns="">
+              <a14:hiddenEffects xmlns="" xmlns:a14="http://schemas.microsoft.com/office/drawing/2010/main">
                 <a:effectLst>
                   <a:outerShdw blurRad="63500" dist="37357" dir="2700000" rotWithShape="0">
                     <a:scrgbClr r="0" g="0" b="0"/>
@@ -20104,7 +20079,7 @@
               </a14:hiddenEffects>
             </a:ext>
             <a:ext uri="{31F19639-BCED-4a60-ADC4-E9642A236FB7}">
-              <a14:hiddenScene3d xmlns:a14="http://schemas.microsoft.com/office/drawing/2010/main" xmlns="">
+              <a14:hiddenScene3d xmlns="" xmlns:a14="http://schemas.microsoft.com/office/drawing/2010/main">
                 <a:camera prst="orthographicFront">
                   <a:rot lat="0" lon="0" rev="0"/>
                 </a:camera>
@@ -20114,14 +20089,14 @@
               </a14:hiddenScene3d>
             </a:ext>
             <a:ext uri="{E45631CC-5BF2-4c18-A39C-3461C7D3F71A}">
-              <a14:hiddenSp3d xmlns:a14="http://schemas.microsoft.com/office/drawing/2010/main" xmlns="" extrusionH="457200">
+              <a14:hiddenSp3d xmlns="" xmlns:a14="http://schemas.microsoft.com/office/drawing/2010/main" extrusionH="457200">
                 <a:contourClr>
                   <a:srgbClr val="000000"/>
                 </a:contourClr>
               </a14:hiddenSp3d>
             </a:ext>
             <a:ext uri="{53640926-AAD7-44d8-BBD7-CCE9431645EC}">
-              <a14:shadowObscured xmlns:a14="http://schemas.microsoft.com/office/drawing/2010/main" xmlns=""/>
+              <a14:shadowObscured xmlns="" xmlns:a14="http://schemas.microsoft.com/office/drawing/2010/main"/>
             </a:ext>
           </a:extLst>
         </p:spPr>
@@ -20199,14 +20174,14 @@
           <a:effectLst/>
           <a:extLst>
             <a:ext uri="{909E8E84-426E-40dd-AFC4-6F175D3DCCD1}">
-              <a14:hiddenFill xmlns:a14="http://schemas.microsoft.com/office/drawing/2010/main" xmlns="">
+              <a14:hiddenFill xmlns="" xmlns:a14="http://schemas.microsoft.com/office/drawing/2010/main">
                 <a:solidFill>
                   <a:srgbClr val="FFFFFF"/>
                 </a:solidFill>
               </a14:hiddenFill>
             </a:ext>
             <a:ext uri="{91240B29-F687-4f45-9708-019B960494DF}">
-              <a14:hiddenLine xmlns:a14="http://schemas.microsoft.com/office/drawing/2010/main" xmlns="" w="9525" cap="flat" cmpd="sng" algn="ctr">
+              <a14:hiddenLine xmlns="" xmlns:a14="http://schemas.microsoft.com/office/drawing/2010/main" w="9525" cap="flat" cmpd="sng" algn="ctr">
                 <a:solidFill>
                   <a:schemeClr val="tx1"/>
                 </a:solidFill>
@@ -20217,7 +20192,7 @@
               </a14:hiddenLine>
             </a:ext>
             <a:ext uri="{AF507438-7753-43e0-B8FC-AC1667EBCBE1}">
-              <a14:hiddenEffects xmlns:a14="http://schemas.microsoft.com/office/drawing/2010/main" xmlns="">
+              <a14:hiddenEffects xmlns="" xmlns:a14="http://schemas.microsoft.com/office/drawing/2010/main">
                 <a:effectLst>
                   <a:outerShdw blurRad="63500" dist="37357" dir="2700000" rotWithShape="0">
                     <a:scrgbClr r="0" g="0" b="0"/>
@@ -20226,7 +20201,7 @@
               </a14:hiddenEffects>
             </a:ext>
             <a:ext uri="{31F19639-BCED-4a60-ADC4-E9642A236FB7}">
-              <a14:hiddenScene3d xmlns:a14="http://schemas.microsoft.com/office/drawing/2010/main" xmlns="">
+              <a14:hiddenScene3d xmlns="" xmlns:a14="http://schemas.microsoft.com/office/drawing/2010/main">
                 <a:camera prst="orthographicFront">
                   <a:rot lat="0" lon="0" rev="0"/>
                 </a:camera>
@@ -20236,14 +20211,14 @@
               </a14:hiddenScene3d>
             </a:ext>
             <a:ext uri="{E45631CC-5BF2-4c18-A39C-3461C7D3F71A}">
-              <a14:hiddenSp3d xmlns:a14="http://schemas.microsoft.com/office/drawing/2010/main" xmlns="" extrusionH="457200">
+              <a14:hiddenSp3d xmlns="" xmlns:a14="http://schemas.microsoft.com/office/drawing/2010/main" extrusionH="457200">
                 <a:contourClr>
                   <a:srgbClr val="000000"/>
                 </a:contourClr>
               </a14:hiddenSp3d>
             </a:ext>
             <a:ext uri="{53640926-AAD7-44d8-BBD7-CCE9431645EC}">
-              <a14:shadowObscured xmlns:a14="http://schemas.microsoft.com/office/drawing/2010/main" xmlns=""/>
+              <a14:shadowObscured xmlns="" xmlns:a14="http://schemas.microsoft.com/office/drawing/2010/main"/>
             </a:ext>
           </a:extLst>
         </p:spPr>
@@ -20741,14 +20716,14 @@
           </a:ln>
           <a:extLst>
             <a:ext uri="{909E8E84-426E-40dd-AFC4-6F175D3DCCD1}">
-              <a14:hiddenFill xmlns:a14="http://schemas.microsoft.com/office/drawing/2010/main" xmlns="">
+              <a14:hiddenFill xmlns="" xmlns:a14="http://schemas.microsoft.com/office/drawing/2010/main">
                 <a:solidFill>
                   <a:srgbClr val="FFFFFF"/>
                 </a:solidFill>
               </a14:hiddenFill>
             </a:ext>
             <a:ext uri="{91240B29-F687-4f45-9708-019B960494DF}">
-              <a14:hiddenLine xmlns:a14="http://schemas.microsoft.com/office/drawing/2010/main" xmlns="" w="9525">
+              <a14:hiddenLine xmlns="" xmlns:a14="http://schemas.microsoft.com/office/drawing/2010/main" w="9525">
                 <a:solidFill>
                   <a:srgbClr val="000000"/>
                 </a:solidFill>
@@ -21379,14 +21354,14 @@
           <a:effectLst/>
           <a:extLst>
             <a:ext uri="{909E8E84-426E-40dd-AFC4-6F175D3DCCD1}">
-              <a14:hiddenFill xmlns:a14="http://schemas.microsoft.com/office/drawing/2010/main" xmlns="">
+              <a14:hiddenFill xmlns="" xmlns:a14="http://schemas.microsoft.com/office/drawing/2010/main">
                 <a:solidFill>
                   <a:srgbClr val="FFFFFF"/>
                 </a:solidFill>
               </a14:hiddenFill>
             </a:ext>
             <a:ext uri="{91240B29-F687-4f45-9708-019B960494DF}">
-              <a14:hiddenLine xmlns:a14="http://schemas.microsoft.com/office/drawing/2010/main" xmlns="" w="9525" cap="flat" cmpd="sng" algn="ctr">
+              <a14:hiddenLine xmlns="" xmlns:a14="http://schemas.microsoft.com/office/drawing/2010/main" w="9525" cap="flat" cmpd="sng" algn="ctr">
                 <a:solidFill>
                   <a:schemeClr val="tx1"/>
                 </a:solidFill>
@@ -21397,7 +21372,7 @@
               </a14:hiddenLine>
             </a:ext>
             <a:ext uri="{AF507438-7753-43e0-B8FC-AC1667EBCBE1}">
-              <a14:hiddenEffects xmlns:a14="http://schemas.microsoft.com/office/drawing/2010/main" xmlns="">
+              <a14:hiddenEffects xmlns="" xmlns:a14="http://schemas.microsoft.com/office/drawing/2010/main">
                 <a:effectLst>
                   <a:outerShdw blurRad="63500" dist="37357" dir="2700000" rotWithShape="0">
                     <a:scrgbClr r="0" g="0" b="0"/>
@@ -21406,7 +21381,7 @@
               </a14:hiddenEffects>
             </a:ext>
             <a:ext uri="{31F19639-BCED-4a60-ADC4-E9642A236FB7}">
-              <a14:hiddenScene3d xmlns:a14="http://schemas.microsoft.com/office/drawing/2010/main" xmlns="">
+              <a14:hiddenScene3d xmlns="" xmlns:a14="http://schemas.microsoft.com/office/drawing/2010/main">
                 <a:camera prst="orthographicFront">
                   <a:rot lat="0" lon="0" rev="0"/>
                 </a:camera>
@@ -21416,14 +21391,14 @@
               </a14:hiddenScene3d>
             </a:ext>
             <a:ext uri="{E45631CC-5BF2-4c18-A39C-3461C7D3F71A}">
-              <a14:hiddenSp3d xmlns:a14="http://schemas.microsoft.com/office/drawing/2010/main" xmlns="" extrusionH="457200">
+              <a14:hiddenSp3d xmlns="" xmlns:a14="http://schemas.microsoft.com/office/drawing/2010/main" extrusionH="457200">
                 <a:contourClr>
                   <a:srgbClr val="000000"/>
                 </a:contourClr>
               </a14:hiddenSp3d>
             </a:ext>
             <a:ext uri="{53640926-AAD7-44d8-BBD7-CCE9431645EC}">
-              <a14:shadowObscured xmlns:a14="http://schemas.microsoft.com/office/drawing/2010/main" xmlns=""/>
+              <a14:shadowObscured xmlns="" xmlns:a14="http://schemas.microsoft.com/office/drawing/2010/main"/>
             </a:ext>
           </a:extLst>
         </p:spPr>
@@ -22263,14 +22238,14 @@
           <a:effectLst/>
           <a:extLst>
             <a:ext uri="{909E8E84-426E-40dd-AFC4-6F175D3DCCD1}">
-              <a14:hiddenFill xmlns:a14="http://schemas.microsoft.com/office/drawing/2010/main" xmlns="">
+              <a14:hiddenFill xmlns="" xmlns:a14="http://schemas.microsoft.com/office/drawing/2010/main">
                 <a:solidFill>
                   <a:srgbClr val="FFFFFF"/>
                 </a:solidFill>
               </a14:hiddenFill>
             </a:ext>
             <a:ext uri="{91240B29-F687-4f45-9708-019B960494DF}">
-              <a14:hiddenLine xmlns:a14="http://schemas.microsoft.com/office/drawing/2010/main" xmlns="" w="9525" cap="flat" cmpd="sng" algn="ctr">
+              <a14:hiddenLine xmlns="" xmlns:a14="http://schemas.microsoft.com/office/drawing/2010/main" w="9525" cap="flat" cmpd="sng" algn="ctr">
                 <a:solidFill>
                   <a:schemeClr val="tx1"/>
                 </a:solidFill>
@@ -22281,7 +22256,7 @@
               </a14:hiddenLine>
             </a:ext>
             <a:ext uri="{AF507438-7753-43e0-B8FC-AC1667EBCBE1}">
-              <a14:hiddenEffects xmlns:a14="http://schemas.microsoft.com/office/drawing/2010/main" xmlns="">
+              <a14:hiddenEffects xmlns="" xmlns:a14="http://schemas.microsoft.com/office/drawing/2010/main">
                 <a:effectLst>
                   <a:outerShdw blurRad="63500" dist="37357" dir="2700000" rotWithShape="0">
                     <a:scrgbClr r="0" g="0" b="0"/>
@@ -22290,7 +22265,7 @@
               </a14:hiddenEffects>
             </a:ext>
             <a:ext uri="{31F19639-BCED-4a60-ADC4-E9642A236FB7}">
-              <a14:hiddenScene3d xmlns:a14="http://schemas.microsoft.com/office/drawing/2010/main" xmlns="">
+              <a14:hiddenScene3d xmlns="" xmlns:a14="http://schemas.microsoft.com/office/drawing/2010/main">
                 <a:camera prst="orthographicFront">
                   <a:rot lat="0" lon="0" rev="0"/>
                 </a:camera>
@@ -22300,14 +22275,14 @@
               </a14:hiddenScene3d>
             </a:ext>
             <a:ext uri="{E45631CC-5BF2-4c18-A39C-3461C7D3F71A}">
-              <a14:hiddenSp3d xmlns:a14="http://schemas.microsoft.com/office/drawing/2010/main" xmlns="" extrusionH="457200">
+              <a14:hiddenSp3d xmlns="" xmlns:a14="http://schemas.microsoft.com/office/drawing/2010/main" extrusionH="457200">
                 <a:contourClr>
                   <a:srgbClr val="000000"/>
                 </a:contourClr>
               </a14:hiddenSp3d>
             </a:ext>
             <a:ext uri="{53640926-AAD7-44d8-BBD7-CCE9431645EC}">
-              <a14:shadowObscured xmlns:a14="http://schemas.microsoft.com/office/drawing/2010/main" xmlns=""/>
+              <a14:shadowObscured xmlns="" xmlns:a14="http://schemas.microsoft.com/office/drawing/2010/main"/>
             </a:ext>
           </a:extLst>
         </p:spPr>
@@ -22355,14 +22330,14 @@
           <a:effectLst/>
           <a:extLst>
             <a:ext uri="{909E8E84-426E-40dd-AFC4-6F175D3DCCD1}">
-              <a14:hiddenFill xmlns:a14="http://schemas.microsoft.com/office/drawing/2010/main" xmlns="">
+              <a14:hiddenFill xmlns="" xmlns:a14="http://schemas.microsoft.com/office/drawing/2010/main">
                 <a:solidFill>
                   <a:srgbClr val="FFFFFF"/>
                 </a:solidFill>
               </a14:hiddenFill>
             </a:ext>
             <a:ext uri="{91240B29-F687-4f45-9708-019B960494DF}">
-              <a14:hiddenLine xmlns:a14="http://schemas.microsoft.com/office/drawing/2010/main" xmlns="" w="9525" cap="flat" cmpd="sng" algn="ctr">
+              <a14:hiddenLine xmlns="" xmlns:a14="http://schemas.microsoft.com/office/drawing/2010/main" w="9525" cap="flat" cmpd="sng" algn="ctr">
                 <a:solidFill>
                   <a:schemeClr val="tx1"/>
                 </a:solidFill>
@@ -22373,7 +22348,7 @@
               </a14:hiddenLine>
             </a:ext>
             <a:ext uri="{AF507438-7753-43e0-B8FC-AC1667EBCBE1}">
-              <a14:hiddenEffects xmlns:a14="http://schemas.microsoft.com/office/drawing/2010/main" xmlns="">
+              <a14:hiddenEffects xmlns="" xmlns:a14="http://schemas.microsoft.com/office/drawing/2010/main">
                 <a:effectLst>
                   <a:outerShdw blurRad="63500" dist="37357" dir="2700000" rotWithShape="0">
                     <a:scrgbClr r="0" g="0" b="0"/>
@@ -22382,7 +22357,7 @@
               </a14:hiddenEffects>
             </a:ext>
             <a:ext uri="{31F19639-BCED-4a60-ADC4-E9642A236FB7}">
-              <a14:hiddenScene3d xmlns:a14="http://schemas.microsoft.com/office/drawing/2010/main" xmlns="">
+              <a14:hiddenScene3d xmlns="" xmlns:a14="http://schemas.microsoft.com/office/drawing/2010/main">
                 <a:camera prst="orthographicFront">
                   <a:rot lat="0" lon="0" rev="0"/>
                 </a:camera>
@@ -22392,14 +22367,14 @@
               </a14:hiddenScene3d>
             </a:ext>
             <a:ext uri="{E45631CC-5BF2-4c18-A39C-3461C7D3F71A}">
-              <a14:hiddenSp3d xmlns:a14="http://schemas.microsoft.com/office/drawing/2010/main" xmlns="" extrusionH="457200">
+              <a14:hiddenSp3d xmlns="" xmlns:a14="http://schemas.microsoft.com/office/drawing/2010/main" extrusionH="457200">
                 <a:contourClr>
                   <a:srgbClr val="000000"/>
                 </a:contourClr>
               </a14:hiddenSp3d>
             </a:ext>
             <a:ext uri="{53640926-AAD7-44d8-BBD7-CCE9431645EC}">
-              <a14:shadowObscured xmlns:a14="http://schemas.microsoft.com/office/drawing/2010/main" xmlns=""/>
+              <a14:shadowObscured xmlns="" xmlns:a14="http://schemas.microsoft.com/office/drawing/2010/main"/>
             </a:ext>
           </a:extLst>
         </p:spPr>
@@ -22443,14 +22418,14 @@
           </a:ln>
           <a:extLst>
             <a:ext uri="{909E8E84-426E-40dd-AFC4-6F175D3DCCD1}">
-              <a14:hiddenFill xmlns:a14="http://schemas.microsoft.com/office/drawing/2010/main" xmlns="">
+              <a14:hiddenFill xmlns="" xmlns:a14="http://schemas.microsoft.com/office/drawing/2010/main">
                 <a:solidFill>
                   <a:srgbClr val="FFFFFF"/>
                 </a:solidFill>
               </a14:hiddenFill>
             </a:ext>
             <a:ext uri="{91240B29-F687-4f45-9708-019B960494DF}">
-              <a14:hiddenLine xmlns:a14="http://schemas.microsoft.com/office/drawing/2010/main" xmlns="" w="9525">
+              <a14:hiddenLine xmlns="" xmlns:a14="http://schemas.microsoft.com/office/drawing/2010/main" w="9525">
                 <a:solidFill>
                   <a:srgbClr val="000000"/>
                 </a:solidFill>
@@ -22651,14 +22626,14 @@
           </a:ln>
           <a:extLst>
             <a:ext uri="{909E8E84-426E-40dd-AFC4-6F175D3DCCD1}">
-              <a14:hiddenFill xmlns:a14="http://schemas.microsoft.com/office/drawing/2010/main" xmlns="">
+              <a14:hiddenFill xmlns="" xmlns:a14="http://schemas.microsoft.com/office/drawing/2010/main">
                 <a:solidFill>
                   <a:srgbClr val="FFFFFF"/>
                 </a:solidFill>
               </a14:hiddenFill>
             </a:ext>
             <a:ext uri="{91240B29-F687-4f45-9708-019B960494DF}">
-              <a14:hiddenLine xmlns:a14="http://schemas.microsoft.com/office/drawing/2010/main" xmlns="" w="9525">
+              <a14:hiddenLine xmlns="" xmlns:a14="http://schemas.microsoft.com/office/drawing/2010/main" w="9525">
                 <a:solidFill>
                   <a:srgbClr val="000000"/>
                 </a:solidFill>
@@ -22713,14 +22688,14 @@
           <a:effectLst/>
           <a:extLst>
             <a:ext uri="{909E8E84-426E-40dd-AFC4-6F175D3DCCD1}">
-              <a14:hiddenFill xmlns:a14="http://schemas.microsoft.com/office/drawing/2010/main" xmlns="">
+              <a14:hiddenFill xmlns="" xmlns:a14="http://schemas.microsoft.com/office/drawing/2010/main">
                 <a:solidFill>
                   <a:srgbClr val="FFFFFF"/>
                 </a:solidFill>
               </a14:hiddenFill>
             </a:ext>
             <a:ext uri="{91240B29-F687-4f45-9708-019B960494DF}">
-              <a14:hiddenLine xmlns:a14="http://schemas.microsoft.com/office/drawing/2010/main" xmlns="" w="9525" cap="flat" cmpd="sng" algn="ctr">
+              <a14:hiddenLine xmlns="" xmlns:a14="http://schemas.microsoft.com/office/drawing/2010/main" w="9525" cap="flat" cmpd="sng" algn="ctr">
                 <a:solidFill>
                   <a:schemeClr val="tx1"/>
                 </a:solidFill>
@@ -22731,7 +22706,7 @@
               </a14:hiddenLine>
             </a:ext>
             <a:ext uri="{AF507438-7753-43e0-B8FC-AC1667EBCBE1}">
-              <a14:hiddenEffects xmlns:a14="http://schemas.microsoft.com/office/drawing/2010/main" xmlns="">
+              <a14:hiddenEffects xmlns="" xmlns:a14="http://schemas.microsoft.com/office/drawing/2010/main">
                 <a:effectLst>
                   <a:outerShdw blurRad="63500" dist="37357" dir="2700000" rotWithShape="0">
                     <a:scrgbClr r="0" g="0" b="0"/>
@@ -22740,7 +22715,7 @@
               </a14:hiddenEffects>
             </a:ext>
             <a:ext uri="{31F19639-BCED-4a60-ADC4-E9642A236FB7}">
-              <a14:hiddenScene3d xmlns:a14="http://schemas.microsoft.com/office/drawing/2010/main" xmlns="">
+              <a14:hiddenScene3d xmlns="" xmlns:a14="http://schemas.microsoft.com/office/drawing/2010/main">
                 <a:camera prst="orthographicFront">
                   <a:rot lat="0" lon="0" rev="0"/>
                 </a:camera>
@@ -22750,14 +22725,14 @@
               </a14:hiddenScene3d>
             </a:ext>
             <a:ext uri="{E45631CC-5BF2-4c18-A39C-3461C7D3F71A}">
-              <a14:hiddenSp3d xmlns:a14="http://schemas.microsoft.com/office/drawing/2010/main" xmlns="" extrusionH="457200">
+              <a14:hiddenSp3d xmlns="" xmlns:a14="http://schemas.microsoft.com/office/drawing/2010/main" extrusionH="457200">
                 <a:contourClr>
                   <a:srgbClr val="000000"/>
                 </a:contourClr>
               </a14:hiddenSp3d>
             </a:ext>
             <a:ext uri="{53640926-AAD7-44d8-BBD7-CCE9431645EC}">
-              <a14:shadowObscured xmlns:a14="http://schemas.microsoft.com/office/drawing/2010/main" xmlns=""/>
+              <a14:shadowObscured xmlns="" xmlns:a14="http://schemas.microsoft.com/office/drawing/2010/main"/>
             </a:ext>
           </a:extLst>
         </p:spPr>
@@ -23019,7 +22994,7 @@
           </a:ln>
           <a:extLst>
             <a:ext uri="{909E8E84-426E-40dd-AFC4-6F175D3DCCD1}">
-              <a14:hiddenFill xmlns:a14="http://schemas.microsoft.com/office/drawing/2010/main" xmlns="">
+              <a14:hiddenFill xmlns="" xmlns:a14="http://schemas.microsoft.com/office/drawing/2010/main">
                 <a:noFill/>
               </a14:hiddenFill>
             </a:ext>
@@ -23466,14 +23441,14 @@
           <a:effectLst/>
           <a:extLst>
             <a:ext uri="{909E8E84-426E-40dd-AFC4-6F175D3DCCD1}">
-              <a14:hiddenFill xmlns:a14="http://schemas.microsoft.com/office/drawing/2010/main" xmlns="">
+              <a14:hiddenFill xmlns="" xmlns:a14="http://schemas.microsoft.com/office/drawing/2010/main">
                 <a:solidFill>
                   <a:srgbClr val="FFFFFF"/>
                 </a:solidFill>
               </a14:hiddenFill>
             </a:ext>
             <a:ext uri="{91240B29-F687-4f45-9708-019B960494DF}">
-              <a14:hiddenLine xmlns:a14="http://schemas.microsoft.com/office/drawing/2010/main" xmlns="" w="9525" cap="flat" cmpd="sng" algn="ctr">
+              <a14:hiddenLine xmlns="" xmlns:a14="http://schemas.microsoft.com/office/drawing/2010/main" w="9525" cap="flat" cmpd="sng" algn="ctr">
                 <a:solidFill>
                   <a:schemeClr val="tx1"/>
                 </a:solidFill>
@@ -23484,7 +23459,7 @@
               </a14:hiddenLine>
             </a:ext>
             <a:ext uri="{AF507438-7753-43e0-B8FC-AC1667EBCBE1}">
-              <a14:hiddenEffects xmlns:a14="http://schemas.microsoft.com/office/drawing/2010/main" xmlns="">
+              <a14:hiddenEffects xmlns="" xmlns:a14="http://schemas.microsoft.com/office/drawing/2010/main">
                 <a:effectLst>
                   <a:outerShdw blurRad="63500" dist="37357" dir="2700000" rotWithShape="0">
                     <a:scrgbClr r="0" g="0" b="0"/>
@@ -23493,7 +23468,7 @@
               </a14:hiddenEffects>
             </a:ext>
             <a:ext uri="{31F19639-BCED-4a60-ADC4-E9642A236FB7}">
-              <a14:hiddenScene3d xmlns:a14="http://schemas.microsoft.com/office/drawing/2010/main" xmlns="">
+              <a14:hiddenScene3d xmlns="" xmlns:a14="http://schemas.microsoft.com/office/drawing/2010/main">
                 <a:camera prst="orthographicFront">
                   <a:rot lat="0" lon="0" rev="0"/>
                 </a:camera>
@@ -23503,14 +23478,14 @@
               </a14:hiddenScene3d>
             </a:ext>
             <a:ext uri="{E45631CC-5BF2-4c18-A39C-3461C7D3F71A}">
-              <a14:hiddenSp3d xmlns:a14="http://schemas.microsoft.com/office/drawing/2010/main" xmlns="" extrusionH="457200">
+              <a14:hiddenSp3d xmlns="" xmlns:a14="http://schemas.microsoft.com/office/drawing/2010/main" extrusionH="457200">
                 <a:contourClr>
                   <a:srgbClr val="000000"/>
                 </a:contourClr>
               </a14:hiddenSp3d>
             </a:ext>
             <a:ext uri="{53640926-AAD7-44d8-BBD7-CCE9431645EC}">
-              <a14:shadowObscured xmlns:a14="http://schemas.microsoft.com/office/drawing/2010/main" xmlns=""/>
+              <a14:shadowObscured xmlns="" xmlns:a14="http://schemas.microsoft.com/office/drawing/2010/main"/>
             </a:ext>
           </a:extLst>
         </p:spPr>
@@ -24039,14 +24014,14 @@
           <a:effectLst/>
           <a:extLst>
             <a:ext uri="{909E8E84-426E-40dd-AFC4-6F175D3DCCD1}">
-              <a14:hiddenFill xmlns:a14="http://schemas.microsoft.com/office/drawing/2010/main" xmlns="">
+              <a14:hiddenFill xmlns="" xmlns:a14="http://schemas.microsoft.com/office/drawing/2010/main">
                 <a:solidFill>
                   <a:srgbClr val="FFFFFF"/>
                 </a:solidFill>
               </a14:hiddenFill>
             </a:ext>
             <a:ext uri="{91240B29-F687-4f45-9708-019B960494DF}">
-              <a14:hiddenLine xmlns:a14="http://schemas.microsoft.com/office/drawing/2010/main" xmlns="" w="9525" cap="flat" cmpd="sng" algn="ctr">
+              <a14:hiddenLine xmlns="" xmlns:a14="http://schemas.microsoft.com/office/drawing/2010/main" w="9525" cap="flat" cmpd="sng" algn="ctr">
                 <a:solidFill>
                   <a:schemeClr val="tx1"/>
                 </a:solidFill>
@@ -24057,7 +24032,7 @@
               </a14:hiddenLine>
             </a:ext>
             <a:ext uri="{AF507438-7753-43e0-B8FC-AC1667EBCBE1}">
-              <a14:hiddenEffects xmlns:a14="http://schemas.microsoft.com/office/drawing/2010/main" xmlns="">
+              <a14:hiddenEffects xmlns="" xmlns:a14="http://schemas.microsoft.com/office/drawing/2010/main">
                 <a:effectLst>
                   <a:outerShdw blurRad="63500" dist="37357" dir="2700000" rotWithShape="0">
                     <a:scrgbClr r="0" g="0" b="0"/>
@@ -24066,7 +24041,7 @@
               </a14:hiddenEffects>
             </a:ext>
             <a:ext uri="{31F19639-BCED-4a60-ADC4-E9642A236FB7}">
-              <a14:hiddenScene3d xmlns:a14="http://schemas.microsoft.com/office/drawing/2010/main" xmlns="">
+              <a14:hiddenScene3d xmlns="" xmlns:a14="http://schemas.microsoft.com/office/drawing/2010/main">
                 <a:camera prst="orthographicFront">
                   <a:rot lat="0" lon="0" rev="0"/>
                 </a:camera>
@@ -24076,14 +24051,14 @@
               </a14:hiddenScene3d>
             </a:ext>
             <a:ext uri="{E45631CC-5BF2-4c18-A39C-3461C7D3F71A}">
-              <a14:hiddenSp3d xmlns:a14="http://schemas.microsoft.com/office/drawing/2010/main" xmlns="" extrusionH="457200">
+              <a14:hiddenSp3d xmlns="" xmlns:a14="http://schemas.microsoft.com/office/drawing/2010/main" extrusionH="457200">
                 <a:contourClr>
                   <a:srgbClr val="000000"/>
                 </a:contourClr>
               </a14:hiddenSp3d>
             </a:ext>
             <a:ext uri="{53640926-AAD7-44d8-BBD7-CCE9431645EC}">
-              <a14:shadowObscured xmlns:a14="http://schemas.microsoft.com/office/drawing/2010/main" xmlns=""/>
+              <a14:shadowObscured xmlns="" xmlns:a14="http://schemas.microsoft.com/office/drawing/2010/main"/>
             </a:ext>
           </a:extLst>
         </p:spPr>
@@ -24613,14 +24588,14 @@
           <a:effectLst/>
           <a:extLst>
             <a:ext uri="{909E8E84-426E-40dd-AFC4-6F175D3DCCD1}">
-              <a14:hiddenFill xmlns:a14="http://schemas.microsoft.com/office/drawing/2010/main" xmlns="">
+              <a14:hiddenFill xmlns="" xmlns:a14="http://schemas.microsoft.com/office/drawing/2010/main">
                 <a:solidFill>
                   <a:srgbClr val="FFFFFF"/>
                 </a:solidFill>
               </a14:hiddenFill>
             </a:ext>
             <a:ext uri="{91240B29-F687-4f45-9708-019B960494DF}">
-              <a14:hiddenLine xmlns:a14="http://schemas.microsoft.com/office/drawing/2010/main" xmlns="" w="9525" cap="flat" cmpd="sng" algn="ctr">
+              <a14:hiddenLine xmlns="" xmlns:a14="http://schemas.microsoft.com/office/drawing/2010/main" w="9525" cap="flat" cmpd="sng" algn="ctr">
                 <a:solidFill>
                   <a:schemeClr val="tx1"/>
                 </a:solidFill>
@@ -24631,7 +24606,7 @@
               </a14:hiddenLine>
             </a:ext>
             <a:ext uri="{AF507438-7753-43e0-B8FC-AC1667EBCBE1}">
-              <a14:hiddenEffects xmlns:a14="http://schemas.microsoft.com/office/drawing/2010/main" xmlns="">
+              <a14:hiddenEffects xmlns="" xmlns:a14="http://schemas.microsoft.com/office/drawing/2010/main">
                 <a:effectLst>
                   <a:outerShdw blurRad="63500" dist="37357" dir="2700000" rotWithShape="0">
                     <a:scrgbClr r="0" g="0" b="0"/>
@@ -24640,7 +24615,7 @@
               </a14:hiddenEffects>
             </a:ext>
             <a:ext uri="{31F19639-BCED-4a60-ADC4-E9642A236FB7}">
-              <a14:hiddenScene3d xmlns:a14="http://schemas.microsoft.com/office/drawing/2010/main" xmlns="">
+              <a14:hiddenScene3d xmlns="" xmlns:a14="http://schemas.microsoft.com/office/drawing/2010/main">
                 <a:camera prst="orthographicFront">
                   <a:rot lat="0" lon="0" rev="0"/>
                 </a:camera>
@@ -24650,14 +24625,14 @@
               </a14:hiddenScene3d>
             </a:ext>
             <a:ext uri="{E45631CC-5BF2-4c18-A39C-3461C7D3F71A}">
-              <a14:hiddenSp3d xmlns:a14="http://schemas.microsoft.com/office/drawing/2010/main" xmlns="" extrusionH="457200">
+              <a14:hiddenSp3d xmlns="" xmlns:a14="http://schemas.microsoft.com/office/drawing/2010/main" extrusionH="457200">
                 <a:contourClr>
                   <a:srgbClr val="000000"/>
                 </a:contourClr>
               </a14:hiddenSp3d>
             </a:ext>
             <a:ext uri="{53640926-AAD7-44d8-BBD7-CCE9431645EC}">
-              <a14:shadowObscured xmlns:a14="http://schemas.microsoft.com/office/drawing/2010/main" xmlns=""/>
+              <a14:shadowObscured xmlns="" xmlns:a14="http://schemas.microsoft.com/office/drawing/2010/main"/>
             </a:ext>
           </a:extLst>
         </p:spPr>
@@ -31244,7 +31219,7 @@
           </a:ln>
           <a:extLst>
             <a:ext uri="{909E8E84-426E-40dd-AFC4-6F175D3DCCD1}">
-              <a14:hiddenFill xmlns:a14="http://schemas.microsoft.com/office/drawing/2010/main" xmlns="">
+              <a14:hiddenFill xmlns="" xmlns:a14="http://schemas.microsoft.com/office/drawing/2010/main">
                 <a:noFill/>
               </a14:hiddenFill>
             </a:ext>
@@ -31691,14 +31666,14 @@
           <a:effectLst/>
           <a:extLst>
             <a:ext uri="{909E8E84-426E-40dd-AFC4-6F175D3DCCD1}">
-              <a14:hiddenFill xmlns:a14="http://schemas.microsoft.com/office/drawing/2010/main" xmlns="">
+              <a14:hiddenFill xmlns="" xmlns:a14="http://schemas.microsoft.com/office/drawing/2010/main">
                 <a:solidFill>
                   <a:srgbClr val="FFFFFF"/>
                 </a:solidFill>
               </a14:hiddenFill>
             </a:ext>
             <a:ext uri="{91240B29-F687-4f45-9708-019B960494DF}">
-              <a14:hiddenLine xmlns:a14="http://schemas.microsoft.com/office/drawing/2010/main" xmlns="" w="9525" cap="flat" cmpd="sng" algn="ctr">
+              <a14:hiddenLine xmlns="" xmlns:a14="http://schemas.microsoft.com/office/drawing/2010/main" w="9525" cap="flat" cmpd="sng" algn="ctr">
                 <a:solidFill>
                   <a:schemeClr val="tx1"/>
                 </a:solidFill>
@@ -31709,7 +31684,7 @@
               </a14:hiddenLine>
             </a:ext>
             <a:ext uri="{AF507438-7753-43e0-B8FC-AC1667EBCBE1}">
-              <a14:hiddenEffects xmlns:a14="http://schemas.microsoft.com/office/drawing/2010/main" xmlns="">
+              <a14:hiddenEffects xmlns="" xmlns:a14="http://schemas.microsoft.com/office/drawing/2010/main">
                 <a:effectLst>
                   <a:outerShdw blurRad="63500" dist="37357" dir="2700000" rotWithShape="0">
                     <a:scrgbClr r="0" g="0" b="0"/>
@@ -31718,7 +31693,7 @@
               </a14:hiddenEffects>
             </a:ext>
             <a:ext uri="{31F19639-BCED-4a60-ADC4-E9642A236FB7}">
-              <a14:hiddenScene3d xmlns:a14="http://schemas.microsoft.com/office/drawing/2010/main" xmlns="">
+              <a14:hiddenScene3d xmlns="" xmlns:a14="http://schemas.microsoft.com/office/drawing/2010/main">
                 <a:camera prst="orthographicFront">
                   <a:rot lat="0" lon="0" rev="0"/>
                 </a:camera>
@@ -31728,14 +31703,14 @@
               </a14:hiddenScene3d>
             </a:ext>
             <a:ext uri="{E45631CC-5BF2-4c18-A39C-3461C7D3F71A}">
-              <a14:hiddenSp3d xmlns:a14="http://schemas.microsoft.com/office/drawing/2010/main" xmlns="" extrusionH="457200">
+              <a14:hiddenSp3d xmlns="" xmlns:a14="http://schemas.microsoft.com/office/drawing/2010/main" extrusionH="457200">
                 <a:contourClr>
                   <a:srgbClr val="000000"/>
                 </a:contourClr>
               </a14:hiddenSp3d>
             </a:ext>
             <a:ext uri="{53640926-AAD7-44d8-BBD7-CCE9431645EC}">
-              <a14:shadowObscured xmlns:a14="http://schemas.microsoft.com/office/drawing/2010/main" xmlns=""/>
+              <a14:shadowObscured xmlns="" xmlns:a14="http://schemas.microsoft.com/office/drawing/2010/main"/>
             </a:ext>
           </a:extLst>
         </p:spPr>
@@ -32282,14 +32257,14 @@
           <a:effectLst/>
           <a:extLst>
             <a:ext uri="{909E8E84-426E-40dd-AFC4-6F175D3DCCD1}">
-              <a14:hiddenFill xmlns:a14="http://schemas.microsoft.com/office/drawing/2010/main" xmlns="">
+              <a14:hiddenFill xmlns="" xmlns:a14="http://schemas.microsoft.com/office/drawing/2010/main">
                 <a:solidFill>
                   <a:srgbClr val="FFFFFF"/>
                 </a:solidFill>
               </a14:hiddenFill>
             </a:ext>
             <a:ext uri="{91240B29-F687-4f45-9708-019B960494DF}">
-              <a14:hiddenLine xmlns:a14="http://schemas.microsoft.com/office/drawing/2010/main" xmlns="" w="9525" cap="flat" cmpd="sng" algn="ctr">
+              <a14:hiddenLine xmlns="" xmlns:a14="http://schemas.microsoft.com/office/drawing/2010/main" w="9525" cap="flat" cmpd="sng" algn="ctr">
                 <a:solidFill>
                   <a:schemeClr val="tx1"/>
                 </a:solidFill>
@@ -32300,7 +32275,7 @@
               </a14:hiddenLine>
             </a:ext>
             <a:ext uri="{AF507438-7753-43e0-B8FC-AC1667EBCBE1}">
-              <a14:hiddenEffects xmlns:a14="http://schemas.microsoft.com/office/drawing/2010/main" xmlns="">
+              <a14:hiddenEffects xmlns="" xmlns:a14="http://schemas.microsoft.com/office/drawing/2010/main">
                 <a:effectLst>
                   <a:outerShdw blurRad="63500" dist="37357" dir="2700000" rotWithShape="0">
                     <a:scrgbClr r="0" g="0" b="0"/>
@@ -32309,7 +32284,7 @@
               </a14:hiddenEffects>
             </a:ext>
             <a:ext uri="{31F19639-BCED-4a60-ADC4-E9642A236FB7}">
-              <a14:hiddenScene3d xmlns:a14="http://schemas.microsoft.com/office/drawing/2010/main" xmlns="">
+              <a14:hiddenScene3d xmlns="" xmlns:a14="http://schemas.microsoft.com/office/drawing/2010/main">
                 <a:camera prst="orthographicFront">
                   <a:rot lat="0" lon="0" rev="0"/>
                 </a:camera>
@@ -32319,14 +32294,14 @@
               </a14:hiddenScene3d>
             </a:ext>
             <a:ext uri="{E45631CC-5BF2-4c18-A39C-3461C7D3F71A}">
-              <a14:hiddenSp3d xmlns:a14="http://schemas.microsoft.com/office/drawing/2010/main" xmlns="" extrusionH="457200">
+              <a14:hiddenSp3d xmlns="" xmlns:a14="http://schemas.microsoft.com/office/drawing/2010/main" extrusionH="457200">
                 <a:contourClr>
                   <a:srgbClr val="000000"/>
                 </a:contourClr>
               </a14:hiddenSp3d>
             </a:ext>
             <a:ext uri="{53640926-AAD7-44d8-BBD7-CCE9431645EC}">
-              <a14:shadowObscured xmlns:a14="http://schemas.microsoft.com/office/drawing/2010/main" xmlns=""/>
+              <a14:shadowObscured xmlns="" xmlns:a14="http://schemas.microsoft.com/office/drawing/2010/main"/>
             </a:ext>
           </a:extLst>
         </p:spPr>
@@ -33987,14 +33962,14 @@
           <a:effectLst/>
           <a:extLst>
             <a:ext uri="{909E8E84-426E-40dd-AFC4-6F175D3DCCD1}">
-              <a14:hiddenFill xmlns:a14="http://schemas.microsoft.com/office/drawing/2010/main" xmlns="">
+              <a14:hiddenFill xmlns="" xmlns:a14="http://schemas.microsoft.com/office/drawing/2010/main">
                 <a:solidFill>
                   <a:srgbClr val="FFFFFF"/>
                 </a:solidFill>
               </a14:hiddenFill>
             </a:ext>
             <a:ext uri="{91240B29-F687-4f45-9708-019B960494DF}">
-              <a14:hiddenLine xmlns:a14="http://schemas.microsoft.com/office/drawing/2010/main" xmlns="" w="9525" cap="flat" cmpd="sng" algn="ctr">
+              <a14:hiddenLine xmlns="" xmlns:a14="http://schemas.microsoft.com/office/drawing/2010/main" w="9525" cap="flat" cmpd="sng" algn="ctr">
                 <a:solidFill>
                   <a:schemeClr val="tx1"/>
                 </a:solidFill>
@@ -34005,7 +33980,7 @@
               </a14:hiddenLine>
             </a:ext>
             <a:ext uri="{AF507438-7753-43e0-B8FC-AC1667EBCBE1}">
-              <a14:hiddenEffects xmlns:a14="http://schemas.microsoft.com/office/drawing/2010/main" xmlns="">
+              <a14:hiddenEffects xmlns="" xmlns:a14="http://schemas.microsoft.com/office/drawing/2010/main">
                 <a:effectLst>
                   <a:outerShdw blurRad="63500" dist="37357" dir="2700000" rotWithShape="0">
                     <a:scrgbClr r="0" g="0" b="0"/>
@@ -34014,7 +33989,7 @@
               </a14:hiddenEffects>
             </a:ext>
             <a:ext uri="{31F19639-BCED-4a60-ADC4-E9642A236FB7}">
-              <a14:hiddenScene3d xmlns:a14="http://schemas.microsoft.com/office/drawing/2010/main" xmlns="">
+              <a14:hiddenScene3d xmlns="" xmlns:a14="http://schemas.microsoft.com/office/drawing/2010/main">
                 <a:camera prst="orthographicFront">
                   <a:rot lat="0" lon="0" rev="0"/>
                 </a:camera>
@@ -34024,14 +33999,14 @@
               </a14:hiddenScene3d>
             </a:ext>
             <a:ext uri="{E45631CC-5BF2-4c18-A39C-3461C7D3F71A}">
-              <a14:hiddenSp3d xmlns:a14="http://schemas.microsoft.com/office/drawing/2010/main" xmlns="" extrusionH="457200">
+              <a14:hiddenSp3d xmlns="" xmlns:a14="http://schemas.microsoft.com/office/drawing/2010/main" extrusionH="457200">
                 <a:contourClr>
                   <a:srgbClr val="000000"/>
                 </a:contourClr>
               </a14:hiddenSp3d>
             </a:ext>
             <a:ext uri="{53640926-AAD7-44d8-BBD7-CCE9431645EC}">
-              <a14:shadowObscured xmlns:a14="http://schemas.microsoft.com/office/drawing/2010/main" xmlns=""/>
+              <a14:shadowObscured xmlns="" xmlns:a14="http://schemas.microsoft.com/office/drawing/2010/main"/>
             </a:ext>
           </a:extLst>
         </p:spPr>
@@ -34322,7 +34297,7 @@
           </a:ln>
           <a:extLst>
             <a:ext uri="{909E8E84-426E-40dd-AFC4-6F175D3DCCD1}">
-              <a14:hiddenFill xmlns:a14="http://schemas.microsoft.com/office/drawing/2010/main" xmlns="">
+              <a14:hiddenFill xmlns="" xmlns:a14="http://schemas.microsoft.com/office/drawing/2010/main">
                 <a:noFill/>
               </a14:hiddenFill>
             </a:ext>
@@ -36881,14 +36856,14 @@
           <a:effectLst/>
           <a:extLst>
             <a:ext uri="{909E8E84-426E-40dd-AFC4-6F175D3DCCD1}">
-              <a14:hiddenFill xmlns:a14="http://schemas.microsoft.com/office/drawing/2010/main" xmlns="">
+              <a14:hiddenFill xmlns="" xmlns:a14="http://schemas.microsoft.com/office/drawing/2010/main">
                 <a:solidFill>
                   <a:srgbClr val="FFFFFF"/>
                 </a:solidFill>
               </a14:hiddenFill>
             </a:ext>
             <a:ext uri="{91240B29-F687-4f45-9708-019B960494DF}">
-              <a14:hiddenLine xmlns:a14="http://schemas.microsoft.com/office/drawing/2010/main" xmlns="" w="9525" cap="flat" cmpd="sng" algn="ctr">
+              <a14:hiddenLine xmlns="" xmlns:a14="http://schemas.microsoft.com/office/drawing/2010/main" w="9525" cap="flat" cmpd="sng" algn="ctr">
                 <a:solidFill>
                   <a:schemeClr val="tx1"/>
                 </a:solidFill>
@@ -36899,7 +36874,7 @@
               </a14:hiddenLine>
             </a:ext>
             <a:ext uri="{AF507438-7753-43e0-B8FC-AC1667EBCBE1}">
-              <a14:hiddenEffects xmlns:a14="http://schemas.microsoft.com/office/drawing/2010/main" xmlns="">
+              <a14:hiddenEffects xmlns="" xmlns:a14="http://schemas.microsoft.com/office/drawing/2010/main">
                 <a:effectLst>
                   <a:outerShdw blurRad="63500" dist="37357" dir="2700000" rotWithShape="0">
                     <a:scrgbClr r="0" g="0" b="0"/>
@@ -36908,7 +36883,7 @@
               </a14:hiddenEffects>
             </a:ext>
             <a:ext uri="{31F19639-BCED-4a60-ADC4-E9642A236FB7}">
-              <a14:hiddenScene3d xmlns:a14="http://schemas.microsoft.com/office/drawing/2010/main" xmlns="">
+              <a14:hiddenScene3d xmlns="" xmlns:a14="http://schemas.microsoft.com/office/drawing/2010/main">
                 <a:camera prst="orthographicFront">
                   <a:rot lat="0" lon="0" rev="0"/>
                 </a:camera>
@@ -36918,14 +36893,14 @@
               </a14:hiddenScene3d>
             </a:ext>
             <a:ext uri="{E45631CC-5BF2-4c18-A39C-3461C7D3F71A}">
-              <a14:hiddenSp3d xmlns:a14="http://schemas.microsoft.com/office/drawing/2010/main" xmlns="" extrusionH="457200">
+              <a14:hiddenSp3d xmlns="" xmlns:a14="http://schemas.microsoft.com/office/drawing/2010/main" extrusionH="457200">
                 <a:contourClr>
                   <a:srgbClr val="000000"/>
                 </a:contourClr>
               </a14:hiddenSp3d>
             </a:ext>
             <a:ext uri="{53640926-AAD7-44d8-BBD7-CCE9431645EC}">
-              <a14:shadowObscured xmlns:a14="http://schemas.microsoft.com/office/drawing/2010/main" xmlns=""/>
+              <a14:shadowObscured xmlns="" xmlns:a14="http://schemas.microsoft.com/office/drawing/2010/main"/>
             </a:ext>
           </a:extLst>
         </p:spPr>
@@ -36973,14 +36948,14 @@
           <a:effectLst/>
           <a:extLst>
             <a:ext uri="{909E8E84-426E-40dd-AFC4-6F175D3DCCD1}">
-              <a14:hiddenFill xmlns:a14="http://schemas.microsoft.com/office/drawing/2010/main" xmlns="">
+              <a14:hiddenFill xmlns="" xmlns:a14="http://schemas.microsoft.com/office/drawing/2010/main">
                 <a:solidFill>
                   <a:srgbClr val="FFFFFF"/>
                 </a:solidFill>
               </a14:hiddenFill>
             </a:ext>
             <a:ext uri="{91240B29-F687-4f45-9708-019B960494DF}">
-              <a14:hiddenLine xmlns:a14="http://schemas.microsoft.com/office/drawing/2010/main" xmlns="" w="9525" cap="flat" cmpd="sng" algn="ctr">
+              <a14:hiddenLine xmlns="" xmlns:a14="http://schemas.microsoft.com/office/drawing/2010/main" w="9525" cap="flat" cmpd="sng" algn="ctr">
                 <a:solidFill>
                   <a:schemeClr val="tx1"/>
                 </a:solidFill>
@@ -36991,7 +36966,7 @@
               </a14:hiddenLine>
             </a:ext>
             <a:ext uri="{AF507438-7753-43e0-B8FC-AC1667EBCBE1}">
-              <a14:hiddenEffects xmlns:a14="http://schemas.microsoft.com/office/drawing/2010/main" xmlns="">
+              <a14:hiddenEffects xmlns="" xmlns:a14="http://schemas.microsoft.com/office/drawing/2010/main">
                 <a:effectLst>
                   <a:outerShdw blurRad="63500" dist="37357" dir="2700000" rotWithShape="0">
                     <a:scrgbClr r="0" g="0" b="0"/>
@@ -37000,7 +36975,7 @@
               </a14:hiddenEffects>
             </a:ext>
             <a:ext uri="{31F19639-BCED-4a60-ADC4-E9642A236FB7}">
-              <a14:hiddenScene3d xmlns:a14="http://schemas.microsoft.com/office/drawing/2010/main" xmlns="">
+              <a14:hiddenScene3d xmlns="" xmlns:a14="http://schemas.microsoft.com/office/drawing/2010/main">
                 <a:camera prst="orthographicFront">
                   <a:rot lat="0" lon="0" rev="0"/>
                 </a:camera>
@@ -37010,14 +36985,14 @@
               </a14:hiddenScene3d>
             </a:ext>
             <a:ext uri="{E45631CC-5BF2-4c18-A39C-3461C7D3F71A}">
-              <a14:hiddenSp3d xmlns:a14="http://schemas.microsoft.com/office/drawing/2010/main" xmlns="" extrusionH="457200">
+              <a14:hiddenSp3d xmlns="" xmlns:a14="http://schemas.microsoft.com/office/drawing/2010/main" extrusionH="457200">
                 <a:contourClr>
                   <a:srgbClr val="000000"/>
                 </a:contourClr>
               </a14:hiddenSp3d>
             </a:ext>
             <a:ext uri="{53640926-AAD7-44d8-BBD7-CCE9431645EC}">
-              <a14:shadowObscured xmlns:a14="http://schemas.microsoft.com/office/drawing/2010/main" xmlns=""/>
+              <a14:shadowObscured xmlns="" xmlns:a14="http://schemas.microsoft.com/office/drawing/2010/main"/>
             </a:ext>
           </a:extLst>
         </p:spPr>
@@ -37065,14 +37040,14 @@
           <a:effectLst/>
           <a:extLst>
             <a:ext uri="{909E8E84-426E-40dd-AFC4-6F175D3DCCD1}">
-              <a14:hiddenFill xmlns:a14="http://schemas.microsoft.com/office/drawing/2010/main" xmlns="">
+              <a14:hiddenFill xmlns="" xmlns:a14="http://schemas.microsoft.com/office/drawing/2010/main">
                 <a:solidFill>
                   <a:srgbClr val="FFFFFF"/>
                 </a:solidFill>
               </a14:hiddenFill>
             </a:ext>
             <a:ext uri="{91240B29-F687-4f45-9708-019B960494DF}">
-              <a14:hiddenLine xmlns:a14="http://schemas.microsoft.com/office/drawing/2010/main" xmlns="" w="9525" cap="flat" cmpd="sng" algn="ctr">
+              <a14:hiddenLine xmlns="" xmlns:a14="http://schemas.microsoft.com/office/drawing/2010/main" w="9525" cap="flat" cmpd="sng" algn="ctr">
                 <a:solidFill>
                   <a:schemeClr val="tx1"/>
                 </a:solidFill>
@@ -37083,7 +37058,7 @@
               </a14:hiddenLine>
             </a:ext>
             <a:ext uri="{AF507438-7753-43e0-B8FC-AC1667EBCBE1}">
-              <a14:hiddenEffects xmlns:a14="http://schemas.microsoft.com/office/drawing/2010/main" xmlns="">
+              <a14:hiddenEffects xmlns="" xmlns:a14="http://schemas.microsoft.com/office/drawing/2010/main">
                 <a:effectLst>
                   <a:outerShdw blurRad="63500" dist="37357" dir="2700000" rotWithShape="0">
                     <a:scrgbClr r="0" g="0" b="0"/>
@@ -37092,7 +37067,7 @@
               </a14:hiddenEffects>
             </a:ext>
             <a:ext uri="{31F19639-BCED-4a60-ADC4-E9642A236FB7}">
-              <a14:hiddenScene3d xmlns:a14="http://schemas.microsoft.com/office/drawing/2010/main" xmlns="">
+              <a14:hiddenScene3d xmlns="" xmlns:a14="http://schemas.microsoft.com/office/drawing/2010/main">
                 <a:camera prst="orthographicFront">
                   <a:rot lat="0" lon="0" rev="0"/>
                 </a:camera>
@@ -37102,14 +37077,14 @@
               </a14:hiddenScene3d>
             </a:ext>
             <a:ext uri="{E45631CC-5BF2-4c18-A39C-3461C7D3F71A}">
-              <a14:hiddenSp3d xmlns:a14="http://schemas.microsoft.com/office/drawing/2010/main" xmlns="" extrusionH="457200">
+              <a14:hiddenSp3d xmlns="" xmlns:a14="http://schemas.microsoft.com/office/drawing/2010/main" extrusionH="457200">
                 <a:contourClr>
                   <a:srgbClr val="000000"/>
                 </a:contourClr>
               </a14:hiddenSp3d>
             </a:ext>
             <a:ext uri="{53640926-AAD7-44d8-BBD7-CCE9431645EC}">
-              <a14:shadowObscured xmlns:a14="http://schemas.microsoft.com/office/drawing/2010/main" xmlns=""/>
+              <a14:shadowObscured xmlns="" xmlns:a14="http://schemas.microsoft.com/office/drawing/2010/main"/>
             </a:ext>
           </a:extLst>
         </p:spPr>
@@ -37912,14 +37887,14 @@
           <a:effectLst/>
           <a:extLst>
             <a:ext uri="{909E8E84-426E-40dd-AFC4-6F175D3DCCD1}">
-              <a14:hiddenFill xmlns="" xmlns:a14="http://schemas.microsoft.com/office/drawing/2010/main">
+              <a14:hiddenFill xmlns:a14="http://schemas.microsoft.com/office/drawing/2010/main" xmlns="">
                 <a:solidFill>
                   <a:srgbClr val="FFFFFF"/>
                 </a:solidFill>
               </a14:hiddenFill>
             </a:ext>
             <a:ext uri="{91240B29-F687-4f45-9708-019B960494DF}">
-              <a14:hiddenLine xmlns="" xmlns:a14="http://schemas.microsoft.com/office/drawing/2010/main" w="9525" cap="flat" cmpd="sng" algn="ctr">
+              <a14:hiddenLine xmlns:a14="http://schemas.microsoft.com/office/drawing/2010/main" xmlns="" w="9525" cap="flat" cmpd="sng" algn="ctr">
                 <a:solidFill>
                   <a:schemeClr val="tx1"/>
                 </a:solidFill>
@@ -37930,7 +37905,7 @@
               </a14:hiddenLine>
             </a:ext>
             <a:ext uri="{AF507438-7753-43e0-B8FC-AC1667EBCBE1}">
-              <a14:hiddenEffects xmlns="" xmlns:a14="http://schemas.microsoft.com/office/drawing/2010/main">
+              <a14:hiddenEffects xmlns:a14="http://schemas.microsoft.com/office/drawing/2010/main" xmlns="">
                 <a:effectLst>
                   <a:outerShdw blurRad="63500" dist="37357" dir="2700000" rotWithShape="0">
                     <a:scrgbClr r="0" g="0" b="0"/>
@@ -37939,7 +37914,7 @@
               </a14:hiddenEffects>
             </a:ext>
             <a:ext uri="{31F19639-BCED-4a60-ADC4-E9642A236FB7}">
-              <a14:hiddenScene3d xmlns="" xmlns:a14="http://schemas.microsoft.com/office/drawing/2010/main">
+              <a14:hiddenScene3d xmlns:a14="http://schemas.microsoft.com/office/drawing/2010/main" xmlns="">
                 <a:camera prst="orthographicFront">
                   <a:rot lat="0" lon="0" rev="0"/>
                 </a:camera>
@@ -37949,14 +37924,14 @@
               </a14:hiddenScene3d>
             </a:ext>
             <a:ext uri="{E45631CC-5BF2-4c18-A39C-3461C7D3F71A}">
-              <a14:hiddenSp3d xmlns="" xmlns:a14="http://schemas.microsoft.com/office/drawing/2010/main" extrusionH="457200">
+              <a14:hiddenSp3d xmlns:a14="http://schemas.microsoft.com/office/drawing/2010/main" xmlns="" extrusionH="457200">
                 <a:contourClr>
                   <a:srgbClr val="000000"/>
                 </a:contourClr>
               </a14:hiddenSp3d>
             </a:ext>
             <a:ext uri="{53640926-AAD7-44d8-BBD7-CCE9431645EC}">
-              <a14:shadowObscured xmlns="" xmlns:a14="http://schemas.microsoft.com/office/drawing/2010/main"/>
+              <a14:shadowObscured xmlns:a14="http://schemas.microsoft.com/office/drawing/2010/main" xmlns=""/>
             </a:ext>
           </a:extLst>
         </p:spPr>
@@ -38305,14 +38280,14 @@
           <a:effectLst/>
           <a:extLst>
             <a:ext uri="{909E8E84-426E-40dd-AFC4-6F175D3DCCD1}">
-              <a14:hiddenFill xmlns:a14="http://schemas.microsoft.com/office/drawing/2010/main" xmlns="">
+              <a14:hiddenFill xmlns="" xmlns:a14="http://schemas.microsoft.com/office/drawing/2010/main">
                 <a:solidFill>
                   <a:srgbClr val="FFFFFF"/>
                 </a:solidFill>
               </a14:hiddenFill>
             </a:ext>
             <a:ext uri="{91240B29-F687-4f45-9708-019B960494DF}">
-              <a14:hiddenLine xmlns:a14="http://schemas.microsoft.com/office/drawing/2010/main" xmlns="" w="9525" cap="flat" cmpd="sng" algn="ctr">
+              <a14:hiddenLine xmlns="" xmlns:a14="http://schemas.microsoft.com/office/drawing/2010/main" w="9525" cap="flat" cmpd="sng" algn="ctr">
                 <a:solidFill>
                   <a:schemeClr val="tx1"/>
                 </a:solidFill>
@@ -38323,7 +38298,7 @@
               </a14:hiddenLine>
             </a:ext>
             <a:ext uri="{AF507438-7753-43e0-B8FC-AC1667EBCBE1}">
-              <a14:hiddenEffects xmlns:a14="http://schemas.microsoft.com/office/drawing/2010/main" xmlns="">
+              <a14:hiddenEffects xmlns="" xmlns:a14="http://schemas.microsoft.com/office/drawing/2010/main">
                 <a:effectLst>
                   <a:outerShdw blurRad="63500" dist="37357" dir="2700000" rotWithShape="0">
                     <a:scrgbClr r="0" g="0" b="0"/>
@@ -38332,7 +38307,7 @@
               </a14:hiddenEffects>
             </a:ext>
             <a:ext uri="{31F19639-BCED-4a60-ADC4-E9642A236FB7}">
-              <a14:hiddenScene3d xmlns:a14="http://schemas.microsoft.com/office/drawing/2010/main" xmlns="">
+              <a14:hiddenScene3d xmlns="" xmlns:a14="http://schemas.microsoft.com/office/drawing/2010/main">
                 <a:camera prst="orthographicFront">
                   <a:rot lat="0" lon="0" rev="0"/>
                 </a:camera>
@@ -38342,14 +38317,14 @@
               </a14:hiddenScene3d>
             </a:ext>
             <a:ext uri="{E45631CC-5BF2-4c18-A39C-3461C7D3F71A}">
-              <a14:hiddenSp3d xmlns:a14="http://schemas.microsoft.com/office/drawing/2010/main" xmlns="" extrusionH="457200">
+              <a14:hiddenSp3d xmlns="" xmlns:a14="http://schemas.microsoft.com/office/drawing/2010/main" extrusionH="457200">
                 <a:contourClr>
                   <a:srgbClr val="000000"/>
                 </a:contourClr>
               </a14:hiddenSp3d>
             </a:ext>
             <a:ext uri="{53640926-AAD7-44d8-BBD7-CCE9431645EC}">
-              <a14:shadowObscured xmlns:a14="http://schemas.microsoft.com/office/drawing/2010/main" xmlns=""/>
+              <a14:shadowObscured xmlns="" xmlns:a14="http://schemas.microsoft.com/office/drawing/2010/main"/>
             </a:ext>
           </a:extLst>
         </p:spPr>
@@ -38397,14 +38372,14 @@
           <a:effectLst/>
           <a:extLst>
             <a:ext uri="{909E8E84-426E-40dd-AFC4-6F175D3DCCD1}">
-              <a14:hiddenFill xmlns:a14="http://schemas.microsoft.com/office/drawing/2010/main" xmlns="">
+              <a14:hiddenFill xmlns="" xmlns:a14="http://schemas.microsoft.com/office/drawing/2010/main">
                 <a:solidFill>
                   <a:srgbClr val="FFFFFF"/>
                 </a:solidFill>
               </a14:hiddenFill>
             </a:ext>
             <a:ext uri="{91240B29-F687-4f45-9708-019B960494DF}">
-              <a14:hiddenLine xmlns:a14="http://schemas.microsoft.com/office/drawing/2010/main" xmlns="" w="9525" cap="flat" cmpd="sng" algn="ctr">
+              <a14:hiddenLine xmlns="" xmlns:a14="http://schemas.microsoft.com/office/drawing/2010/main" w="9525" cap="flat" cmpd="sng" algn="ctr">
                 <a:solidFill>
                   <a:schemeClr val="tx1"/>
                 </a:solidFill>
@@ -38415,7 +38390,7 @@
               </a14:hiddenLine>
             </a:ext>
             <a:ext uri="{AF507438-7753-43e0-B8FC-AC1667EBCBE1}">
-              <a14:hiddenEffects xmlns:a14="http://schemas.microsoft.com/office/drawing/2010/main" xmlns="">
+              <a14:hiddenEffects xmlns="" xmlns:a14="http://schemas.microsoft.com/office/drawing/2010/main">
                 <a:effectLst>
                   <a:outerShdw blurRad="63500" dist="37357" dir="2700000" rotWithShape="0">
                     <a:scrgbClr r="0" g="0" b="0"/>
@@ -38424,7 +38399,7 @@
               </a14:hiddenEffects>
             </a:ext>
             <a:ext uri="{31F19639-BCED-4a60-ADC4-E9642A236FB7}">
-              <a14:hiddenScene3d xmlns:a14="http://schemas.microsoft.com/office/drawing/2010/main" xmlns="">
+              <a14:hiddenScene3d xmlns="" xmlns:a14="http://schemas.microsoft.com/office/drawing/2010/main">
                 <a:camera prst="orthographicFront">
                   <a:rot lat="0" lon="0" rev="0"/>
                 </a:camera>
@@ -38434,14 +38409,14 @@
               </a14:hiddenScene3d>
             </a:ext>
             <a:ext uri="{E45631CC-5BF2-4c18-A39C-3461C7D3F71A}">
-              <a14:hiddenSp3d xmlns:a14="http://schemas.microsoft.com/office/drawing/2010/main" xmlns="" extrusionH="457200">
+              <a14:hiddenSp3d xmlns="" xmlns:a14="http://schemas.microsoft.com/office/drawing/2010/main" extrusionH="457200">
                 <a:contourClr>
                   <a:srgbClr val="000000"/>
                 </a:contourClr>
               </a14:hiddenSp3d>
             </a:ext>
             <a:ext uri="{53640926-AAD7-44d8-BBD7-CCE9431645EC}">
-              <a14:shadowObscured xmlns:a14="http://schemas.microsoft.com/office/drawing/2010/main" xmlns=""/>
+              <a14:shadowObscured xmlns="" xmlns:a14="http://schemas.microsoft.com/office/drawing/2010/main"/>
             </a:ext>
           </a:extLst>
         </p:spPr>
@@ -38489,14 +38464,14 @@
           <a:effectLst/>
           <a:extLst>
             <a:ext uri="{909E8E84-426E-40dd-AFC4-6F175D3DCCD1}">
-              <a14:hiddenFill xmlns:a14="http://schemas.microsoft.com/office/drawing/2010/main" xmlns="">
+              <a14:hiddenFill xmlns="" xmlns:a14="http://schemas.microsoft.com/office/drawing/2010/main">
                 <a:solidFill>
                   <a:srgbClr val="FFFFFF"/>
                 </a:solidFill>
               </a14:hiddenFill>
             </a:ext>
             <a:ext uri="{91240B29-F687-4f45-9708-019B960494DF}">
-              <a14:hiddenLine xmlns:a14="http://schemas.microsoft.com/office/drawing/2010/main" xmlns="" w="9525" cap="flat" cmpd="sng" algn="ctr">
+              <a14:hiddenLine xmlns="" xmlns:a14="http://schemas.microsoft.com/office/drawing/2010/main" w="9525" cap="flat" cmpd="sng" algn="ctr">
                 <a:solidFill>
                   <a:schemeClr val="tx1"/>
                 </a:solidFill>
@@ -38507,7 +38482,7 @@
               </a14:hiddenLine>
             </a:ext>
             <a:ext uri="{AF507438-7753-43e0-B8FC-AC1667EBCBE1}">
-              <a14:hiddenEffects xmlns:a14="http://schemas.microsoft.com/office/drawing/2010/main" xmlns="">
+              <a14:hiddenEffects xmlns="" xmlns:a14="http://schemas.microsoft.com/office/drawing/2010/main">
                 <a:effectLst>
                   <a:outerShdw blurRad="63500" dist="37357" dir="2700000" rotWithShape="0">
                     <a:scrgbClr r="0" g="0" b="0"/>
@@ -38516,7 +38491,7 @@
               </a14:hiddenEffects>
             </a:ext>
             <a:ext uri="{31F19639-BCED-4a60-ADC4-E9642A236FB7}">
-              <a14:hiddenScene3d xmlns:a14="http://schemas.microsoft.com/office/drawing/2010/main" xmlns="">
+              <a14:hiddenScene3d xmlns="" xmlns:a14="http://schemas.microsoft.com/office/drawing/2010/main">
                 <a:camera prst="orthographicFront">
                   <a:rot lat="0" lon="0" rev="0"/>
                 </a:camera>
@@ -38526,14 +38501,14 @@
               </a14:hiddenScene3d>
             </a:ext>
             <a:ext uri="{E45631CC-5BF2-4c18-A39C-3461C7D3F71A}">
-              <a14:hiddenSp3d xmlns:a14="http://schemas.microsoft.com/office/drawing/2010/main" xmlns="" extrusionH="457200">
+              <a14:hiddenSp3d xmlns="" xmlns:a14="http://schemas.microsoft.com/office/drawing/2010/main" extrusionH="457200">
                 <a:contourClr>
                   <a:srgbClr val="000000"/>
                 </a:contourClr>
               </a14:hiddenSp3d>
             </a:ext>
             <a:ext uri="{53640926-AAD7-44d8-BBD7-CCE9431645EC}">
-              <a14:shadowObscured xmlns:a14="http://schemas.microsoft.com/office/drawing/2010/main" xmlns=""/>
+              <a14:shadowObscured xmlns="" xmlns:a14="http://schemas.microsoft.com/office/drawing/2010/main"/>
             </a:ext>
           </a:extLst>
         </p:spPr>
@@ -42622,14 +42597,14 @@
           <a:effectLst/>
           <a:extLst>
             <a:ext uri="{909E8E84-426E-40dd-AFC4-6F175D3DCCD1}">
-              <a14:hiddenFill xmlns:a14="http://schemas.microsoft.com/office/drawing/2010/main" xmlns="">
+              <a14:hiddenFill xmlns="" xmlns:a14="http://schemas.microsoft.com/office/drawing/2010/main">
                 <a:solidFill>
                   <a:srgbClr val="FFFFFF"/>
                 </a:solidFill>
               </a14:hiddenFill>
             </a:ext>
             <a:ext uri="{91240B29-F687-4f45-9708-019B960494DF}">
-              <a14:hiddenLine xmlns:a14="http://schemas.microsoft.com/office/drawing/2010/main" xmlns="" w="9525" cap="flat" cmpd="sng" algn="ctr">
+              <a14:hiddenLine xmlns="" xmlns:a14="http://schemas.microsoft.com/office/drawing/2010/main" w="9525" cap="flat" cmpd="sng" algn="ctr">
                 <a:solidFill>
                   <a:schemeClr val="tx1"/>
                 </a:solidFill>
@@ -42640,7 +42615,7 @@
               </a14:hiddenLine>
             </a:ext>
             <a:ext uri="{AF507438-7753-43e0-B8FC-AC1667EBCBE1}">
-              <a14:hiddenEffects xmlns:a14="http://schemas.microsoft.com/office/drawing/2010/main" xmlns="">
+              <a14:hiddenEffects xmlns="" xmlns:a14="http://schemas.microsoft.com/office/drawing/2010/main">
                 <a:effectLst>
                   <a:outerShdw blurRad="63500" dist="37357" dir="2700000" rotWithShape="0">
                     <a:scrgbClr r="0" g="0" b="0"/>
@@ -42649,7 +42624,7 @@
               </a14:hiddenEffects>
             </a:ext>
             <a:ext uri="{31F19639-BCED-4a60-ADC4-E9642A236FB7}">
-              <a14:hiddenScene3d xmlns:a14="http://schemas.microsoft.com/office/drawing/2010/main" xmlns="">
+              <a14:hiddenScene3d xmlns="" xmlns:a14="http://schemas.microsoft.com/office/drawing/2010/main">
                 <a:camera prst="orthographicFront">
                   <a:rot lat="0" lon="0" rev="0"/>
                 </a:camera>
@@ -42659,14 +42634,14 @@
               </a14:hiddenScene3d>
             </a:ext>
             <a:ext uri="{E45631CC-5BF2-4c18-A39C-3461C7D3F71A}">
-              <a14:hiddenSp3d xmlns:a14="http://schemas.microsoft.com/office/drawing/2010/main" xmlns="" extrusionH="457200">
+              <a14:hiddenSp3d xmlns="" xmlns:a14="http://schemas.microsoft.com/office/drawing/2010/main" extrusionH="457200">
                 <a:contourClr>
                   <a:srgbClr val="000000"/>
                 </a:contourClr>
               </a14:hiddenSp3d>
             </a:ext>
             <a:ext uri="{53640926-AAD7-44d8-BBD7-CCE9431645EC}">
-              <a14:shadowObscured xmlns:a14="http://schemas.microsoft.com/office/drawing/2010/main" xmlns=""/>
+              <a14:shadowObscured xmlns="" xmlns:a14="http://schemas.microsoft.com/office/drawing/2010/main"/>
             </a:ext>
           </a:extLst>
         </p:spPr>
@@ -42714,14 +42689,14 @@
           <a:effectLst/>
           <a:extLst>
             <a:ext uri="{909E8E84-426E-40dd-AFC4-6F175D3DCCD1}">
-              <a14:hiddenFill xmlns:a14="http://schemas.microsoft.com/office/drawing/2010/main" xmlns="">
+              <a14:hiddenFill xmlns="" xmlns:a14="http://schemas.microsoft.com/office/drawing/2010/main">
                 <a:solidFill>
                   <a:srgbClr val="FFFFFF"/>
                 </a:solidFill>
               </a14:hiddenFill>
             </a:ext>
             <a:ext uri="{91240B29-F687-4f45-9708-019B960494DF}">
-              <a14:hiddenLine xmlns:a14="http://schemas.microsoft.com/office/drawing/2010/main" xmlns="" w="9525" cap="flat" cmpd="sng" algn="ctr">
+              <a14:hiddenLine xmlns="" xmlns:a14="http://schemas.microsoft.com/office/drawing/2010/main" w="9525" cap="flat" cmpd="sng" algn="ctr">
                 <a:solidFill>
                   <a:schemeClr val="tx1"/>
                 </a:solidFill>
@@ -42732,7 +42707,7 @@
               </a14:hiddenLine>
             </a:ext>
             <a:ext uri="{AF507438-7753-43e0-B8FC-AC1667EBCBE1}">
-              <a14:hiddenEffects xmlns:a14="http://schemas.microsoft.com/office/drawing/2010/main" xmlns="">
+              <a14:hiddenEffects xmlns="" xmlns:a14="http://schemas.microsoft.com/office/drawing/2010/main">
                 <a:effectLst>
                   <a:outerShdw blurRad="63500" dist="37357" dir="2700000" rotWithShape="0">
                     <a:scrgbClr r="0" g="0" b="0"/>
@@ -42741,7 +42716,7 @@
               </a14:hiddenEffects>
             </a:ext>
             <a:ext uri="{31F19639-BCED-4a60-ADC4-E9642A236FB7}">
-              <a14:hiddenScene3d xmlns:a14="http://schemas.microsoft.com/office/drawing/2010/main" xmlns="">
+              <a14:hiddenScene3d xmlns="" xmlns:a14="http://schemas.microsoft.com/office/drawing/2010/main">
                 <a:camera prst="orthographicFront">
                   <a:rot lat="0" lon="0" rev="0"/>
                 </a:camera>
@@ -42751,14 +42726,14 @@
               </a14:hiddenScene3d>
             </a:ext>
             <a:ext uri="{E45631CC-5BF2-4c18-A39C-3461C7D3F71A}">
-              <a14:hiddenSp3d xmlns:a14="http://schemas.microsoft.com/office/drawing/2010/main" xmlns="" extrusionH="457200">
+              <a14:hiddenSp3d xmlns="" xmlns:a14="http://schemas.microsoft.com/office/drawing/2010/main" extrusionH="457200">
                 <a:contourClr>
                   <a:srgbClr val="000000"/>
                 </a:contourClr>
               </a14:hiddenSp3d>
             </a:ext>
             <a:ext uri="{53640926-AAD7-44d8-BBD7-CCE9431645EC}">
-              <a14:shadowObscured xmlns:a14="http://schemas.microsoft.com/office/drawing/2010/main" xmlns=""/>
+              <a14:shadowObscured xmlns="" xmlns:a14="http://schemas.microsoft.com/office/drawing/2010/main"/>
             </a:ext>
           </a:extLst>
         </p:spPr>
@@ -42806,14 +42781,14 @@
           <a:effectLst/>
           <a:extLst>
             <a:ext uri="{909E8E84-426E-40dd-AFC4-6F175D3DCCD1}">
-              <a14:hiddenFill xmlns:a14="http://schemas.microsoft.com/office/drawing/2010/main" xmlns="">
+              <a14:hiddenFill xmlns="" xmlns:a14="http://schemas.microsoft.com/office/drawing/2010/main">
                 <a:solidFill>
                   <a:srgbClr val="FFFFFF"/>
                 </a:solidFill>
               </a14:hiddenFill>
             </a:ext>
             <a:ext uri="{91240B29-F687-4f45-9708-019B960494DF}">
-              <a14:hiddenLine xmlns:a14="http://schemas.microsoft.com/office/drawing/2010/main" xmlns="" w="9525" cap="flat" cmpd="sng" algn="ctr">
+              <a14:hiddenLine xmlns="" xmlns:a14="http://schemas.microsoft.com/office/drawing/2010/main" w="9525" cap="flat" cmpd="sng" algn="ctr">
                 <a:solidFill>
                   <a:schemeClr val="tx1"/>
                 </a:solidFill>
@@ -42824,7 +42799,7 @@
               </a14:hiddenLine>
             </a:ext>
             <a:ext uri="{AF507438-7753-43e0-B8FC-AC1667EBCBE1}">
-              <a14:hiddenEffects xmlns:a14="http://schemas.microsoft.com/office/drawing/2010/main" xmlns="">
+              <a14:hiddenEffects xmlns="" xmlns:a14="http://schemas.microsoft.com/office/drawing/2010/main">
                 <a:effectLst>
                   <a:outerShdw blurRad="63500" dist="37357" dir="2700000" rotWithShape="0">
                     <a:scrgbClr r="0" g="0" b="0"/>
@@ -42833,7 +42808,7 @@
               </a14:hiddenEffects>
             </a:ext>
             <a:ext uri="{31F19639-BCED-4a60-ADC4-E9642A236FB7}">
-              <a14:hiddenScene3d xmlns:a14="http://schemas.microsoft.com/office/drawing/2010/main" xmlns="">
+              <a14:hiddenScene3d xmlns="" xmlns:a14="http://schemas.microsoft.com/office/drawing/2010/main">
                 <a:camera prst="orthographicFront">
                   <a:rot lat="0" lon="0" rev="0"/>
                 </a:camera>
@@ -42843,14 +42818,14 @@
               </a14:hiddenScene3d>
             </a:ext>
             <a:ext uri="{E45631CC-5BF2-4c18-A39C-3461C7D3F71A}">
-              <a14:hiddenSp3d xmlns:a14="http://schemas.microsoft.com/office/drawing/2010/main" xmlns="" extrusionH="457200">
+              <a14:hiddenSp3d xmlns="" xmlns:a14="http://schemas.microsoft.com/office/drawing/2010/main" extrusionH="457200">
                 <a:contourClr>
                   <a:srgbClr val="000000"/>
                 </a:contourClr>
               </a14:hiddenSp3d>
             </a:ext>
             <a:ext uri="{53640926-AAD7-44d8-BBD7-CCE9431645EC}">
-              <a14:shadowObscured xmlns:a14="http://schemas.microsoft.com/office/drawing/2010/main" xmlns=""/>
+              <a14:shadowObscured xmlns="" xmlns:a14="http://schemas.microsoft.com/office/drawing/2010/main"/>
             </a:ext>
           </a:extLst>
         </p:spPr>
@@ -42898,14 +42873,14 @@
           <a:effectLst/>
           <a:extLst>
             <a:ext uri="{909E8E84-426E-40dd-AFC4-6F175D3DCCD1}">
-              <a14:hiddenFill xmlns:a14="http://schemas.microsoft.com/office/drawing/2010/main" xmlns="">
+              <a14:hiddenFill xmlns="" xmlns:a14="http://schemas.microsoft.com/office/drawing/2010/main">
                 <a:solidFill>
                   <a:srgbClr val="FFFFFF"/>
                 </a:solidFill>
               </a14:hiddenFill>
             </a:ext>
             <a:ext uri="{91240B29-F687-4f45-9708-019B960494DF}">
-              <a14:hiddenLine xmlns:a14="http://schemas.microsoft.com/office/drawing/2010/main" xmlns="" w="9525" cap="flat" cmpd="sng" algn="ctr">
+              <a14:hiddenLine xmlns="" xmlns:a14="http://schemas.microsoft.com/office/drawing/2010/main" w="9525" cap="flat" cmpd="sng" algn="ctr">
                 <a:solidFill>
                   <a:schemeClr val="tx1"/>
                 </a:solidFill>
@@ -42916,7 +42891,7 @@
               </a14:hiddenLine>
             </a:ext>
             <a:ext uri="{AF507438-7753-43e0-B8FC-AC1667EBCBE1}">
-              <a14:hiddenEffects xmlns:a14="http://schemas.microsoft.com/office/drawing/2010/main" xmlns="">
+              <a14:hiddenEffects xmlns="" xmlns:a14="http://schemas.microsoft.com/office/drawing/2010/main">
                 <a:effectLst>
                   <a:outerShdw blurRad="63500" dist="37357" dir="2700000" rotWithShape="0">
                     <a:scrgbClr r="0" g="0" b="0"/>
@@ -42925,7 +42900,7 @@
               </a14:hiddenEffects>
             </a:ext>
             <a:ext uri="{31F19639-BCED-4a60-ADC4-E9642A236FB7}">
-              <a14:hiddenScene3d xmlns:a14="http://schemas.microsoft.com/office/drawing/2010/main" xmlns="">
+              <a14:hiddenScene3d xmlns="" xmlns:a14="http://schemas.microsoft.com/office/drawing/2010/main">
                 <a:camera prst="orthographicFront">
                   <a:rot lat="0" lon="0" rev="0"/>
                 </a:camera>
@@ -42935,14 +42910,14 @@
               </a14:hiddenScene3d>
             </a:ext>
             <a:ext uri="{E45631CC-5BF2-4c18-A39C-3461C7D3F71A}">
-              <a14:hiddenSp3d xmlns:a14="http://schemas.microsoft.com/office/drawing/2010/main" xmlns="" extrusionH="457200">
+              <a14:hiddenSp3d xmlns="" xmlns:a14="http://schemas.microsoft.com/office/drawing/2010/main" extrusionH="457200">
                 <a:contourClr>
                   <a:srgbClr val="000000"/>
                 </a:contourClr>
               </a14:hiddenSp3d>
             </a:ext>
             <a:ext uri="{53640926-AAD7-44d8-BBD7-CCE9431645EC}">
-              <a14:shadowObscured xmlns:a14="http://schemas.microsoft.com/office/drawing/2010/main" xmlns=""/>
+              <a14:shadowObscured xmlns="" xmlns:a14="http://schemas.microsoft.com/office/drawing/2010/main"/>
             </a:ext>
           </a:extLst>
         </p:spPr>
@@ -43742,14 +43717,14 @@
           </a:ln>
           <a:extLst>
             <a:ext uri="{909E8E84-426E-40dd-AFC4-6F175D3DCCD1}">
-              <a14:hiddenFill xmlns:a14="http://schemas.microsoft.com/office/drawing/2010/main" xmlns="">
+              <a14:hiddenFill xmlns="" xmlns:a14="http://schemas.microsoft.com/office/drawing/2010/main">
                 <a:solidFill>
                   <a:srgbClr val="FFFFFF"/>
                 </a:solidFill>
               </a14:hiddenFill>
             </a:ext>
             <a:ext uri="{91240B29-F687-4f45-9708-019B960494DF}">
-              <a14:hiddenLine xmlns:a14="http://schemas.microsoft.com/office/drawing/2010/main" xmlns="" w="9525">
+              <a14:hiddenLine xmlns="" xmlns:a14="http://schemas.microsoft.com/office/drawing/2010/main" w="9525">
                 <a:solidFill>
                   <a:srgbClr val="000000"/>
                 </a:solidFill>
@@ -44592,14 +44567,14 @@
           </a:ln>
           <a:extLst>
             <a:ext uri="{909E8E84-426E-40dd-AFC4-6F175D3DCCD1}">
-              <a14:hiddenFill xmlns:a14="http://schemas.microsoft.com/office/drawing/2010/main" xmlns="">
+              <a14:hiddenFill xmlns="" xmlns:a14="http://schemas.microsoft.com/office/drawing/2010/main">
                 <a:solidFill>
                   <a:srgbClr val="FFFFFF"/>
                 </a:solidFill>
               </a14:hiddenFill>
             </a:ext>
             <a:ext uri="{91240B29-F687-4f45-9708-019B960494DF}">
-              <a14:hiddenLine xmlns:a14="http://schemas.microsoft.com/office/drawing/2010/main" xmlns="" w="9525">
+              <a14:hiddenLine xmlns="" xmlns:a14="http://schemas.microsoft.com/office/drawing/2010/main" w="9525">
                 <a:solidFill>
                   <a:srgbClr val="000000"/>
                 </a:solidFill>
@@ -44650,14 +44625,14 @@
           </a:ln>
           <a:extLst>
             <a:ext uri="{909E8E84-426E-40dd-AFC4-6F175D3DCCD1}">
-              <a14:hiddenFill xmlns:a14="http://schemas.microsoft.com/office/drawing/2010/main" xmlns="">
+              <a14:hiddenFill xmlns="" xmlns:a14="http://schemas.microsoft.com/office/drawing/2010/main">
                 <a:solidFill>
                   <a:srgbClr val="FFFFFF"/>
                 </a:solidFill>
               </a14:hiddenFill>
             </a:ext>
             <a:ext uri="{91240B29-F687-4f45-9708-019B960494DF}">
-              <a14:hiddenLine xmlns:a14="http://schemas.microsoft.com/office/drawing/2010/main" xmlns="" w="9525">
+              <a14:hiddenLine xmlns="" xmlns:a14="http://schemas.microsoft.com/office/drawing/2010/main" w="9525">
                 <a:solidFill>
                   <a:srgbClr val="000000"/>
                 </a:solidFill>
@@ -44708,14 +44683,14 @@
           </a:ln>
           <a:extLst>
             <a:ext uri="{909E8E84-426E-40dd-AFC4-6F175D3DCCD1}">
-              <a14:hiddenFill xmlns:a14="http://schemas.microsoft.com/office/drawing/2010/main" xmlns="">
+              <a14:hiddenFill xmlns="" xmlns:a14="http://schemas.microsoft.com/office/drawing/2010/main">
                 <a:solidFill>
                   <a:srgbClr val="FFFFFF"/>
                 </a:solidFill>
               </a14:hiddenFill>
             </a:ext>
             <a:ext uri="{91240B29-F687-4f45-9708-019B960494DF}">
-              <a14:hiddenLine xmlns:a14="http://schemas.microsoft.com/office/drawing/2010/main" xmlns="" w="9525">
+              <a14:hiddenLine xmlns="" xmlns:a14="http://schemas.microsoft.com/office/drawing/2010/main" w="9525">
                 <a:solidFill>
                   <a:srgbClr val="000000"/>
                 </a:solidFill>
@@ -44757,7 +44732,7 @@
           </a:ln>
           <a:extLst>
             <a:ext uri="{909E8E84-426E-40dd-AFC4-6F175D3DCCD1}">
-              <a14:hiddenFill xmlns:a14="http://schemas.microsoft.com/office/drawing/2010/main" xmlns="">
+              <a14:hiddenFill xmlns="" xmlns:a14="http://schemas.microsoft.com/office/drawing/2010/main">
                 <a:solidFill>
                   <a:srgbClr val="FFFFFF"/>
                 </a:solidFill>
@@ -44800,7 +44775,7 @@
           </a:ln>
           <a:extLst>
             <a:ext uri="{91240B29-F687-4f45-9708-019B960494DF}">
-              <a14:hiddenLine xmlns:a14="http://schemas.microsoft.com/office/drawing/2010/main" xmlns="" w="9525">
+              <a14:hiddenLine xmlns="" xmlns:a14="http://schemas.microsoft.com/office/drawing/2010/main" w="9525">
                 <a:solidFill>
                   <a:srgbClr val="000000"/>
                 </a:solidFill>
@@ -44852,7 +44827,7 @@
           </a:ln>
           <a:extLst>
             <a:ext uri="{909E8E84-426E-40dd-AFC4-6F175D3DCCD1}">
-              <a14:hiddenFill xmlns:a14="http://schemas.microsoft.com/office/drawing/2010/main" xmlns="">
+              <a14:hiddenFill xmlns="" xmlns:a14="http://schemas.microsoft.com/office/drawing/2010/main">
                 <a:solidFill>
                   <a:srgbClr val="FFFFFF"/>
                 </a:solidFill>
@@ -44910,14 +44885,14 @@
           </a:ln>
           <a:extLst>
             <a:ext uri="{909E8E84-426E-40dd-AFC4-6F175D3DCCD1}">
-              <a14:hiddenFill xmlns:a14="http://schemas.microsoft.com/office/drawing/2010/main" xmlns="">
+              <a14:hiddenFill xmlns="" xmlns:a14="http://schemas.microsoft.com/office/drawing/2010/main">
                 <a:solidFill>
                   <a:srgbClr val="FFFFFF"/>
                 </a:solidFill>
               </a14:hiddenFill>
             </a:ext>
             <a:ext uri="{91240B29-F687-4f45-9708-019B960494DF}">
-              <a14:hiddenLine xmlns:a14="http://schemas.microsoft.com/office/drawing/2010/main" xmlns="" w="9525">
+              <a14:hiddenLine xmlns="" xmlns:a14="http://schemas.microsoft.com/office/drawing/2010/main" w="9525">
                 <a:solidFill>
                   <a:srgbClr val="000000"/>
                 </a:solidFill>
@@ -44968,14 +44943,14 @@
           </a:ln>
           <a:extLst>
             <a:ext uri="{909E8E84-426E-40dd-AFC4-6F175D3DCCD1}">
-              <a14:hiddenFill xmlns:a14="http://schemas.microsoft.com/office/drawing/2010/main" xmlns="">
+              <a14:hiddenFill xmlns="" xmlns:a14="http://schemas.microsoft.com/office/drawing/2010/main">
                 <a:solidFill>
                   <a:srgbClr val="FFFFFF"/>
                 </a:solidFill>
               </a14:hiddenFill>
             </a:ext>
             <a:ext uri="{91240B29-F687-4f45-9708-019B960494DF}">
-              <a14:hiddenLine xmlns:a14="http://schemas.microsoft.com/office/drawing/2010/main" xmlns="" w="9525">
+              <a14:hiddenLine xmlns="" xmlns:a14="http://schemas.microsoft.com/office/drawing/2010/main" w="9525">
                 <a:solidFill>
                   <a:srgbClr val="000000"/>
                 </a:solidFill>
@@ -45161,7 +45136,7 @@
           </a:ln>
           <a:extLst>
             <a:ext uri="{91240B29-F687-4f45-9708-019B960494DF}">
-              <a14:hiddenLine xmlns:a14="http://schemas.microsoft.com/office/drawing/2010/main" xmlns="" w="9525">
+              <a14:hiddenLine xmlns="" xmlns:a14="http://schemas.microsoft.com/office/drawing/2010/main" w="9525">
                 <a:solidFill>
                   <a:srgbClr val="000000"/>
                 </a:solidFill>
@@ -46674,14 +46649,14 @@
           <a:effectLst/>
           <a:extLst>
             <a:ext uri="{909E8E84-426E-40dd-AFC4-6F175D3DCCD1}">
-              <a14:hiddenFill xmlns:a14="http://schemas.microsoft.com/office/drawing/2010/main" xmlns="">
+              <a14:hiddenFill xmlns="" xmlns:a14="http://schemas.microsoft.com/office/drawing/2010/main">
                 <a:solidFill>
                   <a:srgbClr val="FFFFFF"/>
                 </a:solidFill>
               </a14:hiddenFill>
             </a:ext>
             <a:ext uri="{91240B29-F687-4f45-9708-019B960494DF}">
-              <a14:hiddenLine xmlns:a14="http://schemas.microsoft.com/office/drawing/2010/main" xmlns="" w="9525" cap="flat" cmpd="sng" algn="ctr">
+              <a14:hiddenLine xmlns="" xmlns:a14="http://schemas.microsoft.com/office/drawing/2010/main" w="9525" cap="flat" cmpd="sng" algn="ctr">
                 <a:solidFill>
                   <a:schemeClr val="tx1"/>
                 </a:solidFill>
@@ -46692,7 +46667,7 @@
               </a14:hiddenLine>
             </a:ext>
             <a:ext uri="{AF507438-7753-43e0-B8FC-AC1667EBCBE1}">
-              <a14:hiddenEffects xmlns:a14="http://schemas.microsoft.com/office/drawing/2010/main" xmlns="">
+              <a14:hiddenEffects xmlns="" xmlns:a14="http://schemas.microsoft.com/office/drawing/2010/main">
                 <a:effectLst>
                   <a:outerShdw blurRad="63500" dist="37357" dir="2700000" rotWithShape="0">
                     <a:scrgbClr r="0" g="0" b="0"/>
@@ -46701,7 +46676,7 @@
               </a14:hiddenEffects>
             </a:ext>
             <a:ext uri="{31F19639-BCED-4a60-ADC4-E9642A236FB7}">
-              <a14:hiddenScene3d xmlns:a14="http://schemas.microsoft.com/office/drawing/2010/main" xmlns="">
+              <a14:hiddenScene3d xmlns="" xmlns:a14="http://schemas.microsoft.com/office/drawing/2010/main">
                 <a:camera prst="orthographicFront">
                   <a:rot lat="0" lon="0" rev="0"/>
                 </a:camera>
@@ -46711,14 +46686,14 @@
               </a14:hiddenScene3d>
             </a:ext>
             <a:ext uri="{E45631CC-5BF2-4c18-A39C-3461C7D3F71A}">
-              <a14:hiddenSp3d xmlns:a14="http://schemas.microsoft.com/office/drawing/2010/main" xmlns="" extrusionH="457200">
+              <a14:hiddenSp3d xmlns="" xmlns:a14="http://schemas.microsoft.com/office/drawing/2010/main" extrusionH="457200">
                 <a:contourClr>
                   <a:srgbClr val="000000"/>
                 </a:contourClr>
               </a14:hiddenSp3d>
             </a:ext>
             <a:ext uri="{53640926-AAD7-44d8-BBD7-CCE9431645EC}">
-              <a14:shadowObscured xmlns:a14="http://schemas.microsoft.com/office/drawing/2010/main" xmlns=""/>
+              <a14:shadowObscured xmlns="" xmlns:a14="http://schemas.microsoft.com/office/drawing/2010/main"/>
             </a:ext>
           </a:extLst>
         </p:spPr>
@@ -46766,14 +46741,14 @@
           <a:effectLst/>
           <a:extLst>
             <a:ext uri="{909E8E84-426E-40dd-AFC4-6F175D3DCCD1}">
-              <a14:hiddenFill xmlns:a14="http://schemas.microsoft.com/office/drawing/2010/main" xmlns="">
+              <a14:hiddenFill xmlns="" xmlns:a14="http://schemas.microsoft.com/office/drawing/2010/main">
                 <a:solidFill>
                   <a:srgbClr val="FFFFFF"/>
                 </a:solidFill>
               </a14:hiddenFill>
             </a:ext>
             <a:ext uri="{91240B29-F687-4f45-9708-019B960494DF}">
-              <a14:hiddenLine xmlns:a14="http://schemas.microsoft.com/office/drawing/2010/main" xmlns="" w="9525" cap="flat" cmpd="sng" algn="ctr">
+              <a14:hiddenLine xmlns="" xmlns:a14="http://schemas.microsoft.com/office/drawing/2010/main" w="9525" cap="flat" cmpd="sng" algn="ctr">
                 <a:solidFill>
                   <a:schemeClr val="tx1"/>
                 </a:solidFill>
@@ -46784,7 +46759,7 @@
               </a14:hiddenLine>
             </a:ext>
             <a:ext uri="{AF507438-7753-43e0-B8FC-AC1667EBCBE1}">
-              <a14:hiddenEffects xmlns:a14="http://schemas.microsoft.com/office/drawing/2010/main" xmlns="">
+              <a14:hiddenEffects xmlns="" xmlns:a14="http://schemas.microsoft.com/office/drawing/2010/main">
                 <a:effectLst>
                   <a:outerShdw blurRad="63500" dist="37357" dir="2700000" rotWithShape="0">
                     <a:scrgbClr r="0" g="0" b="0"/>
@@ -46793,7 +46768,7 @@
               </a14:hiddenEffects>
             </a:ext>
             <a:ext uri="{31F19639-BCED-4a60-ADC4-E9642A236FB7}">
-              <a14:hiddenScene3d xmlns:a14="http://schemas.microsoft.com/office/drawing/2010/main" xmlns="">
+              <a14:hiddenScene3d xmlns="" xmlns:a14="http://schemas.microsoft.com/office/drawing/2010/main">
                 <a:camera prst="orthographicFront">
                   <a:rot lat="0" lon="0" rev="0"/>
                 </a:camera>
@@ -46803,14 +46778,14 @@
               </a14:hiddenScene3d>
             </a:ext>
             <a:ext uri="{E45631CC-5BF2-4c18-A39C-3461C7D3F71A}">
-              <a14:hiddenSp3d xmlns:a14="http://schemas.microsoft.com/office/drawing/2010/main" xmlns="" extrusionH="457200">
+              <a14:hiddenSp3d xmlns="" xmlns:a14="http://schemas.microsoft.com/office/drawing/2010/main" extrusionH="457200">
                 <a:contourClr>
                   <a:srgbClr val="000000"/>
                 </a:contourClr>
               </a14:hiddenSp3d>
             </a:ext>
             <a:ext uri="{53640926-AAD7-44d8-BBD7-CCE9431645EC}">
-              <a14:shadowObscured xmlns:a14="http://schemas.microsoft.com/office/drawing/2010/main" xmlns=""/>
+              <a14:shadowObscured xmlns="" xmlns:a14="http://schemas.microsoft.com/office/drawing/2010/main"/>
             </a:ext>
           </a:extLst>
         </p:spPr>
@@ -46858,14 +46833,14 @@
           <a:effectLst/>
           <a:extLst>
             <a:ext uri="{909E8E84-426E-40dd-AFC4-6F175D3DCCD1}">
-              <a14:hiddenFill xmlns:a14="http://schemas.microsoft.com/office/drawing/2010/main" xmlns="">
+              <a14:hiddenFill xmlns="" xmlns:a14="http://schemas.microsoft.com/office/drawing/2010/main">
                 <a:solidFill>
                   <a:srgbClr val="FFFFFF"/>
                 </a:solidFill>
               </a14:hiddenFill>
             </a:ext>
             <a:ext uri="{91240B29-F687-4f45-9708-019B960494DF}">
-              <a14:hiddenLine xmlns:a14="http://schemas.microsoft.com/office/drawing/2010/main" xmlns="" w="9525" cap="flat" cmpd="sng" algn="ctr">
+              <a14:hiddenLine xmlns="" xmlns:a14="http://schemas.microsoft.com/office/drawing/2010/main" w="9525" cap="flat" cmpd="sng" algn="ctr">
                 <a:solidFill>
                   <a:schemeClr val="tx1"/>
                 </a:solidFill>
@@ -46876,7 +46851,7 @@
               </a14:hiddenLine>
             </a:ext>
             <a:ext uri="{AF507438-7753-43e0-B8FC-AC1667EBCBE1}">
-              <a14:hiddenEffects xmlns:a14="http://schemas.microsoft.com/office/drawing/2010/main" xmlns="">
+              <a14:hiddenEffects xmlns="" xmlns:a14="http://schemas.microsoft.com/office/drawing/2010/main">
                 <a:effectLst>
                   <a:outerShdw blurRad="63500" dist="37357" dir="2700000" rotWithShape="0">
                     <a:scrgbClr r="0" g="0" b="0"/>
@@ -46885,7 +46860,7 @@
               </a14:hiddenEffects>
             </a:ext>
             <a:ext uri="{31F19639-BCED-4a60-ADC4-E9642A236FB7}">
-              <a14:hiddenScene3d xmlns:a14="http://schemas.microsoft.com/office/drawing/2010/main" xmlns="">
+              <a14:hiddenScene3d xmlns="" xmlns:a14="http://schemas.microsoft.com/office/drawing/2010/main">
                 <a:camera prst="orthographicFront">
                   <a:rot lat="0" lon="0" rev="0"/>
                 </a:camera>
@@ -46895,14 +46870,14 @@
               </a14:hiddenScene3d>
             </a:ext>
             <a:ext uri="{E45631CC-5BF2-4c18-A39C-3461C7D3F71A}">
-              <a14:hiddenSp3d xmlns:a14="http://schemas.microsoft.com/office/drawing/2010/main" xmlns="" extrusionH="457200">
+              <a14:hiddenSp3d xmlns="" xmlns:a14="http://schemas.microsoft.com/office/drawing/2010/main" extrusionH="457200">
                 <a:contourClr>
                   <a:srgbClr val="000000"/>
                 </a:contourClr>
               </a14:hiddenSp3d>
             </a:ext>
             <a:ext uri="{53640926-AAD7-44d8-BBD7-CCE9431645EC}">
-              <a14:shadowObscured xmlns:a14="http://schemas.microsoft.com/office/drawing/2010/main" xmlns=""/>
+              <a14:shadowObscured xmlns="" xmlns:a14="http://schemas.microsoft.com/office/drawing/2010/main"/>
             </a:ext>
           </a:extLst>
         </p:spPr>
